--- a/Memory Palace/Elasticsearch/ElasticSearch基本原理.pptx
+++ b/Memory Palace/Elasticsearch/ElasticSearch基本原理.pptx
@@ -5,7 +5,7 @@
     <p:sldMasterId id="2147483690" r:id="rId1"/>
   </p:sldMasterIdLst>
   <p:notesMasterIdLst>
-    <p:notesMasterId r:id="rId22"/>
+    <p:notesMasterId r:id="rId30"/>
   </p:notesMasterIdLst>
   <p:sldIdLst>
     <p:sldId id="256" r:id="rId2"/>
@@ -26,8 +26,16 @@
     <p:sldId id="271" r:id="rId17"/>
     <p:sldId id="272" r:id="rId18"/>
     <p:sldId id="273" r:id="rId19"/>
-    <p:sldId id="274" r:id="rId20"/>
-    <p:sldId id="275" r:id="rId21"/>
+    <p:sldId id="276" r:id="rId20"/>
+    <p:sldId id="277" r:id="rId21"/>
+    <p:sldId id="274" r:id="rId22"/>
+    <p:sldId id="275" r:id="rId23"/>
+    <p:sldId id="278" r:id="rId24"/>
+    <p:sldId id="279" r:id="rId25"/>
+    <p:sldId id="280" r:id="rId26"/>
+    <p:sldId id="281" r:id="rId27"/>
+    <p:sldId id="282" r:id="rId28"/>
+    <p:sldId id="283" r:id="rId29"/>
   </p:sldIdLst>
   <p:sldSz cx="12192000" cy="6858000"/>
   <p:notesSz cx="6858000" cy="9144000"/>
@@ -165,8 +173,20 @@
             <p14:sldId id="271"/>
             <p14:sldId id="272"/>
             <p14:sldId id="273"/>
+            <p14:sldId id="276"/>
+            <p14:sldId id="277"/>
+          </p14:sldIdLst>
+        </p14:section>
+        <p14:section name="四、分布式特性" id="{0F6E928F-EC47-43B0-A853-0C63403124AA}">
+          <p14:sldIdLst>
             <p14:sldId id="274"/>
             <p14:sldId id="275"/>
+            <p14:sldId id="278"/>
+            <p14:sldId id="279"/>
+            <p14:sldId id="280"/>
+            <p14:sldId id="281"/>
+            <p14:sldId id="282"/>
+            <p14:sldId id="283"/>
           </p14:sldIdLst>
         </p14:section>
       </p14:sectionLst>
@@ -271,7 +291,7 @@
           <a:p>
             <a:fld id="{CFCC8534-AA56-4EAA-AA4C-E58991B7D7D7}" type="datetimeFigureOut">
               <a:rPr lang="zh-CN" altLang="en-US" smtClean="0"/>
-              <a:t>2022/8/3</a:t>
+              <a:t>2022/8/8</a:t>
             </a:fld>
             <a:endParaRPr lang="zh-CN" altLang="en-US"/>
           </a:p>
@@ -664,6 +684,471 @@
 </p:notes>
 </file>
 
+<file path=ppt/notesSlides/notesSlide10.xml><?xml version="1.0" encoding="utf-8"?>
+<p:notes xmlns:a="http://schemas.openxmlformats.org/drawingml/2006/main" xmlns:r="http://schemas.openxmlformats.org/officeDocument/2006/relationships" xmlns:p="http://schemas.openxmlformats.org/presentationml/2006/main">
+  <p:cSld>
+    <p:spTree>
+      <p:nvGrpSpPr>
+        <p:cNvPr id="1" name=""/>
+        <p:cNvGrpSpPr/>
+        <p:nvPr/>
+      </p:nvGrpSpPr>
+      <p:grpSpPr>
+        <a:xfrm>
+          <a:off x="0" y="0"/>
+          <a:ext cx="0" cy="0"/>
+          <a:chOff x="0" y="0"/>
+          <a:chExt cx="0" cy="0"/>
+        </a:xfrm>
+      </p:grpSpPr>
+      <p:sp>
+        <p:nvSpPr>
+          <p:cNvPr id="2" name="幻灯片图像占位符 1"/>
+          <p:cNvSpPr>
+            <a:spLocks noGrp="1" noRot="1" noChangeAspect="1"/>
+          </p:cNvSpPr>
+          <p:nvPr>
+            <p:ph type="sldImg"/>
+          </p:nvPr>
+        </p:nvSpPr>
+        <p:spPr/>
+      </p:sp>
+      <p:sp>
+        <p:nvSpPr>
+          <p:cNvPr id="3" name="备注占位符 2"/>
+          <p:cNvSpPr>
+            <a:spLocks noGrp="1"/>
+          </p:cNvSpPr>
+          <p:nvPr>
+            <p:ph type="body" idx="1"/>
+          </p:nvPr>
+        </p:nvSpPr>
+        <p:spPr/>
+        <p:txBody>
+          <a:bodyPr/>
+          <a:lstStyle/>
+          <a:p>
+            <a:r>
+              <a:rPr lang="zh-CN" altLang="en-US" dirty="0" smtClean="0"/>
+              <a:t>集群启动的第一件事是从已知的活跃机器列表中选择一个作为</a:t>
+            </a:r>
+            <a:r>
+              <a:rPr lang="zh-CN" altLang="en-US" b="1" dirty="0" smtClean="0"/>
+              <a:t>主节点</a:t>
+            </a:r>
+            <a:r>
+              <a:rPr lang="zh-CN" altLang="en-US" dirty="0" smtClean="0"/>
+              <a:t>，选主之后的流程由主节点触发。</a:t>
+            </a:r>
+            <a:endParaRPr lang="en-US" altLang="zh-CN" dirty="0" smtClean="0"/>
+          </a:p>
+          <a:p>
+            <a:endParaRPr lang="en-US" altLang="zh-CN" dirty="0" smtClean="0"/>
+          </a:p>
+          <a:p>
+            <a:r>
+              <a:rPr lang="en-US" altLang="zh-CN" dirty="0" smtClean="0"/>
+              <a:t>ES</a:t>
+            </a:r>
+            <a:r>
+              <a:rPr lang="zh-CN" altLang="en-US" dirty="0" smtClean="0"/>
+              <a:t>的选主算法时基于</a:t>
+            </a:r>
+            <a:r>
+              <a:rPr lang="en-US" altLang="zh-CN" dirty="0" smtClean="0"/>
+              <a:t>Bully</a:t>
+            </a:r>
+            <a:r>
+              <a:rPr lang="zh-CN" altLang="en-US" dirty="0" smtClean="0"/>
+              <a:t>算法的改进。主要思路是对节点</a:t>
+            </a:r>
+            <a:r>
+              <a:rPr lang="en-US" altLang="zh-CN" dirty="0" smtClean="0"/>
+              <a:t>ID</a:t>
+            </a:r>
+            <a:r>
+              <a:rPr lang="zh-CN" altLang="en-US" dirty="0" smtClean="0"/>
+              <a:t>排序，取</a:t>
+            </a:r>
+            <a:r>
+              <a:rPr lang="en-US" altLang="zh-CN" dirty="0" smtClean="0"/>
+              <a:t>ID</a:t>
+            </a:r>
+            <a:r>
+              <a:rPr lang="zh-CN" altLang="en-US" dirty="0" smtClean="0"/>
+              <a:t>值最大的节点作为</a:t>
+            </a:r>
+            <a:r>
+              <a:rPr lang="en-US" altLang="zh-CN" dirty="0" smtClean="0"/>
+              <a:t>Master</a:t>
+            </a:r>
+            <a:r>
+              <a:rPr lang="zh-CN" altLang="en-US" dirty="0" smtClean="0"/>
+              <a:t>。简单来说，在</a:t>
+            </a:r>
+            <a:r>
+              <a:rPr lang="en-US" altLang="zh-CN" dirty="0" smtClean="0"/>
+              <a:t>bully</a:t>
+            </a:r>
+            <a:r>
+              <a:rPr lang="zh-CN" altLang="en-US" dirty="0" smtClean="0"/>
+              <a:t>算法中，每个节点都有一个编号，只有编号最大的存活节点才能成为</a:t>
+            </a:r>
+            <a:r>
+              <a:rPr lang="en-US" altLang="zh-CN" dirty="0" smtClean="0"/>
+              <a:t>Master</a:t>
+            </a:r>
+            <a:r>
+              <a:rPr lang="zh-CN" altLang="en-US" dirty="0" smtClean="0"/>
+              <a:t>节点。</a:t>
+            </a:r>
+            <a:endParaRPr lang="en-US" altLang="zh-CN" dirty="0" smtClean="0"/>
+          </a:p>
+          <a:p>
+            <a:endParaRPr lang="en-US" altLang="zh-CN" dirty="0" smtClean="0"/>
+          </a:p>
+          <a:p>
+            <a:endParaRPr lang="en-US" altLang="zh-CN" dirty="0" smtClean="0"/>
+          </a:p>
+          <a:p>
+            <a:r>
+              <a:rPr lang="en-US" altLang="zh-CN" dirty="0" err="1" smtClean="0"/>
+              <a:t>Elasticsearch</a:t>
+            </a:r>
+            <a:r>
+              <a:rPr lang="zh-CN" altLang="en-US" dirty="0" smtClean="0"/>
+              <a:t>编号比较的判断依据有两个</a:t>
+            </a:r>
+            <a:endParaRPr lang="en-US" altLang="zh-CN" dirty="0" smtClean="0"/>
+          </a:p>
+          <a:p>
+            <a:pPr marL="171450" indent="-171450">
+              <a:buFont typeface="Arial" panose="020B0604020202020204" pitchFamily="34" charset="0"/>
+              <a:buChar char="•"/>
+            </a:pPr>
+            <a:r>
+              <a:rPr lang="zh-CN" altLang="en-US" dirty="0" smtClean="0"/>
+              <a:t>首先是</a:t>
+            </a:r>
+            <a:r>
+              <a:rPr lang="en-US" altLang="zh-CN" dirty="0" err="1" smtClean="0"/>
+              <a:t>ClusterState</a:t>
+            </a:r>
+            <a:r>
+              <a:rPr lang="zh-CN" altLang="en-US" dirty="0" smtClean="0"/>
+              <a:t>版本号的比较，版本号越大优先级越高，</a:t>
+            </a:r>
+            <a:endParaRPr lang="en-US" altLang="zh-CN" dirty="0" smtClean="0"/>
+          </a:p>
+          <a:p>
+            <a:pPr marL="171450" indent="-171450">
+              <a:buFont typeface="Arial" panose="020B0604020202020204" pitchFamily="34" charset="0"/>
+              <a:buChar char="•"/>
+            </a:pPr>
+            <a:r>
+              <a:rPr lang="zh-CN" altLang="en-US" dirty="0" smtClean="0"/>
+              <a:t>然后是节点</a:t>
+            </a:r>
+            <a:r>
+              <a:rPr lang="en-US" altLang="zh-CN" dirty="0" smtClean="0"/>
+              <a:t>id</a:t>
+            </a:r>
+            <a:r>
+              <a:rPr lang="zh-CN" altLang="en-US" dirty="0" smtClean="0"/>
+              <a:t>的比较，</a:t>
+            </a:r>
+            <a:r>
+              <a:rPr lang="en-US" altLang="zh-CN" dirty="0" smtClean="0"/>
+              <a:t>id</a:t>
+            </a:r>
+            <a:r>
+              <a:rPr lang="zh-CN" altLang="en-US" dirty="0" smtClean="0"/>
+              <a:t>越小优先级越高。</a:t>
+            </a:r>
+            <a:endParaRPr lang="en-US" altLang="zh-CN" dirty="0" smtClean="0"/>
+          </a:p>
+          <a:p>
+            <a:r>
+              <a:rPr lang="en-US" altLang="zh-CN" dirty="0" err="1" smtClean="0"/>
+              <a:t>ClusterState</a:t>
+            </a:r>
+            <a:r>
+              <a:rPr lang="zh-CN" altLang="en-US" dirty="0" smtClean="0"/>
+              <a:t>是</a:t>
+            </a:r>
+            <a:r>
+              <a:rPr lang="en-US" altLang="zh-CN" dirty="0" smtClean="0"/>
+              <a:t>Master</a:t>
+            </a:r>
+            <a:r>
+              <a:rPr lang="zh-CN" altLang="en-US" dirty="0" smtClean="0"/>
+              <a:t>向集群中各个节点发送的集群状态，这个状态有一个版本号码，如果集群状态发生了变化，比如集群新增了节点成员或者有节点成员退出了，那么这个版本号就会加一，比对这个版本号的目的是让拥有最新状态的节点成为</a:t>
+            </a:r>
+            <a:r>
+              <a:rPr lang="en-US" altLang="zh-CN" dirty="0" smtClean="0"/>
+              <a:t>Master</a:t>
+            </a:r>
+            <a:r>
+              <a:rPr lang="zh-CN" altLang="en-US" dirty="0" smtClean="0"/>
+              <a:t>的优先级最高。</a:t>
+            </a:r>
+            <a:endParaRPr lang="en-US" altLang="zh-CN" dirty="0" smtClean="0"/>
+          </a:p>
+          <a:p>
+            <a:endParaRPr lang="zh-CN" altLang="en-US" dirty="0"/>
+          </a:p>
+        </p:txBody>
+      </p:sp>
+      <p:sp>
+        <p:nvSpPr>
+          <p:cNvPr id="4" name="灯片编号占位符 3"/>
+          <p:cNvSpPr>
+            <a:spLocks noGrp="1"/>
+          </p:cNvSpPr>
+          <p:nvPr>
+            <p:ph type="sldNum" sz="quarter" idx="10"/>
+          </p:nvPr>
+        </p:nvSpPr>
+        <p:spPr/>
+        <p:txBody>
+          <a:bodyPr/>
+          <a:lstStyle/>
+          <a:p>
+            <a:fld id="{B4839322-02F4-440B-9B8B-1CB9547C7522}" type="slidenum">
+              <a:rPr lang="zh-CN" altLang="en-US" smtClean="0"/>
+              <a:t>21</a:t>
+            </a:fld>
+            <a:endParaRPr lang="zh-CN" altLang="en-US"/>
+          </a:p>
+        </p:txBody>
+      </p:sp>
+    </p:spTree>
+    <p:extLst>
+      <p:ext uri="{BB962C8B-B14F-4D97-AF65-F5344CB8AC3E}">
+        <p14:creationId xmlns:p14="http://schemas.microsoft.com/office/powerpoint/2010/main" val="3296044352"/>
+      </p:ext>
+    </p:extLst>
+  </p:cSld>
+  <p:clrMapOvr>
+    <a:masterClrMapping/>
+  </p:clrMapOvr>
+</p:notes>
+</file>
+
+<file path=ppt/notesSlides/notesSlide11.xml><?xml version="1.0" encoding="utf-8"?>
+<p:notes xmlns:a="http://schemas.openxmlformats.org/drawingml/2006/main" xmlns:r="http://schemas.openxmlformats.org/officeDocument/2006/relationships" xmlns:p="http://schemas.openxmlformats.org/presentationml/2006/main">
+  <p:cSld>
+    <p:spTree>
+      <p:nvGrpSpPr>
+        <p:cNvPr id="1" name=""/>
+        <p:cNvGrpSpPr/>
+        <p:nvPr/>
+      </p:nvGrpSpPr>
+      <p:grpSpPr>
+        <a:xfrm>
+          <a:off x="0" y="0"/>
+          <a:ext cx="0" cy="0"/>
+          <a:chOff x="0" y="0"/>
+          <a:chExt cx="0" cy="0"/>
+        </a:xfrm>
+      </p:grpSpPr>
+      <p:sp>
+        <p:nvSpPr>
+          <p:cNvPr id="2" name="幻灯片图像占位符 1"/>
+          <p:cNvSpPr>
+            <a:spLocks noGrp="1" noRot="1" noChangeAspect="1"/>
+          </p:cNvSpPr>
+          <p:nvPr>
+            <p:ph type="sldImg"/>
+          </p:nvPr>
+        </p:nvSpPr>
+        <p:spPr/>
+      </p:sp>
+      <p:sp>
+        <p:nvSpPr>
+          <p:cNvPr id="3" name="备注占位符 2"/>
+          <p:cNvSpPr>
+            <a:spLocks noGrp="1"/>
+          </p:cNvSpPr>
+          <p:nvPr>
+            <p:ph type="body" idx="1"/>
+          </p:nvPr>
+        </p:nvSpPr>
+        <p:spPr/>
+        <p:txBody>
+          <a:bodyPr/>
+          <a:lstStyle/>
+          <a:p>
+            <a:r>
+              <a:rPr lang="zh-CN" altLang="en-US" dirty="0" smtClean="0"/>
+              <a:t>假死：</a:t>
+            </a:r>
+            <a:endParaRPr lang="en-US" altLang="zh-CN" dirty="0" smtClean="0"/>
+          </a:p>
+          <a:p>
+            <a:endParaRPr lang="en-US" altLang="zh-CN" dirty="0" smtClean="0"/>
+          </a:p>
+          <a:p>
+            <a:r>
+              <a:rPr lang="en-US" altLang="zh-CN" dirty="0" err="1" smtClean="0"/>
+              <a:t>Elasticsearch</a:t>
+            </a:r>
+            <a:r>
+              <a:rPr lang="zh-CN" altLang="en-US" dirty="0" smtClean="0"/>
+              <a:t>是如何解决这个问题的呢？在</a:t>
+            </a:r>
+            <a:r>
+              <a:rPr lang="en-US" altLang="zh-CN" dirty="0" smtClean="0"/>
+              <a:t>Bully</a:t>
+            </a:r>
+            <a:r>
+              <a:rPr lang="zh-CN" altLang="en-US" dirty="0" smtClean="0"/>
+              <a:t>算法中，</a:t>
+            </a:r>
+            <a:r>
+              <a:rPr lang="en-US" altLang="zh-CN" dirty="0" smtClean="0"/>
+              <a:t>Master</a:t>
+            </a:r>
+            <a:r>
+              <a:rPr lang="zh-CN" altLang="en-US" dirty="0" smtClean="0"/>
+              <a:t>节点</a:t>
+            </a:r>
+            <a:r>
+              <a:rPr lang="en-US" altLang="zh-CN" dirty="0" smtClean="0"/>
+              <a:t>P1</a:t>
+            </a:r>
+            <a:r>
+              <a:rPr lang="zh-CN" altLang="en-US" dirty="0" smtClean="0"/>
+              <a:t>因为负载重，来不及对</a:t>
+            </a:r>
+            <a:r>
+              <a:rPr lang="en-US" altLang="zh-CN" dirty="0" smtClean="0"/>
+              <a:t>P3</a:t>
+            </a:r>
+            <a:r>
+              <a:rPr lang="zh-CN" altLang="en-US" dirty="0" smtClean="0"/>
+              <a:t>节点作出响应，所以</a:t>
+            </a:r>
+            <a:r>
+              <a:rPr lang="en-US" altLang="zh-CN" dirty="0" smtClean="0"/>
+              <a:t>P3</a:t>
+            </a:r>
+            <a:r>
+              <a:rPr lang="zh-CN" altLang="en-US" dirty="0" smtClean="0"/>
+              <a:t>节点通知</a:t>
+            </a:r>
+            <a:r>
+              <a:rPr lang="en-US" altLang="zh-CN" dirty="0" smtClean="0"/>
+              <a:t>P4,P5</a:t>
+            </a:r>
+            <a:r>
+              <a:rPr lang="zh-CN" altLang="en-US" dirty="0" smtClean="0"/>
+              <a:t>节点进行选举。在</a:t>
+            </a:r>
+            <a:r>
+              <a:rPr lang="en-US" altLang="zh-CN" dirty="0" err="1" smtClean="0"/>
+              <a:t>Elasticsearch</a:t>
+            </a:r>
+            <a:r>
+              <a:rPr lang="zh-CN" altLang="en-US" dirty="0" smtClean="0"/>
+              <a:t>中，</a:t>
+            </a:r>
+            <a:r>
+              <a:rPr lang="en-US" altLang="zh-CN" dirty="0" smtClean="0"/>
+              <a:t>P3</a:t>
+            </a:r>
+            <a:r>
+              <a:rPr lang="zh-CN" altLang="en-US" dirty="0" smtClean="0"/>
+              <a:t>节点发现</a:t>
+            </a:r>
+            <a:r>
+              <a:rPr lang="en-US" altLang="zh-CN" dirty="0" smtClean="0"/>
+              <a:t>Master P1</a:t>
+            </a:r>
+            <a:r>
+              <a:rPr lang="zh-CN" altLang="en-US" dirty="0" smtClean="0"/>
+              <a:t>对自己长时间不作出响应，</a:t>
+            </a:r>
+            <a:r>
+              <a:rPr lang="en-US" altLang="zh-CN" dirty="0" smtClean="0"/>
+              <a:t>P3</a:t>
+            </a:r>
+            <a:r>
+              <a:rPr lang="zh-CN" altLang="en-US" dirty="0" smtClean="0"/>
+              <a:t>节点会请求其它节点判断</a:t>
+            </a:r>
+            <a:r>
+              <a:rPr lang="en-US" altLang="zh-CN" dirty="0" smtClean="0"/>
+              <a:t>P1</a:t>
+            </a:r>
+            <a:r>
+              <a:rPr lang="zh-CN" altLang="en-US" dirty="0" smtClean="0"/>
+              <a:t>节点是否存活，如果有</a:t>
+            </a:r>
+            <a:r>
+              <a:rPr lang="en-US" altLang="zh-CN" dirty="0" smtClean="0"/>
+              <a:t>1/2</a:t>
+            </a:r>
+            <a:r>
+              <a:rPr lang="zh-CN" altLang="en-US" dirty="0" smtClean="0"/>
+              <a:t>以上节点都认定</a:t>
+            </a:r>
+            <a:r>
+              <a:rPr lang="en-US" altLang="zh-CN" dirty="0" smtClean="0"/>
+              <a:t>P1</a:t>
+            </a:r>
+            <a:r>
+              <a:rPr lang="zh-CN" altLang="en-US" dirty="0" smtClean="0"/>
+              <a:t>存活，那么</a:t>
+            </a:r>
+            <a:r>
+              <a:rPr lang="en-US" altLang="zh-CN" dirty="0" smtClean="0"/>
+              <a:t>P3</a:t>
+            </a:r>
+            <a:r>
+              <a:rPr lang="zh-CN" altLang="en-US" dirty="0" smtClean="0"/>
+              <a:t>就会放弃发起选举</a:t>
+            </a:r>
+            <a:endParaRPr lang="zh-CN" altLang="en-US" dirty="0"/>
+          </a:p>
+        </p:txBody>
+      </p:sp>
+      <p:sp>
+        <p:nvSpPr>
+          <p:cNvPr id="4" name="灯片编号占位符 3"/>
+          <p:cNvSpPr>
+            <a:spLocks noGrp="1"/>
+          </p:cNvSpPr>
+          <p:nvPr>
+            <p:ph type="sldNum" sz="quarter" idx="10"/>
+          </p:nvPr>
+        </p:nvSpPr>
+        <p:spPr/>
+        <p:txBody>
+          <a:bodyPr/>
+          <a:lstStyle/>
+          <a:p>
+            <a:fld id="{B4839322-02F4-440B-9B8B-1CB9547C7522}" type="slidenum">
+              <a:rPr lang="zh-CN" altLang="en-US" smtClean="0"/>
+              <a:t>22</a:t>
+            </a:fld>
+            <a:endParaRPr lang="zh-CN" altLang="en-US"/>
+          </a:p>
+        </p:txBody>
+      </p:sp>
+    </p:spTree>
+    <p:extLst>
+      <p:ext uri="{BB962C8B-B14F-4D97-AF65-F5344CB8AC3E}">
+        <p14:creationId xmlns:p14="http://schemas.microsoft.com/office/powerpoint/2010/main" val="2930584394"/>
+      </p:ext>
+    </p:extLst>
+  </p:cSld>
+  <p:clrMapOvr>
+    <a:masterClrMapping/>
+  </p:clrMapOvr>
+</p:notes>
+</file>
+
 <file path=ppt/notesSlides/notesSlide2.xml><?xml version="1.0" encoding="utf-8"?>
 <p:notes xmlns:a="http://schemas.openxmlformats.org/drawingml/2006/main" xmlns:r="http://schemas.openxmlformats.org/officeDocument/2006/relationships" xmlns:p="http://schemas.openxmlformats.org/presentationml/2006/main">
   <p:cSld>
@@ -1219,6 +1704,798 @@
     <p:extLst>
       <p:ext uri="{BB962C8B-B14F-4D97-AF65-F5344CB8AC3E}">
         <p14:creationId xmlns:p14="http://schemas.microsoft.com/office/powerpoint/2010/main" val="3253279968"/>
+      </p:ext>
+    </p:extLst>
+  </p:cSld>
+  <p:clrMapOvr>
+    <a:masterClrMapping/>
+  </p:clrMapOvr>
+</p:notes>
+</file>
+
+<file path=ppt/notesSlides/notesSlide7.xml><?xml version="1.0" encoding="utf-8"?>
+<p:notes xmlns:a="http://schemas.openxmlformats.org/drawingml/2006/main" xmlns:r="http://schemas.openxmlformats.org/officeDocument/2006/relationships" xmlns:p="http://schemas.openxmlformats.org/presentationml/2006/main">
+  <p:cSld>
+    <p:spTree>
+      <p:nvGrpSpPr>
+        <p:cNvPr id="1" name=""/>
+        <p:cNvGrpSpPr/>
+        <p:nvPr/>
+      </p:nvGrpSpPr>
+      <p:grpSpPr>
+        <a:xfrm>
+          <a:off x="0" y="0"/>
+          <a:ext cx="0" cy="0"/>
+          <a:chOff x="0" y="0"/>
+          <a:chExt cx="0" cy="0"/>
+        </a:xfrm>
+      </p:grpSpPr>
+      <p:sp>
+        <p:nvSpPr>
+          <p:cNvPr id="2" name="幻灯片图像占位符 1"/>
+          <p:cNvSpPr>
+            <a:spLocks noGrp="1" noRot="1" noChangeAspect="1"/>
+          </p:cNvSpPr>
+          <p:nvPr>
+            <p:ph type="sldImg"/>
+          </p:nvPr>
+        </p:nvSpPr>
+        <p:spPr/>
+      </p:sp>
+      <p:sp>
+        <p:nvSpPr>
+          <p:cNvPr id="3" name="备注占位符 2"/>
+          <p:cNvSpPr>
+            <a:spLocks noGrp="1"/>
+          </p:cNvSpPr>
+          <p:nvPr>
+            <p:ph type="body" idx="1"/>
+          </p:nvPr>
+        </p:nvSpPr>
+        <p:spPr/>
+        <p:txBody>
+          <a:bodyPr/>
+          <a:lstStyle/>
+          <a:p>
+            <a:pPr marL="0" marR="0" lvl="0" indent="0" algn="l" defTabSz="914400" rtl="0" eaLnBrk="1" fontAlgn="auto" latinLnBrk="0" hangingPunct="1">
+              <a:lnSpc>
+                <a:spcPct val="100000"/>
+              </a:lnSpc>
+              <a:spcBef>
+                <a:spcPts val="0"/>
+              </a:spcBef>
+              <a:spcAft>
+                <a:spcPts val="0"/>
+              </a:spcAft>
+              <a:buClrTx/>
+              <a:buSzTx/>
+              <a:buFontTx/>
+              <a:buNone/>
+              <a:tabLst/>
+              <a:defRPr/>
+            </a:pPr>
+            <a:r>
+              <a:rPr lang="zh-CN" altLang="en-US" sz="1200" dirty="0" smtClean="0">
+                <a:latin typeface="微软雅黑 Light" panose="020B0502040204020203" pitchFamily="34" charset="-122"/>
+                <a:ea typeface="微软雅黑 Light" panose="020B0502040204020203" pitchFamily="34" charset="-122"/>
+              </a:rPr>
+              <a:t>高可用性</a:t>
+            </a:r>
+            <a:endParaRPr lang="en-US" altLang="zh-CN" sz="1200" dirty="0" smtClean="0">
+              <a:latin typeface="微软雅黑 Light" panose="020B0502040204020203" pitchFamily="34" charset="-122"/>
+              <a:ea typeface="微软雅黑 Light" panose="020B0502040204020203" pitchFamily="34" charset="-122"/>
+            </a:endParaRPr>
+          </a:p>
+          <a:p>
+            <a:pPr marL="0" marR="0" lvl="0" indent="0" algn="l" defTabSz="914400" rtl="0" eaLnBrk="1" fontAlgn="auto" latinLnBrk="0" hangingPunct="1">
+              <a:lnSpc>
+                <a:spcPct val="100000"/>
+              </a:lnSpc>
+              <a:spcBef>
+                <a:spcPts val="0"/>
+              </a:spcBef>
+              <a:spcAft>
+                <a:spcPts val="0"/>
+              </a:spcAft>
+              <a:buClrTx/>
+              <a:buSzTx/>
+              <a:buFontTx/>
+              <a:buNone/>
+              <a:tabLst/>
+              <a:defRPr/>
+            </a:pPr>
+            <a:r>
+              <a:rPr lang="zh-CN" altLang="en-US" sz="1200" dirty="0" smtClean="0">
+                <a:latin typeface="微软雅黑 Light" panose="020B0502040204020203" pitchFamily="34" charset="-122"/>
+                <a:ea typeface="微软雅黑 Light" panose="020B0502040204020203" pitchFamily="34" charset="-122"/>
+              </a:rPr>
+              <a:t>服务可用性</a:t>
+            </a:r>
+            <a:r>
+              <a:rPr lang="en-US" altLang="zh-CN" sz="1200" dirty="0" smtClean="0">
+                <a:latin typeface="微软雅黑 Light" panose="020B0502040204020203" pitchFamily="34" charset="-122"/>
+                <a:ea typeface="微软雅黑 Light" panose="020B0502040204020203" pitchFamily="34" charset="-122"/>
+              </a:rPr>
+              <a:t>---</a:t>
+            </a:r>
+            <a:r>
+              <a:rPr lang="zh-CN" altLang="en-US" sz="1200" dirty="0" smtClean="0">
+                <a:latin typeface="微软雅黑 Light" panose="020B0502040204020203" pitchFamily="34" charset="-122"/>
+                <a:ea typeface="微软雅黑 Light" panose="020B0502040204020203" pitchFamily="34" charset="-122"/>
+              </a:rPr>
+              <a:t>部分节点丢失，不会停止服务，不会丢失数据。</a:t>
+            </a:r>
+            <a:endParaRPr lang="en-US" altLang="zh-CN" sz="1200" dirty="0" smtClean="0">
+              <a:latin typeface="微软雅黑 Light" panose="020B0502040204020203" pitchFamily="34" charset="-122"/>
+              <a:ea typeface="微软雅黑 Light" panose="020B0502040204020203" pitchFamily="34" charset="-122"/>
+            </a:endParaRPr>
+          </a:p>
+          <a:p>
+            <a:pPr marL="0" marR="0" lvl="0" indent="0" algn="l" defTabSz="914400" rtl="0" eaLnBrk="1" fontAlgn="auto" latinLnBrk="0" hangingPunct="1">
+              <a:lnSpc>
+                <a:spcPct val="100000"/>
+              </a:lnSpc>
+              <a:spcBef>
+                <a:spcPts val="0"/>
+              </a:spcBef>
+              <a:spcAft>
+                <a:spcPts val="0"/>
+              </a:spcAft>
+              <a:buClrTx/>
+              <a:buSzTx/>
+              <a:buFontTx/>
+              <a:buNone/>
+              <a:tabLst/>
+              <a:defRPr/>
+            </a:pPr>
+            <a:endParaRPr lang="en-US" altLang="zh-CN" sz="1200" dirty="0" smtClean="0">
+              <a:latin typeface="微软雅黑 Light" panose="020B0502040204020203" pitchFamily="34" charset="-122"/>
+              <a:ea typeface="微软雅黑 Light" panose="020B0502040204020203" pitchFamily="34" charset="-122"/>
+            </a:endParaRPr>
+          </a:p>
+          <a:p>
+            <a:pPr marL="0" marR="0" lvl="0" indent="0" algn="l" defTabSz="914400" rtl="0" eaLnBrk="1" fontAlgn="auto" latinLnBrk="0" hangingPunct="1">
+              <a:lnSpc>
+                <a:spcPct val="100000"/>
+              </a:lnSpc>
+              <a:spcBef>
+                <a:spcPts val="0"/>
+              </a:spcBef>
+              <a:spcAft>
+                <a:spcPts val="0"/>
+              </a:spcAft>
+              <a:buClrTx/>
+              <a:buSzTx/>
+              <a:buFontTx/>
+              <a:buNone/>
+              <a:tabLst/>
+              <a:defRPr/>
+            </a:pPr>
+            <a:r>
+              <a:rPr lang="zh-CN" altLang="en-US" sz="1200" dirty="0" smtClean="0">
+                <a:latin typeface="微软雅黑 Light" panose="020B0502040204020203" pitchFamily="34" charset="-122"/>
+                <a:ea typeface="微软雅黑 Light" panose="020B0502040204020203" pitchFamily="34" charset="-122"/>
+              </a:rPr>
+              <a:t>可扩展性  </a:t>
+            </a:r>
+            <a:endParaRPr lang="en-US" altLang="zh-CN" sz="1200" dirty="0" smtClean="0">
+              <a:latin typeface="微软雅黑 Light" panose="020B0502040204020203" pitchFamily="34" charset="-122"/>
+              <a:ea typeface="微软雅黑 Light" panose="020B0502040204020203" pitchFamily="34" charset="-122"/>
+            </a:endParaRPr>
+          </a:p>
+          <a:p>
+            <a:pPr marL="0" marR="0" lvl="0" indent="0" algn="l" defTabSz="914400" rtl="0" eaLnBrk="1" fontAlgn="auto" latinLnBrk="0" hangingPunct="1">
+              <a:lnSpc>
+                <a:spcPct val="100000"/>
+              </a:lnSpc>
+              <a:spcBef>
+                <a:spcPts val="0"/>
+              </a:spcBef>
+              <a:spcAft>
+                <a:spcPts val="0"/>
+              </a:spcAft>
+              <a:buClrTx/>
+              <a:buSzTx/>
+              <a:buFontTx/>
+              <a:buNone/>
+              <a:tabLst/>
+              <a:defRPr/>
+            </a:pPr>
+            <a:r>
+              <a:rPr lang="zh-CN" altLang="en-US" sz="1200" dirty="0" smtClean="0">
+                <a:latin typeface="微软雅黑 Light" panose="020B0502040204020203" pitchFamily="34" charset="-122"/>
+                <a:ea typeface="微软雅黑 Light" panose="020B0502040204020203" pitchFamily="34" charset="-122"/>
+              </a:rPr>
+              <a:t>随着请求量的提升、数据的不断增长，可以将数据分布到所有节点上。</a:t>
+            </a:r>
+            <a:endParaRPr lang="en-US" altLang="zh-CN" sz="1200" dirty="0" smtClean="0">
+              <a:latin typeface="微软雅黑 Light" panose="020B0502040204020203" pitchFamily="34" charset="-122"/>
+              <a:ea typeface="微软雅黑 Light" panose="020B0502040204020203" pitchFamily="34" charset="-122"/>
+            </a:endParaRPr>
+          </a:p>
+          <a:p>
+            <a:pPr marL="0" marR="0" lvl="0" indent="0" algn="l" defTabSz="914400" rtl="0" eaLnBrk="1" fontAlgn="auto" latinLnBrk="0" hangingPunct="1">
+              <a:lnSpc>
+                <a:spcPct val="100000"/>
+              </a:lnSpc>
+              <a:spcBef>
+                <a:spcPts val="0"/>
+              </a:spcBef>
+              <a:spcAft>
+                <a:spcPts val="0"/>
+              </a:spcAft>
+              <a:buClrTx/>
+              <a:buSzTx/>
+              <a:buFontTx/>
+              <a:buNone/>
+              <a:tabLst/>
+              <a:defRPr/>
+            </a:pPr>
+            <a:endParaRPr lang="en-US" altLang="zh-CN" sz="1200" dirty="0" smtClean="0">
+              <a:latin typeface="微软雅黑 Light" panose="020B0502040204020203" pitchFamily="34" charset="-122"/>
+              <a:ea typeface="微软雅黑 Light" panose="020B0502040204020203" pitchFamily="34" charset="-122"/>
+            </a:endParaRPr>
+          </a:p>
+          <a:p>
+            <a:endParaRPr lang="zh-CN" altLang="en-US" dirty="0"/>
+          </a:p>
+        </p:txBody>
+      </p:sp>
+      <p:sp>
+        <p:nvSpPr>
+          <p:cNvPr id="4" name="灯片编号占位符 3"/>
+          <p:cNvSpPr>
+            <a:spLocks noGrp="1"/>
+          </p:cNvSpPr>
+          <p:nvPr>
+            <p:ph type="sldNum" sz="quarter" idx="10"/>
+          </p:nvPr>
+        </p:nvSpPr>
+        <p:spPr/>
+        <p:txBody>
+          <a:bodyPr/>
+          <a:lstStyle/>
+          <a:p>
+            <a:fld id="{B4839322-02F4-440B-9B8B-1CB9547C7522}" type="slidenum">
+              <a:rPr lang="zh-CN" altLang="en-US" smtClean="0"/>
+              <a:t>18</a:t>
+            </a:fld>
+            <a:endParaRPr lang="zh-CN" altLang="en-US"/>
+          </a:p>
+        </p:txBody>
+      </p:sp>
+    </p:spTree>
+    <p:extLst>
+      <p:ext uri="{BB962C8B-B14F-4D97-AF65-F5344CB8AC3E}">
+        <p14:creationId xmlns:p14="http://schemas.microsoft.com/office/powerpoint/2010/main" val="2614347368"/>
+      </p:ext>
+    </p:extLst>
+  </p:cSld>
+  <p:clrMapOvr>
+    <a:masterClrMapping/>
+  </p:clrMapOvr>
+</p:notes>
+</file>
+
+<file path=ppt/notesSlides/notesSlide8.xml><?xml version="1.0" encoding="utf-8"?>
+<p:notes xmlns:a="http://schemas.openxmlformats.org/drawingml/2006/main" xmlns:r="http://schemas.openxmlformats.org/officeDocument/2006/relationships" xmlns:p="http://schemas.openxmlformats.org/presentationml/2006/main">
+  <p:cSld>
+    <p:spTree>
+      <p:nvGrpSpPr>
+        <p:cNvPr id="1" name=""/>
+        <p:cNvGrpSpPr/>
+        <p:nvPr/>
+      </p:nvGrpSpPr>
+      <p:grpSpPr>
+        <a:xfrm>
+          <a:off x="0" y="0"/>
+          <a:ext cx="0" cy="0"/>
+          <a:chOff x="0" y="0"/>
+          <a:chExt cx="0" cy="0"/>
+        </a:xfrm>
+      </p:grpSpPr>
+      <p:sp>
+        <p:nvSpPr>
+          <p:cNvPr id="2" name="幻灯片图像占位符 1"/>
+          <p:cNvSpPr>
+            <a:spLocks noGrp="1" noRot="1" noChangeAspect="1"/>
+          </p:cNvSpPr>
+          <p:nvPr>
+            <p:ph type="sldImg"/>
+          </p:nvPr>
+        </p:nvSpPr>
+        <p:spPr/>
+      </p:sp>
+      <p:sp>
+        <p:nvSpPr>
+          <p:cNvPr id="3" name="备注占位符 2"/>
+          <p:cNvSpPr>
+            <a:spLocks noGrp="1"/>
+          </p:cNvSpPr>
+          <p:nvPr>
+            <p:ph type="body" idx="1"/>
+          </p:nvPr>
+        </p:nvSpPr>
+        <p:spPr/>
+        <p:txBody>
+          <a:bodyPr/>
+          <a:lstStyle/>
+          <a:p>
+            <a:pPr marL="0" marR="0" lvl="0" indent="0" algn="l" defTabSz="914400" rtl="0" eaLnBrk="1" fontAlgn="auto" latinLnBrk="0" hangingPunct="1">
+              <a:lnSpc>
+                <a:spcPct val="100000"/>
+              </a:lnSpc>
+              <a:spcBef>
+                <a:spcPts val="0"/>
+              </a:spcBef>
+              <a:spcAft>
+                <a:spcPts val="0"/>
+              </a:spcAft>
+              <a:buClrTx/>
+              <a:buSzTx/>
+              <a:buFontTx/>
+              <a:buNone/>
+              <a:tabLst/>
+              <a:defRPr/>
+            </a:pPr>
+            <a:r>
+              <a:rPr lang="zh-CN" altLang="en-US" sz="1200" dirty="0" smtClean="0">
+                <a:latin typeface="微软雅黑 Light" panose="020B0502040204020203" pitchFamily="34" charset="-122"/>
+                <a:ea typeface="微软雅黑 Light" panose="020B0502040204020203" pitchFamily="34" charset="-122"/>
+              </a:rPr>
+              <a:t>高可用性</a:t>
+            </a:r>
+            <a:endParaRPr lang="en-US" altLang="zh-CN" sz="1200" dirty="0" smtClean="0">
+              <a:latin typeface="微软雅黑 Light" panose="020B0502040204020203" pitchFamily="34" charset="-122"/>
+              <a:ea typeface="微软雅黑 Light" panose="020B0502040204020203" pitchFamily="34" charset="-122"/>
+            </a:endParaRPr>
+          </a:p>
+          <a:p>
+            <a:pPr marL="0" marR="0" lvl="0" indent="0" algn="l" defTabSz="914400" rtl="0" eaLnBrk="1" fontAlgn="auto" latinLnBrk="0" hangingPunct="1">
+              <a:lnSpc>
+                <a:spcPct val="100000"/>
+              </a:lnSpc>
+              <a:spcBef>
+                <a:spcPts val="0"/>
+              </a:spcBef>
+              <a:spcAft>
+                <a:spcPts val="0"/>
+              </a:spcAft>
+              <a:buClrTx/>
+              <a:buSzTx/>
+              <a:buFontTx/>
+              <a:buNone/>
+              <a:tabLst/>
+              <a:defRPr/>
+            </a:pPr>
+            <a:r>
+              <a:rPr lang="zh-CN" altLang="en-US" sz="1200" dirty="0" smtClean="0">
+                <a:latin typeface="微软雅黑 Light" panose="020B0502040204020203" pitchFamily="34" charset="-122"/>
+                <a:ea typeface="微软雅黑 Light" panose="020B0502040204020203" pitchFamily="34" charset="-122"/>
+              </a:rPr>
+              <a:t>服务可用性</a:t>
+            </a:r>
+            <a:r>
+              <a:rPr lang="en-US" altLang="zh-CN" sz="1200" dirty="0" smtClean="0">
+                <a:latin typeface="微软雅黑 Light" panose="020B0502040204020203" pitchFamily="34" charset="-122"/>
+                <a:ea typeface="微软雅黑 Light" panose="020B0502040204020203" pitchFamily="34" charset="-122"/>
+              </a:rPr>
+              <a:t>---</a:t>
+            </a:r>
+            <a:r>
+              <a:rPr lang="zh-CN" altLang="en-US" sz="1200" dirty="0" smtClean="0">
+                <a:latin typeface="微软雅黑 Light" panose="020B0502040204020203" pitchFamily="34" charset="-122"/>
+                <a:ea typeface="微软雅黑 Light" panose="020B0502040204020203" pitchFamily="34" charset="-122"/>
+              </a:rPr>
+              <a:t>部分节点丢失，不会停止服务，不会丢失数据。</a:t>
+            </a:r>
+            <a:endParaRPr lang="en-US" altLang="zh-CN" sz="1200" smtClean="0">
+              <a:latin typeface="微软雅黑 Light" panose="020B0502040204020203" pitchFamily="34" charset="-122"/>
+              <a:ea typeface="微软雅黑 Light" panose="020B0502040204020203" pitchFamily="34" charset="-122"/>
+            </a:endParaRPr>
+          </a:p>
+          <a:p>
+            <a:pPr marL="0" marR="0" lvl="0" indent="0" algn="l" defTabSz="914400" rtl="0" eaLnBrk="1" fontAlgn="auto" latinLnBrk="0" hangingPunct="1">
+              <a:lnSpc>
+                <a:spcPct val="100000"/>
+              </a:lnSpc>
+              <a:spcBef>
+                <a:spcPts val="0"/>
+              </a:spcBef>
+              <a:spcAft>
+                <a:spcPts val="0"/>
+              </a:spcAft>
+              <a:buClrTx/>
+              <a:buSzTx/>
+              <a:buFontTx/>
+              <a:buNone/>
+              <a:tabLst/>
+              <a:defRPr/>
+            </a:pPr>
+            <a:endParaRPr lang="en-US" altLang="zh-CN" sz="1200" dirty="0" smtClean="0">
+              <a:latin typeface="微软雅黑 Light" panose="020B0502040204020203" pitchFamily="34" charset="-122"/>
+              <a:ea typeface="微软雅黑 Light" panose="020B0502040204020203" pitchFamily="34" charset="-122"/>
+            </a:endParaRPr>
+          </a:p>
+          <a:p>
+            <a:pPr marL="0" marR="0" lvl="0" indent="0" algn="l" defTabSz="914400" rtl="0" eaLnBrk="1" fontAlgn="auto" latinLnBrk="0" hangingPunct="1">
+              <a:lnSpc>
+                <a:spcPct val="100000"/>
+              </a:lnSpc>
+              <a:spcBef>
+                <a:spcPts val="0"/>
+              </a:spcBef>
+              <a:spcAft>
+                <a:spcPts val="0"/>
+              </a:spcAft>
+              <a:buClrTx/>
+              <a:buSzTx/>
+              <a:buFontTx/>
+              <a:buNone/>
+              <a:tabLst/>
+              <a:defRPr/>
+            </a:pPr>
+            <a:r>
+              <a:rPr lang="zh-CN" altLang="en-US" sz="1200" dirty="0" smtClean="0">
+                <a:latin typeface="微软雅黑 Light" panose="020B0502040204020203" pitchFamily="34" charset="-122"/>
+                <a:ea typeface="微软雅黑 Light" panose="020B0502040204020203" pitchFamily="34" charset="-122"/>
+              </a:rPr>
+              <a:t>可扩展性  </a:t>
+            </a:r>
+            <a:endParaRPr lang="en-US" altLang="zh-CN" sz="1200" dirty="0" smtClean="0">
+              <a:latin typeface="微软雅黑 Light" panose="020B0502040204020203" pitchFamily="34" charset="-122"/>
+              <a:ea typeface="微软雅黑 Light" panose="020B0502040204020203" pitchFamily="34" charset="-122"/>
+            </a:endParaRPr>
+          </a:p>
+          <a:p>
+            <a:pPr marL="0" marR="0" lvl="0" indent="0" algn="l" defTabSz="914400" rtl="0" eaLnBrk="1" fontAlgn="auto" latinLnBrk="0" hangingPunct="1">
+              <a:lnSpc>
+                <a:spcPct val="100000"/>
+              </a:lnSpc>
+              <a:spcBef>
+                <a:spcPts val="0"/>
+              </a:spcBef>
+              <a:spcAft>
+                <a:spcPts val="0"/>
+              </a:spcAft>
+              <a:buClrTx/>
+              <a:buSzTx/>
+              <a:buFontTx/>
+              <a:buNone/>
+              <a:tabLst/>
+              <a:defRPr/>
+            </a:pPr>
+            <a:r>
+              <a:rPr lang="zh-CN" altLang="en-US" sz="1200" dirty="0" smtClean="0">
+                <a:latin typeface="微软雅黑 Light" panose="020B0502040204020203" pitchFamily="34" charset="-122"/>
+                <a:ea typeface="微软雅黑 Light" panose="020B0502040204020203" pitchFamily="34" charset="-122"/>
+              </a:rPr>
+              <a:t>随着请求量的提升、数据的不断增长，可以将数据分布到所有节点上。</a:t>
+            </a:r>
+            <a:endParaRPr lang="en-US" altLang="zh-CN" sz="1200" dirty="0" smtClean="0">
+              <a:latin typeface="微软雅黑 Light" panose="020B0502040204020203" pitchFamily="34" charset="-122"/>
+              <a:ea typeface="微软雅黑 Light" panose="020B0502040204020203" pitchFamily="34" charset="-122"/>
+            </a:endParaRPr>
+          </a:p>
+          <a:p>
+            <a:pPr marL="0" marR="0" lvl="0" indent="0" algn="l" defTabSz="914400" rtl="0" eaLnBrk="1" fontAlgn="auto" latinLnBrk="0" hangingPunct="1">
+              <a:lnSpc>
+                <a:spcPct val="100000"/>
+              </a:lnSpc>
+              <a:spcBef>
+                <a:spcPts val="0"/>
+              </a:spcBef>
+              <a:spcAft>
+                <a:spcPts val="0"/>
+              </a:spcAft>
+              <a:buClrTx/>
+              <a:buSzTx/>
+              <a:buFontTx/>
+              <a:buNone/>
+              <a:tabLst/>
+              <a:defRPr/>
+            </a:pPr>
+            <a:endParaRPr lang="en-US" altLang="zh-CN" sz="1200" dirty="0" smtClean="0">
+              <a:latin typeface="微软雅黑 Light" panose="020B0502040204020203" pitchFamily="34" charset="-122"/>
+              <a:ea typeface="微软雅黑 Light" panose="020B0502040204020203" pitchFamily="34" charset="-122"/>
+            </a:endParaRPr>
+          </a:p>
+          <a:p>
+            <a:endParaRPr lang="zh-CN" altLang="en-US" dirty="0"/>
+          </a:p>
+        </p:txBody>
+      </p:sp>
+      <p:sp>
+        <p:nvSpPr>
+          <p:cNvPr id="4" name="灯片编号占位符 3"/>
+          <p:cNvSpPr>
+            <a:spLocks noGrp="1"/>
+          </p:cNvSpPr>
+          <p:nvPr>
+            <p:ph type="sldNum" sz="quarter" idx="10"/>
+          </p:nvPr>
+        </p:nvSpPr>
+        <p:spPr/>
+        <p:txBody>
+          <a:bodyPr/>
+          <a:lstStyle/>
+          <a:p>
+            <a:fld id="{B4839322-02F4-440B-9B8B-1CB9547C7522}" type="slidenum">
+              <a:rPr lang="zh-CN" altLang="en-US" smtClean="0"/>
+              <a:t>19</a:t>
+            </a:fld>
+            <a:endParaRPr lang="zh-CN" altLang="en-US"/>
+          </a:p>
+        </p:txBody>
+      </p:sp>
+    </p:spTree>
+    <p:extLst>
+      <p:ext uri="{BB962C8B-B14F-4D97-AF65-F5344CB8AC3E}">
+        <p14:creationId xmlns:p14="http://schemas.microsoft.com/office/powerpoint/2010/main" val="4006152236"/>
+      </p:ext>
+    </p:extLst>
+  </p:cSld>
+  <p:clrMapOvr>
+    <a:masterClrMapping/>
+  </p:clrMapOvr>
+</p:notes>
+</file>
+
+<file path=ppt/notesSlides/notesSlide9.xml><?xml version="1.0" encoding="utf-8"?>
+<p:notes xmlns:a="http://schemas.openxmlformats.org/drawingml/2006/main" xmlns:r="http://schemas.openxmlformats.org/officeDocument/2006/relationships" xmlns:p="http://schemas.openxmlformats.org/presentationml/2006/main">
+  <p:cSld>
+    <p:spTree>
+      <p:nvGrpSpPr>
+        <p:cNvPr id="1" name=""/>
+        <p:cNvGrpSpPr/>
+        <p:nvPr/>
+      </p:nvGrpSpPr>
+      <p:grpSpPr>
+        <a:xfrm>
+          <a:off x="0" y="0"/>
+          <a:ext cx="0" cy="0"/>
+          <a:chOff x="0" y="0"/>
+          <a:chExt cx="0" cy="0"/>
+        </a:xfrm>
+      </p:grpSpPr>
+      <p:sp>
+        <p:nvSpPr>
+          <p:cNvPr id="2" name="幻灯片图像占位符 1"/>
+          <p:cNvSpPr>
+            <a:spLocks noGrp="1" noRot="1" noChangeAspect="1"/>
+          </p:cNvSpPr>
+          <p:nvPr>
+            <p:ph type="sldImg"/>
+          </p:nvPr>
+        </p:nvSpPr>
+        <p:spPr/>
+      </p:sp>
+      <p:sp>
+        <p:nvSpPr>
+          <p:cNvPr id="3" name="备注占位符 2"/>
+          <p:cNvSpPr>
+            <a:spLocks noGrp="1"/>
+          </p:cNvSpPr>
+          <p:nvPr>
+            <p:ph type="body" idx="1"/>
+          </p:nvPr>
+        </p:nvSpPr>
+        <p:spPr/>
+        <p:txBody>
+          <a:bodyPr/>
+          <a:lstStyle/>
+          <a:p>
+            <a:pPr marL="0" marR="0" lvl="0" indent="0" algn="l" defTabSz="914400" rtl="0" eaLnBrk="1" fontAlgn="auto" latinLnBrk="0" hangingPunct="1">
+              <a:lnSpc>
+                <a:spcPct val="100000"/>
+              </a:lnSpc>
+              <a:spcBef>
+                <a:spcPts val="0"/>
+              </a:spcBef>
+              <a:spcAft>
+                <a:spcPts val="0"/>
+              </a:spcAft>
+              <a:buClrTx/>
+              <a:buSzTx/>
+              <a:buFontTx/>
+              <a:buNone/>
+              <a:tabLst/>
+              <a:defRPr/>
+            </a:pPr>
+            <a:r>
+              <a:rPr lang="zh-CN" altLang="en-US" sz="1200" dirty="0" smtClean="0">
+                <a:latin typeface="微软雅黑 Light" panose="020B0502040204020203" pitchFamily="34" charset="-122"/>
+                <a:ea typeface="微软雅黑 Light" panose="020B0502040204020203" pitchFamily="34" charset="-122"/>
+              </a:rPr>
+              <a:t>高可用性</a:t>
+            </a:r>
+            <a:endParaRPr lang="en-US" altLang="zh-CN" sz="1200" dirty="0" smtClean="0">
+              <a:latin typeface="微软雅黑 Light" panose="020B0502040204020203" pitchFamily="34" charset="-122"/>
+              <a:ea typeface="微软雅黑 Light" panose="020B0502040204020203" pitchFamily="34" charset="-122"/>
+            </a:endParaRPr>
+          </a:p>
+          <a:p>
+            <a:pPr marL="0" marR="0" lvl="0" indent="0" algn="l" defTabSz="914400" rtl="0" eaLnBrk="1" fontAlgn="auto" latinLnBrk="0" hangingPunct="1">
+              <a:lnSpc>
+                <a:spcPct val="100000"/>
+              </a:lnSpc>
+              <a:spcBef>
+                <a:spcPts val="0"/>
+              </a:spcBef>
+              <a:spcAft>
+                <a:spcPts val="0"/>
+              </a:spcAft>
+              <a:buClrTx/>
+              <a:buSzTx/>
+              <a:buFontTx/>
+              <a:buNone/>
+              <a:tabLst/>
+              <a:defRPr/>
+            </a:pPr>
+            <a:r>
+              <a:rPr lang="zh-CN" altLang="en-US" sz="1200" dirty="0" smtClean="0">
+                <a:latin typeface="微软雅黑 Light" panose="020B0502040204020203" pitchFamily="34" charset="-122"/>
+                <a:ea typeface="微软雅黑 Light" panose="020B0502040204020203" pitchFamily="34" charset="-122"/>
+              </a:rPr>
+              <a:t>服务可用性</a:t>
+            </a:r>
+            <a:r>
+              <a:rPr lang="en-US" altLang="zh-CN" sz="1200" dirty="0" smtClean="0">
+                <a:latin typeface="微软雅黑 Light" panose="020B0502040204020203" pitchFamily="34" charset="-122"/>
+                <a:ea typeface="微软雅黑 Light" panose="020B0502040204020203" pitchFamily="34" charset="-122"/>
+              </a:rPr>
+              <a:t>---</a:t>
+            </a:r>
+            <a:r>
+              <a:rPr lang="zh-CN" altLang="en-US" sz="1200" dirty="0" smtClean="0">
+                <a:latin typeface="微软雅黑 Light" panose="020B0502040204020203" pitchFamily="34" charset="-122"/>
+                <a:ea typeface="微软雅黑 Light" panose="020B0502040204020203" pitchFamily="34" charset="-122"/>
+              </a:rPr>
+              <a:t>部分节点丢失，不会停止服务，不会丢失数据。</a:t>
+            </a:r>
+            <a:endParaRPr lang="en-US" altLang="zh-CN" sz="1200" smtClean="0">
+              <a:latin typeface="微软雅黑 Light" panose="020B0502040204020203" pitchFamily="34" charset="-122"/>
+              <a:ea typeface="微软雅黑 Light" panose="020B0502040204020203" pitchFamily="34" charset="-122"/>
+            </a:endParaRPr>
+          </a:p>
+          <a:p>
+            <a:pPr marL="0" marR="0" lvl="0" indent="0" algn="l" defTabSz="914400" rtl="0" eaLnBrk="1" fontAlgn="auto" latinLnBrk="0" hangingPunct="1">
+              <a:lnSpc>
+                <a:spcPct val="100000"/>
+              </a:lnSpc>
+              <a:spcBef>
+                <a:spcPts val="0"/>
+              </a:spcBef>
+              <a:spcAft>
+                <a:spcPts val="0"/>
+              </a:spcAft>
+              <a:buClrTx/>
+              <a:buSzTx/>
+              <a:buFontTx/>
+              <a:buNone/>
+              <a:tabLst/>
+              <a:defRPr/>
+            </a:pPr>
+            <a:endParaRPr lang="en-US" altLang="zh-CN" sz="1200" dirty="0" smtClean="0">
+              <a:latin typeface="微软雅黑 Light" panose="020B0502040204020203" pitchFamily="34" charset="-122"/>
+              <a:ea typeface="微软雅黑 Light" panose="020B0502040204020203" pitchFamily="34" charset="-122"/>
+            </a:endParaRPr>
+          </a:p>
+          <a:p>
+            <a:pPr marL="0" marR="0" lvl="0" indent="0" algn="l" defTabSz="914400" rtl="0" eaLnBrk="1" fontAlgn="auto" latinLnBrk="0" hangingPunct="1">
+              <a:lnSpc>
+                <a:spcPct val="100000"/>
+              </a:lnSpc>
+              <a:spcBef>
+                <a:spcPts val="0"/>
+              </a:spcBef>
+              <a:spcAft>
+                <a:spcPts val="0"/>
+              </a:spcAft>
+              <a:buClrTx/>
+              <a:buSzTx/>
+              <a:buFontTx/>
+              <a:buNone/>
+              <a:tabLst/>
+              <a:defRPr/>
+            </a:pPr>
+            <a:r>
+              <a:rPr lang="zh-CN" altLang="en-US" sz="1200" dirty="0" smtClean="0">
+                <a:latin typeface="微软雅黑 Light" panose="020B0502040204020203" pitchFamily="34" charset="-122"/>
+                <a:ea typeface="微软雅黑 Light" panose="020B0502040204020203" pitchFamily="34" charset="-122"/>
+              </a:rPr>
+              <a:t>可扩展性  </a:t>
+            </a:r>
+            <a:endParaRPr lang="en-US" altLang="zh-CN" sz="1200" dirty="0" smtClean="0">
+              <a:latin typeface="微软雅黑 Light" panose="020B0502040204020203" pitchFamily="34" charset="-122"/>
+              <a:ea typeface="微软雅黑 Light" panose="020B0502040204020203" pitchFamily="34" charset="-122"/>
+            </a:endParaRPr>
+          </a:p>
+          <a:p>
+            <a:pPr marL="0" marR="0" lvl="0" indent="0" algn="l" defTabSz="914400" rtl="0" eaLnBrk="1" fontAlgn="auto" latinLnBrk="0" hangingPunct="1">
+              <a:lnSpc>
+                <a:spcPct val="100000"/>
+              </a:lnSpc>
+              <a:spcBef>
+                <a:spcPts val="0"/>
+              </a:spcBef>
+              <a:spcAft>
+                <a:spcPts val="0"/>
+              </a:spcAft>
+              <a:buClrTx/>
+              <a:buSzTx/>
+              <a:buFontTx/>
+              <a:buNone/>
+              <a:tabLst/>
+              <a:defRPr/>
+            </a:pPr>
+            <a:r>
+              <a:rPr lang="zh-CN" altLang="en-US" sz="1200" dirty="0" smtClean="0">
+                <a:latin typeface="微软雅黑 Light" panose="020B0502040204020203" pitchFamily="34" charset="-122"/>
+                <a:ea typeface="微软雅黑 Light" panose="020B0502040204020203" pitchFamily="34" charset="-122"/>
+              </a:rPr>
+              <a:t>随着请求量的提升、数据的不断增长，可以将数据分布到所有节点上。</a:t>
+            </a:r>
+            <a:endParaRPr lang="en-US" altLang="zh-CN" sz="1200" dirty="0" smtClean="0">
+              <a:latin typeface="微软雅黑 Light" panose="020B0502040204020203" pitchFamily="34" charset="-122"/>
+              <a:ea typeface="微软雅黑 Light" panose="020B0502040204020203" pitchFamily="34" charset="-122"/>
+            </a:endParaRPr>
+          </a:p>
+          <a:p>
+            <a:pPr marL="0" marR="0" lvl="0" indent="0" algn="l" defTabSz="914400" rtl="0" eaLnBrk="1" fontAlgn="auto" latinLnBrk="0" hangingPunct="1">
+              <a:lnSpc>
+                <a:spcPct val="100000"/>
+              </a:lnSpc>
+              <a:spcBef>
+                <a:spcPts val="0"/>
+              </a:spcBef>
+              <a:spcAft>
+                <a:spcPts val="0"/>
+              </a:spcAft>
+              <a:buClrTx/>
+              <a:buSzTx/>
+              <a:buFontTx/>
+              <a:buNone/>
+              <a:tabLst/>
+              <a:defRPr/>
+            </a:pPr>
+            <a:endParaRPr lang="en-US" altLang="zh-CN" sz="1200" dirty="0" smtClean="0">
+              <a:latin typeface="微软雅黑 Light" panose="020B0502040204020203" pitchFamily="34" charset="-122"/>
+              <a:ea typeface="微软雅黑 Light" panose="020B0502040204020203" pitchFamily="34" charset="-122"/>
+            </a:endParaRPr>
+          </a:p>
+          <a:p>
+            <a:endParaRPr lang="zh-CN" altLang="en-US" dirty="0"/>
+          </a:p>
+        </p:txBody>
+      </p:sp>
+      <p:sp>
+        <p:nvSpPr>
+          <p:cNvPr id="4" name="灯片编号占位符 3"/>
+          <p:cNvSpPr>
+            <a:spLocks noGrp="1"/>
+          </p:cNvSpPr>
+          <p:nvPr>
+            <p:ph type="sldNum" sz="quarter" idx="10"/>
+          </p:nvPr>
+        </p:nvSpPr>
+        <p:spPr/>
+        <p:txBody>
+          <a:bodyPr/>
+          <a:lstStyle/>
+          <a:p>
+            <a:fld id="{B4839322-02F4-440B-9B8B-1CB9547C7522}" type="slidenum">
+              <a:rPr lang="zh-CN" altLang="en-US" smtClean="0"/>
+              <a:t>20</a:t>
+            </a:fld>
+            <a:endParaRPr lang="zh-CN" altLang="en-US"/>
+          </a:p>
+        </p:txBody>
+      </p:sp>
+    </p:spTree>
+    <p:extLst>
+      <p:ext uri="{BB962C8B-B14F-4D97-AF65-F5344CB8AC3E}">
+        <p14:creationId xmlns:p14="http://schemas.microsoft.com/office/powerpoint/2010/main" val="2994219544"/>
       </p:ext>
     </p:extLst>
   </p:cSld>
@@ -1386,7 +2663,7 @@
           <a:p>
             <a:fld id="{05A1DC24-85F3-4037-842B-52F080AD767D}" type="datetimeFigureOut">
               <a:rPr lang="zh-CN" altLang="en-US" smtClean="0"/>
-              <a:t>2022/8/3</a:t>
+              <a:t>2022/8/8</a:t>
             </a:fld>
             <a:endParaRPr lang="zh-CN" altLang="en-US"/>
           </a:p>
@@ -1614,7 +2891,7 @@
           <a:p>
             <a:fld id="{05A1DC24-85F3-4037-842B-52F080AD767D}" type="datetimeFigureOut">
               <a:rPr lang="zh-CN" altLang="en-US" smtClean="0"/>
-              <a:t>2022/8/3</a:t>
+              <a:t>2022/8/8</a:t>
             </a:fld>
             <a:endParaRPr lang="zh-CN" altLang="en-US"/>
           </a:p>
@@ -1794,7 +3071,7 @@
           <a:p>
             <a:fld id="{05A1DC24-85F3-4037-842B-52F080AD767D}" type="datetimeFigureOut">
               <a:rPr lang="zh-CN" altLang="en-US" smtClean="0"/>
-              <a:t>2022/8/3</a:t>
+              <a:t>2022/8/8</a:t>
             </a:fld>
             <a:endParaRPr lang="zh-CN" altLang="en-US"/>
           </a:p>
@@ -1964,7 +3241,7 @@
           <a:p>
             <a:fld id="{05A1DC24-85F3-4037-842B-52F080AD767D}" type="datetimeFigureOut">
               <a:rPr lang="zh-CN" altLang="en-US" smtClean="0"/>
-              <a:t>2022/8/3</a:t>
+              <a:t>2022/8/8</a:t>
             </a:fld>
             <a:endParaRPr lang="zh-CN" altLang="en-US"/>
           </a:p>
@@ -2218,7 +3495,7 @@
           <a:p>
             <a:fld id="{05A1DC24-85F3-4037-842B-52F080AD767D}" type="datetimeFigureOut">
               <a:rPr lang="zh-CN" altLang="en-US" smtClean="0"/>
-              <a:t>2022/8/3</a:t>
+              <a:t>2022/8/8</a:t>
             </a:fld>
             <a:endParaRPr lang="zh-CN" altLang="en-US"/>
           </a:p>
@@ -2544,7 +3821,7 @@
           <a:p>
             <a:fld id="{05A1DC24-85F3-4037-842B-52F080AD767D}" type="datetimeFigureOut">
               <a:rPr lang="zh-CN" altLang="en-US" smtClean="0"/>
-              <a:t>2022/8/3</a:t>
+              <a:t>2022/8/8</a:t>
             </a:fld>
             <a:endParaRPr lang="zh-CN" altLang="en-US"/>
           </a:p>
@@ -2995,7 +4272,7 @@
           <a:p>
             <a:fld id="{05A1DC24-85F3-4037-842B-52F080AD767D}" type="datetimeFigureOut">
               <a:rPr lang="zh-CN" altLang="en-US" smtClean="0"/>
-              <a:t>2022/8/3</a:t>
+              <a:t>2022/8/8</a:t>
             </a:fld>
             <a:endParaRPr lang="zh-CN" altLang="en-US"/>
           </a:p>
@@ -3113,7 +4390,7 @@
           <a:p>
             <a:fld id="{05A1DC24-85F3-4037-842B-52F080AD767D}" type="datetimeFigureOut">
               <a:rPr lang="zh-CN" altLang="en-US" smtClean="0"/>
-              <a:t>2022/8/3</a:t>
+              <a:t>2022/8/8</a:t>
             </a:fld>
             <a:endParaRPr lang="zh-CN" altLang="en-US"/>
           </a:p>
@@ -3208,7 +4485,7 @@
           <a:p>
             <a:fld id="{05A1DC24-85F3-4037-842B-52F080AD767D}" type="datetimeFigureOut">
               <a:rPr lang="zh-CN" altLang="en-US" smtClean="0"/>
-              <a:t>2022/8/3</a:t>
+              <a:t>2022/8/8</a:t>
             </a:fld>
             <a:endParaRPr lang="zh-CN" altLang="en-US"/>
           </a:p>
@@ -3495,7 +4772,7 @@
           <a:p>
             <a:fld id="{05A1DC24-85F3-4037-842B-52F080AD767D}" type="datetimeFigureOut">
               <a:rPr lang="zh-CN" altLang="en-US" smtClean="0"/>
-              <a:t>2022/8/3</a:t>
+              <a:t>2022/8/8</a:t>
             </a:fld>
             <a:endParaRPr lang="zh-CN" altLang="en-US"/>
           </a:p>
@@ -3817,7 +5094,7 @@
           <a:p>
             <a:fld id="{05A1DC24-85F3-4037-842B-52F080AD767D}" type="datetimeFigureOut">
               <a:rPr lang="zh-CN" altLang="en-US" smtClean="0"/>
-              <a:t>2022/8/3</a:t>
+              <a:t>2022/8/8</a:t>
             </a:fld>
             <a:endParaRPr lang="zh-CN" altLang="en-US"/>
           </a:p>
@@ -4071,7 +5348,7 @@
           <a:p>
             <a:fld id="{05A1DC24-85F3-4037-842B-52F080AD767D}" type="datetimeFigureOut">
               <a:rPr lang="zh-CN" altLang="en-US" smtClean="0"/>
-              <a:t>2022/8/3</a:t>
+              <a:t>2022/8/8</a:t>
             </a:fld>
             <a:endParaRPr lang="zh-CN" altLang="en-US"/>
           </a:p>
@@ -4828,23 +6105,23 @@
           <a:p>
             <a:r>
               <a:rPr lang="en-US" altLang="zh-CN" dirty="0" err="1" smtClean="0">
-                <a:latin typeface="Arial Unicode MS" panose="020B0604020202020204" pitchFamily="34" charset="-122"/>
-                <a:ea typeface="Arial Unicode MS" panose="020B0604020202020204" pitchFamily="34" charset="-122"/>
+                <a:latin typeface="微软雅黑 Light" panose="020B0502040204020203" pitchFamily="34" charset="-122"/>
+                <a:ea typeface="微软雅黑 Light" panose="020B0502040204020203" pitchFamily="34" charset="-122"/>
                 <a:cs typeface="Arial Unicode MS" panose="020B0604020202020204" pitchFamily="34" charset="-122"/>
               </a:rPr>
               <a:t>Elasticsearch</a:t>
             </a:r>
             <a:r>
               <a:rPr lang="zh-CN" altLang="en-US" dirty="0" smtClean="0">
-                <a:latin typeface="Arial Unicode MS" panose="020B0604020202020204" pitchFamily="34" charset="-122"/>
-                <a:ea typeface="Arial Unicode MS" panose="020B0604020202020204" pitchFamily="34" charset="-122"/>
+                <a:latin typeface="微软雅黑 Light" panose="020B0502040204020203" pitchFamily="34" charset="-122"/>
+                <a:ea typeface="微软雅黑 Light" panose="020B0502040204020203" pitchFamily="34" charset="-122"/>
                 <a:cs typeface="Arial Unicode MS" panose="020B0604020202020204" pitchFamily="34" charset="-122"/>
               </a:rPr>
               <a:t>基本原理</a:t>
             </a:r>
             <a:endParaRPr lang="zh-CN" altLang="en-US" dirty="0">
-              <a:latin typeface="Arial Unicode MS" panose="020B0604020202020204" pitchFamily="34" charset="-122"/>
-              <a:ea typeface="Arial Unicode MS" panose="020B0604020202020204" pitchFamily="34" charset="-122"/>
+              <a:latin typeface="微软雅黑 Light" panose="020B0502040204020203" pitchFamily="34" charset="-122"/>
+              <a:ea typeface="微软雅黑 Light" panose="020B0502040204020203" pitchFamily="34" charset="-122"/>
               <a:cs typeface="Arial Unicode MS" panose="020B0604020202020204" pitchFamily="34" charset="-122"/>
             </a:endParaRPr>
           </a:p>
@@ -5534,12 +6811,103 @@
           <a:p>
             <a:r>
               <a:rPr lang="zh-CN" altLang="en-US" sz="2400" dirty="0" smtClean="0">
-                <a:latin typeface="微软雅黑 Light" panose="020B0502040204020203" pitchFamily="34" charset="-122"/>
-                <a:ea typeface="微软雅黑 Light" panose="020B0502040204020203" pitchFamily="34" charset="-122"/>
-              </a:rPr>
-              <a:t>select * from table where content like '*programing*'；</a:t>
+                <a:solidFill>
+                  <a:srgbClr val="FF0000"/>
+                </a:solidFill>
+                <a:latin typeface="微软雅黑 Light" panose="020B0502040204020203" pitchFamily="34" charset="-122"/>
+                <a:ea typeface="微软雅黑 Light" panose="020B0502040204020203" pitchFamily="34" charset="-122"/>
+              </a:rPr>
+              <a:t>select</a:t>
+            </a:r>
+            <a:r>
+              <a:rPr lang="zh-CN" altLang="en-US" sz="2400" dirty="0" smtClean="0">
+                <a:latin typeface="微软雅黑 Light" panose="020B0502040204020203" pitchFamily="34" charset="-122"/>
+                <a:ea typeface="微软雅黑 Light" panose="020B0502040204020203" pitchFamily="34" charset="-122"/>
+              </a:rPr>
+              <a:t> * </a:t>
+            </a:r>
+            <a:r>
+              <a:rPr lang="zh-CN" altLang="en-US" sz="2400" dirty="0" smtClean="0">
+                <a:solidFill>
+                  <a:srgbClr val="92D050"/>
+                </a:solidFill>
+                <a:latin typeface="微软雅黑 Light" panose="020B0502040204020203" pitchFamily="34" charset="-122"/>
+                <a:ea typeface="微软雅黑 Light" panose="020B0502040204020203" pitchFamily="34" charset="-122"/>
+              </a:rPr>
+              <a:t>from</a:t>
+            </a:r>
+            <a:r>
+              <a:rPr lang="zh-CN" altLang="en-US" sz="2400" dirty="0" smtClean="0">
+                <a:latin typeface="微软雅黑 Light" panose="020B0502040204020203" pitchFamily="34" charset="-122"/>
+                <a:ea typeface="微软雅黑 Light" panose="020B0502040204020203" pitchFamily="34" charset="-122"/>
+              </a:rPr>
+              <a:t> </a:t>
+            </a:r>
+            <a:r>
+              <a:rPr lang="zh-CN" altLang="en-US" sz="2400" dirty="0" smtClean="0">
+                <a:solidFill>
+                  <a:srgbClr val="00B0F0"/>
+                </a:solidFill>
+                <a:latin typeface="微软雅黑 Light" panose="020B0502040204020203" pitchFamily="34" charset="-122"/>
+                <a:ea typeface="微软雅黑 Light" panose="020B0502040204020203" pitchFamily="34" charset="-122"/>
+              </a:rPr>
+              <a:t>table</a:t>
+            </a:r>
+            <a:r>
+              <a:rPr lang="zh-CN" altLang="en-US" sz="2400" dirty="0" smtClean="0">
+                <a:latin typeface="微软雅黑 Light" panose="020B0502040204020203" pitchFamily="34" charset="-122"/>
+                <a:ea typeface="微软雅黑 Light" panose="020B0502040204020203" pitchFamily="34" charset="-122"/>
+              </a:rPr>
+              <a:t> </a:t>
+            </a:r>
+            <a:r>
+              <a:rPr lang="zh-CN" altLang="en-US" sz="2400" dirty="0" smtClean="0">
+                <a:solidFill>
+                  <a:srgbClr val="92D050"/>
+                </a:solidFill>
+                <a:latin typeface="微软雅黑 Light" panose="020B0502040204020203" pitchFamily="34" charset="-122"/>
+                <a:ea typeface="微软雅黑 Light" panose="020B0502040204020203" pitchFamily="34" charset="-122"/>
+              </a:rPr>
+              <a:t>where</a:t>
+            </a:r>
+            <a:r>
+              <a:rPr lang="zh-CN" altLang="en-US" sz="2400" dirty="0" smtClean="0">
+                <a:latin typeface="微软雅黑 Light" panose="020B0502040204020203" pitchFamily="34" charset="-122"/>
+                <a:ea typeface="微软雅黑 Light" panose="020B0502040204020203" pitchFamily="34" charset="-122"/>
+              </a:rPr>
+              <a:t> </a:t>
+            </a:r>
+            <a:r>
+              <a:rPr lang="zh-CN" altLang="en-US" sz="2400" dirty="0" smtClean="0">
+                <a:solidFill>
+                  <a:srgbClr val="00B0F0"/>
+                </a:solidFill>
+                <a:latin typeface="微软雅黑 Light" panose="020B0502040204020203" pitchFamily="34" charset="-122"/>
+                <a:ea typeface="微软雅黑 Light" panose="020B0502040204020203" pitchFamily="34" charset="-122"/>
+              </a:rPr>
+              <a:t>content like '*</a:t>
+            </a:r>
+            <a:r>
+              <a:rPr lang="zh-CN" altLang="en-US" sz="2400" dirty="0" smtClean="0">
+                <a:latin typeface="微软雅黑 Light" panose="020B0502040204020203" pitchFamily="34" charset="-122"/>
+                <a:ea typeface="微软雅黑 Light" panose="020B0502040204020203" pitchFamily="34" charset="-122"/>
+              </a:rPr>
+              <a:t>programing</a:t>
+            </a:r>
+            <a:r>
+              <a:rPr lang="zh-CN" altLang="en-US" sz="2400" dirty="0" smtClean="0">
+                <a:solidFill>
+                  <a:srgbClr val="00B0F0"/>
+                </a:solidFill>
+                <a:latin typeface="微软雅黑 Light" panose="020B0502040204020203" pitchFamily="34" charset="-122"/>
+                <a:ea typeface="微软雅黑 Light" panose="020B0502040204020203" pitchFamily="34" charset="-122"/>
+              </a:rPr>
+              <a:t>*'；</a:t>
             </a:r>
             <a:endParaRPr lang="zh-CN" altLang="en-US" sz="2400" dirty="0">
+              <a:solidFill>
+                <a:srgbClr val="00B0F0"/>
+              </a:solidFill>
               <a:latin typeface="微软雅黑 Light" panose="020B0502040204020203" pitchFamily="34" charset="-122"/>
               <a:ea typeface="微软雅黑 Light" panose="020B0502040204020203" pitchFamily="34" charset="-122"/>
             </a:endParaRPr>
@@ -6640,6 +8008,385 @@
           <a:chExt cx="0" cy="0"/>
         </a:xfrm>
       </p:grpSpPr>
+      <p:sp>
+        <p:nvSpPr>
+          <p:cNvPr id="2" name="文本框 1"/>
+          <p:cNvSpPr txBox="1"/>
+          <p:nvPr/>
+        </p:nvSpPr>
+        <p:spPr>
+          <a:xfrm>
+            <a:off x="687185" y="820317"/>
+            <a:ext cx="5979622" cy="523220"/>
+          </a:xfrm>
+          <a:prstGeom prst="rect">
+            <a:avLst/>
+          </a:prstGeom>
+          <a:noFill/>
+        </p:spPr>
+        <p:txBody>
+          <a:bodyPr wrap="square" rtlCol="0">
+            <a:spAutoFit/>
+          </a:bodyPr>
+          <a:lstStyle/>
+          <a:p>
+            <a:r>
+              <a:rPr lang="en-US" altLang="zh-CN" sz="2800" b="1" dirty="0" err="1" smtClean="0">
+                <a:latin typeface="微软雅黑 Light" panose="020B0502040204020203" pitchFamily="34" charset="-122"/>
+                <a:ea typeface="微软雅黑 Light" panose="020B0502040204020203" pitchFamily="34" charset="-122"/>
+              </a:rPr>
+              <a:t>Elasticsearch</a:t>
+            </a:r>
+            <a:r>
+              <a:rPr lang="zh-CN" altLang="en-US" sz="2800" b="1" dirty="0" smtClean="0">
+                <a:latin typeface="微软雅黑 Light" panose="020B0502040204020203" pitchFamily="34" charset="-122"/>
+                <a:ea typeface="微软雅黑 Light" panose="020B0502040204020203" pitchFamily="34" charset="-122"/>
+              </a:rPr>
+              <a:t>中数据模型</a:t>
+            </a:r>
+            <a:endParaRPr lang="zh-CN" altLang="en-US" sz="2800" b="1" dirty="0">
+              <a:latin typeface="微软雅黑 Light" panose="020B0502040204020203" pitchFamily="34" charset="-122"/>
+              <a:ea typeface="微软雅黑 Light" panose="020B0502040204020203" pitchFamily="34" charset="-122"/>
+            </a:endParaRPr>
+          </a:p>
+        </p:txBody>
+      </p:sp>
+      <p:sp>
+        <p:nvSpPr>
+          <p:cNvPr id="3" name="文本框 2"/>
+          <p:cNvSpPr txBox="1"/>
+          <p:nvPr/>
+        </p:nvSpPr>
+        <p:spPr>
+          <a:xfrm>
+            <a:off x="687185" y="1343537"/>
+            <a:ext cx="6411884" cy="1338828"/>
+          </a:xfrm>
+          <a:prstGeom prst="rect">
+            <a:avLst/>
+          </a:prstGeom>
+          <a:noFill/>
+        </p:spPr>
+        <p:txBody>
+          <a:bodyPr wrap="square" rtlCol="0">
+            <a:spAutoFit/>
+          </a:bodyPr>
+          <a:lstStyle/>
+          <a:p>
+            <a:pPr marL="285750" indent="-285750" algn="just">
+              <a:lnSpc>
+                <a:spcPct val="150000"/>
+              </a:lnSpc>
+              <a:buFont typeface="Arial" panose="020B0604020202020204" pitchFamily="34" charset="0"/>
+              <a:buChar char="•"/>
+            </a:pPr>
+            <a:r>
+              <a:rPr lang="en-US" altLang="zh-CN" dirty="0" smtClean="0">
+                <a:latin typeface="微软雅黑 Light" panose="020B0502040204020203" pitchFamily="34" charset="-122"/>
+                <a:ea typeface="微软雅黑 Light" panose="020B0502040204020203" pitchFamily="34" charset="-122"/>
+              </a:rPr>
+              <a:t>Index </a:t>
+            </a:r>
+            <a:r>
+              <a:rPr lang="zh-CN" altLang="en-US" dirty="0" smtClean="0">
+                <a:latin typeface="微软雅黑 Light" panose="020B0502040204020203" pitchFamily="34" charset="-122"/>
+                <a:ea typeface="微软雅黑 Light" panose="020B0502040204020203" pitchFamily="34" charset="-122"/>
+              </a:rPr>
+              <a:t>索引</a:t>
+            </a:r>
+            <a:endParaRPr lang="en-US" altLang="zh-CN" dirty="0" smtClean="0">
+              <a:latin typeface="微软雅黑 Light" panose="020B0502040204020203" pitchFamily="34" charset="-122"/>
+              <a:ea typeface="微软雅黑 Light" panose="020B0502040204020203" pitchFamily="34" charset="-122"/>
+            </a:endParaRPr>
+          </a:p>
+          <a:p>
+            <a:pPr marL="742950" lvl="1" indent="-285750" algn="just">
+              <a:lnSpc>
+                <a:spcPct val="150000"/>
+              </a:lnSpc>
+              <a:buFont typeface="Arial" panose="020B0604020202020204" pitchFamily="34" charset="0"/>
+              <a:buChar char="•"/>
+            </a:pPr>
+            <a:r>
+              <a:rPr lang="en-US" altLang="zh-CN" dirty="0" smtClean="0">
+                <a:latin typeface="微软雅黑 Light" panose="020B0502040204020203" pitchFamily="34" charset="-122"/>
+                <a:ea typeface="微软雅黑 Light" panose="020B0502040204020203" pitchFamily="34" charset="-122"/>
+              </a:rPr>
+              <a:t>Type </a:t>
+            </a:r>
+            <a:r>
+              <a:rPr lang="zh-CN" altLang="en-US" dirty="0">
+                <a:latin typeface="微软雅黑 Light" panose="020B0502040204020203" pitchFamily="34" charset="-122"/>
+                <a:ea typeface="微软雅黑 Light" panose="020B0502040204020203" pitchFamily="34" charset="-122"/>
+              </a:rPr>
+              <a:t>类型（废弃， </a:t>
+            </a:r>
+            <a:r>
+              <a:rPr lang="en-US" altLang="zh-CN" dirty="0">
+                <a:latin typeface="微软雅黑 Light" panose="020B0502040204020203" pitchFamily="34" charset="-122"/>
+                <a:ea typeface="微软雅黑 Light" panose="020B0502040204020203" pitchFamily="34" charset="-122"/>
+              </a:rPr>
+              <a:t>7.0</a:t>
+            </a:r>
+            <a:r>
+              <a:rPr lang="zh-CN" altLang="en-US" dirty="0">
+                <a:latin typeface="微软雅黑 Light" panose="020B0502040204020203" pitchFamily="34" charset="-122"/>
+                <a:ea typeface="微软雅黑 Light" panose="020B0502040204020203" pitchFamily="34" charset="-122"/>
+              </a:rPr>
+              <a:t>之后统一为</a:t>
+            </a:r>
+            <a:r>
+              <a:rPr lang="en-US" altLang="zh-CN" dirty="0">
+                <a:latin typeface="微软雅黑 Light" panose="020B0502040204020203" pitchFamily="34" charset="-122"/>
+                <a:ea typeface="微软雅黑 Light" panose="020B0502040204020203" pitchFamily="34" charset="-122"/>
+              </a:rPr>
+              <a:t>_doc</a:t>
+            </a:r>
+            <a:r>
+              <a:rPr lang="zh-CN" altLang="en-US" dirty="0" smtClean="0">
+                <a:latin typeface="微软雅黑 Light" panose="020B0502040204020203" pitchFamily="34" charset="-122"/>
+                <a:ea typeface="微软雅黑 Light" panose="020B0502040204020203" pitchFamily="34" charset="-122"/>
+              </a:rPr>
+              <a:t>）</a:t>
+            </a:r>
+            <a:endParaRPr lang="en-US" altLang="zh-CN" dirty="0" smtClean="0">
+              <a:latin typeface="微软雅黑 Light" panose="020B0502040204020203" pitchFamily="34" charset="-122"/>
+              <a:ea typeface="微软雅黑 Light" panose="020B0502040204020203" pitchFamily="34" charset="-122"/>
+            </a:endParaRPr>
+          </a:p>
+          <a:p>
+            <a:pPr marL="1200150" lvl="2" indent="-285750" algn="just">
+              <a:lnSpc>
+                <a:spcPct val="150000"/>
+              </a:lnSpc>
+              <a:buFont typeface="Arial" panose="020B0604020202020204" pitchFamily="34" charset="0"/>
+              <a:buChar char="•"/>
+            </a:pPr>
+            <a:r>
+              <a:rPr lang="en-US" altLang="zh-CN" dirty="0" smtClean="0">
+                <a:latin typeface="微软雅黑 Light" panose="020B0502040204020203" pitchFamily="34" charset="-122"/>
+                <a:ea typeface="微软雅黑 Light" panose="020B0502040204020203" pitchFamily="34" charset="-122"/>
+              </a:rPr>
+              <a:t>Doc</a:t>
+            </a:r>
+            <a:r>
+              <a:rPr lang="zh-CN" altLang="en-US" dirty="0">
+                <a:latin typeface="微软雅黑 Light" panose="020B0502040204020203" pitchFamily="34" charset="-122"/>
+                <a:ea typeface="微软雅黑 Light" panose="020B0502040204020203" pitchFamily="34" charset="-122"/>
+              </a:rPr>
+              <a:t>文档</a:t>
+            </a:r>
+            <a:endParaRPr lang="zh-CN" altLang="en-US" dirty="0">
+              <a:latin typeface="微软雅黑 Light" panose="020B0502040204020203" pitchFamily="34" charset="-122"/>
+              <a:ea typeface="微软雅黑 Light" panose="020B0502040204020203" pitchFamily="34" charset="-122"/>
+            </a:endParaRPr>
+          </a:p>
+        </p:txBody>
+      </p:sp>
+      <p:sp>
+        <p:nvSpPr>
+          <p:cNvPr id="5" name="文本框 4"/>
+          <p:cNvSpPr txBox="1"/>
+          <p:nvPr/>
+        </p:nvSpPr>
+        <p:spPr>
+          <a:xfrm>
+            <a:off x="687185" y="4504729"/>
+            <a:ext cx="9820102" cy="1338828"/>
+          </a:xfrm>
+          <a:prstGeom prst="rect">
+            <a:avLst/>
+          </a:prstGeom>
+          <a:noFill/>
+        </p:spPr>
+        <p:txBody>
+          <a:bodyPr wrap="square" rtlCol="0">
+            <a:spAutoFit/>
+          </a:bodyPr>
+          <a:lstStyle/>
+          <a:p>
+            <a:pPr marL="285750" indent="-285750" algn="just">
+              <a:lnSpc>
+                <a:spcPct val="150000"/>
+              </a:lnSpc>
+              <a:buFont typeface="Arial" panose="020B0604020202020204" pitchFamily="34" charset="0"/>
+              <a:buChar char="•"/>
+            </a:pPr>
+            <a:r>
+              <a:rPr lang="zh-CN" altLang="en-US" dirty="0" smtClean="0">
+                <a:latin typeface="微软雅黑 Light" panose="020B0502040204020203" pitchFamily="34" charset="-122"/>
+                <a:ea typeface="微软雅黑 Light" panose="020B0502040204020203" pitchFamily="34" charset="-122"/>
+              </a:rPr>
+              <a:t>文档</a:t>
+            </a:r>
+            <a:r>
+              <a:rPr lang="zh-CN" altLang="en-US" dirty="0">
+                <a:latin typeface="微软雅黑 Light" panose="020B0502040204020203" pitchFamily="34" charset="-122"/>
+                <a:ea typeface="微软雅黑 Light" panose="020B0502040204020203" pitchFamily="34" charset="-122"/>
+              </a:rPr>
+              <a:t>是所有可搜索数据的最小单位，相当于</a:t>
+            </a:r>
+            <a:r>
+              <a:rPr lang="en-US" altLang="zh-CN" dirty="0">
+                <a:latin typeface="微软雅黑 Light" panose="020B0502040204020203" pitchFamily="34" charset="-122"/>
+                <a:ea typeface="微软雅黑 Light" panose="020B0502040204020203" pitchFamily="34" charset="-122"/>
+              </a:rPr>
+              <a:t>RDBMS</a:t>
+            </a:r>
+            <a:r>
+              <a:rPr lang="zh-CN" altLang="en-US" dirty="0">
+                <a:latin typeface="微软雅黑 Light" panose="020B0502040204020203" pitchFamily="34" charset="-122"/>
+                <a:ea typeface="微软雅黑 Light" panose="020B0502040204020203" pitchFamily="34" charset="-122"/>
+              </a:rPr>
+              <a:t>中的一条</a:t>
+            </a:r>
+            <a:r>
+              <a:rPr lang="zh-CN" altLang="en-US" dirty="0" smtClean="0">
+                <a:latin typeface="微软雅黑 Light" panose="020B0502040204020203" pitchFamily="34" charset="-122"/>
+                <a:ea typeface="微软雅黑 Light" panose="020B0502040204020203" pitchFamily="34" charset="-122"/>
+              </a:rPr>
+              <a:t>数据</a:t>
+            </a:r>
+            <a:endParaRPr lang="en-US" altLang="zh-CN" dirty="0">
+              <a:latin typeface="微软雅黑 Light" panose="020B0502040204020203" pitchFamily="34" charset="-122"/>
+              <a:ea typeface="微软雅黑 Light" panose="020B0502040204020203" pitchFamily="34" charset="-122"/>
+            </a:endParaRPr>
+          </a:p>
+          <a:p>
+            <a:pPr marL="285750" indent="-285750" algn="just">
+              <a:lnSpc>
+                <a:spcPct val="150000"/>
+              </a:lnSpc>
+              <a:buFont typeface="Arial" panose="020B0604020202020204" pitchFamily="34" charset="0"/>
+              <a:buChar char="•"/>
+            </a:pPr>
+            <a:r>
+              <a:rPr lang="zh-CN" altLang="en-US" dirty="0" smtClean="0">
+                <a:latin typeface="微软雅黑 Light" panose="020B0502040204020203" pitchFamily="34" charset="-122"/>
+                <a:ea typeface="微软雅黑 Light" panose="020B0502040204020203" pitchFamily="34" charset="-122"/>
+              </a:rPr>
+              <a:t>文档</a:t>
+            </a:r>
+            <a:r>
+              <a:rPr lang="zh-CN" altLang="en-US" dirty="0">
+                <a:latin typeface="微软雅黑 Light" panose="020B0502040204020203" pitchFamily="34" charset="-122"/>
+                <a:ea typeface="微软雅黑 Light" panose="020B0502040204020203" pitchFamily="34" charset="-122"/>
+              </a:rPr>
+              <a:t>的保存格式是</a:t>
+            </a:r>
+            <a:r>
+              <a:rPr lang="en-US" altLang="zh-CN" dirty="0">
+                <a:latin typeface="微软雅黑 Light" panose="020B0502040204020203" pitchFamily="34" charset="-122"/>
+                <a:ea typeface="微软雅黑 Light" panose="020B0502040204020203" pitchFamily="34" charset="-122"/>
+              </a:rPr>
+              <a:t>JSON</a:t>
+            </a:r>
+            <a:r>
+              <a:rPr lang="zh-CN" altLang="en-US" dirty="0">
+                <a:latin typeface="微软雅黑 Light" panose="020B0502040204020203" pitchFamily="34" charset="-122"/>
+                <a:ea typeface="微软雅黑 Light" panose="020B0502040204020203" pitchFamily="34" charset="-122"/>
+              </a:rPr>
+              <a:t>，每个字段都有对应的字段类型</a:t>
+            </a:r>
+            <a:r>
+              <a:rPr lang="zh-CN" altLang="en-US" dirty="0" smtClean="0">
+                <a:latin typeface="微软雅黑 Light" panose="020B0502040204020203" pitchFamily="34" charset="-122"/>
+                <a:ea typeface="微软雅黑 Light" panose="020B0502040204020203" pitchFamily="34" charset="-122"/>
+              </a:rPr>
+              <a:t>。</a:t>
+            </a:r>
+            <a:endParaRPr lang="en-US" altLang="zh-CN" dirty="0" smtClean="0">
+              <a:latin typeface="微软雅黑 Light" panose="020B0502040204020203" pitchFamily="34" charset="-122"/>
+              <a:ea typeface="微软雅黑 Light" panose="020B0502040204020203" pitchFamily="34" charset="-122"/>
+            </a:endParaRPr>
+          </a:p>
+          <a:p>
+            <a:pPr marL="285750" indent="-285750" algn="just">
+              <a:lnSpc>
+                <a:spcPct val="150000"/>
+              </a:lnSpc>
+              <a:buFont typeface="Arial" panose="020B0604020202020204" pitchFamily="34" charset="0"/>
+              <a:buChar char="•"/>
+            </a:pPr>
+            <a:r>
+              <a:rPr lang="zh-CN" altLang="en-US" dirty="0" smtClean="0">
+                <a:latin typeface="微软雅黑 Light" panose="020B0502040204020203" pitchFamily="34" charset="-122"/>
+                <a:ea typeface="微软雅黑 Light" panose="020B0502040204020203" pitchFamily="34" charset="-122"/>
+              </a:rPr>
+              <a:t>在</a:t>
+            </a:r>
+            <a:r>
+              <a:rPr lang="zh-CN" altLang="en-US" dirty="0">
+                <a:latin typeface="微软雅黑 Light" panose="020B0502040204020203" pitchFamily="34" charset="-122"/>
+                <a:ea typeface="微软雅黑 Light" panose="020B0502040204020203" pitchFamily="34" charset="-122"/>
+              </a:rPr>
+              <a:t>一个</a:t>
+            </a:r>
+            <a:r>
+              <a:rPr lang="en-US" altLang="zh-CN" dirty="0">
+                <a:latin typeface="微软雅黑 Light" panose="020B0502040204020203" pitchFamily="34" charset="-122"/>
+                <a:ea typeface="微软雅黑 Light" panose="020B0502040204020203" pitchFamily="34" charset="-122"/>
+              </a:rPr>
+              <a:t>index</a:t>
+            </a:r>
+            <a:r>
+              <a:rPr lang="zh-CN" altLang="en-US" dirty="0">
+                <a:latin typeface="微软雅黑 Light" panose="020B0502040204020203" pitchFamily="34" charset="-122"/>
+                <a:ea typeface="微软雅黑 Light" panose="020B0502040204020203" pitchFamily="34" charset="-122"/>
+              </a:rPr>
+              <a:t>中，每个文档都有一个</a:t>
+            </a:r>
+            <a:r>
+              <a:rPr lang="en-US" altLang="zh-CN" dirty="0">
+                <a:latin typeface="微软雅黑 Light" panose="020B0502040204020203" pitchFamily="34" charset="-122"/>
+                <a:ea typeface="微软雅黑 Light" panose="020B0502040204020203" pitchFamily="34" charset="-122"/>
+              </a:rPr>
+              <a:t>Unique ID</a:t>
+            </a:r>
+            <a:r>
+              <a:rPr lang="zh-CN" altLang="en-US" dirty="0">
+                <a:latin typeface="微软雅黑 Light" panose="020B0502040204020203" pitchFamily="34" charset="-122"/>
+                <a:ea typeface="微软雅黑 Light" panose="020B0502040204020203" pitchFamily="34" charset="-122"/>
+              </a:rPr>
+              <a:t>，可以指定，也可以自动生成。</a:t>
+            </a:r>
+            <a:endParaRPr lang="zh-CN" altLang="en-US" dirty="0">
+              <a:latin typeface="微软雅黑 Light" panose="020B0502040204020203" pitchFamily="34" charset="-122"/>
+              <a:ea typeface="微软雅黑 Light" panose="020B0502040204020203" pitchFamily="34" charset="-122"/>
+            </a:endParaRPr>
+          </a:p>
+        </p:txBody>
+      </p:sp>
+      <p:pic>
+        <p:nvPicPr>
+          <p:cNvPr id="6" name="图片 5"/>
+          <p:cNvPicPr>
+            <a:picLocks noChangeAspect="1"/>
+          </p:cNvPicPr>
+          <p:nvPr/>
+        </p:nvPicPr>
+        <p:blipFill>
+          <a:blip r:embed="rId2">
+            <a:extLst>
+              <a:ext uri="{28A0092B-C50C-407E-A947-70E740481C1C}">
+                <a14:useLocalDpi xmlns:a14="http://schemas.microsoft.com/office/drawing/2010/main" val="0"/>
+              </a:ext>
+            </a:extLst>
+          </a:blip>
+          <a:stretch>
+            <a:fillRect/>
+          </a:stretch>
+        </p:blipFill>
+        <p:spPr>
+          <a:xfrm>
+            <a:off x="6096000" y="808398"/>
+            <a:ext cx="3048000" cy="3596640"/>
+          </a:xfrm>
+          <a:prstGeom prst="rect">
+            <a:avLst/>
+          </a:prstGeom>
+        </p:spPr>
+      </p:pic>
     </p:spTree>
     <p:extLst>
       <p:ext uri="{BB962C8B-B14F-4D97-AF65-F5344CB8AC3E}">
@@ -6677,6 +8424,399 @@
           <a:chExt cx="0" cy="0"/>
         </a:xfrm>
       </p:grpSpPr>
+      <p:sp>
+        <p:nvSpPr>
+          <p:cNvPr id="2" name="文本框 1"/>
+          <p:cNvSpPr txBox="1"/>
+          <p:nvPr/>
+        </p:nvSpPr>
+        <p:spPr>
+          <a:xfrm>
+            <a:off x="687185" y="820317"/>
+            <a:ext cx="5979622" cy="523220"/>
+          </a:xfrm>
+          <a:prstGeom prst="rect">
+            <a:avLst/>
+          </a:prstGeom>
+          <a:noFill/>
+        </p:spPr>
+        <p:txBody>
+          <a:bodyPr wrap="square" rtlCol="0">
+            <a:spAutoFit/>
+          </a:bodyPr>
+          <a:lstStyle/>
+          <a:p>
+            <a:r>
+              <a:rPr lang="en-US" altLang="zh-CN" sz="2800" b="1" dirty="0" err="1" smtClean="0">
+                <a:latin typeface="微软雅黑 Light" panose="020B0502040204020203" pitchFamily="34" charset="-122"/>
+                <a:ea typeface="微软雅黑 Light" panose="020B0502040204020203" pitchFamily="34" charset="-122"/>
+              </a:rPr>
+              <a:t>Elasticsearch</a:t>
+            </a:r>
+            <a:r>
+              <a:rPr lang="zh-CN" altLang="en-US" sz="2800" b="1" dirty="0" smtClean="0">
+                <a:latin typeface="微软雅黑 Light" panose="020B0502040204020203" pitchFamily="34" charset="-122"/>
+                <a:ea typeface="微软雅黑 Light" panose="020B0502040204020203" pitchFamily="34" charset="-122"/>
+              </a:rPr>
+              <a:t>中数据模型</a:t>
+            </a:r>
+            <a:endParaRPr lang="zh-CN" altLang="en-US" sz="2800" b="1" dirty="0">
+              <a:latin typeface="微软雅黑 Light" panose="020B0502040204020203" pitchFamily="34" charset="-122"/>
+              <a:ea typeface="微软雅黑 Light" panose="020B0502040204020203" pitchFamily="34" charset="-122"/>
+            </a:endParaRPr>
+          </a:p>
+        </p:txBody>
+      </p:sp>
+      <p:sp>
+        <p:nvSpPr>
+          <p:cNvPr id="3" name="文本框 2"/>
+          <p:cNvSpPr txBox="1"/>
+          <p:nvPr/>
+        </p:nvSpPr>
+        <p:spPr>
+          <a:xfrm>
+            <a:off x="687185" y="1578649"/>
+            <a:ext cx="9820102" cy="3785652"/>
+          </a:xfrm>
+          <a:prstGeom prst="rect">
+            <a:avLst/>
+          </a:prstGeom>
+          <a:noFill/>
+        </p:spPr>
+        <p:txBody>
+          <a:bodyPr wrap="square" rtlCol="0">
+            <a:spAutoFit/>
+          </a:bodyPr>
+          <a:lstStyle/>
+          <a:p>
+            <a:pPr marL="285750" indent="-285750" algn="just">
+              <a:lnSpc>
+                <a:spcPct val="150000"/>
+              </a:lnSpc>
+              <a:buFont typeface="Arial" panose="020B0604020202020204" pitchFamily="34" charset="0"/>
+              <a:buChar char="•"/>
+            </a:pPr>
+            <a:r>
+              <a:rPr lang="zh-CN" altLang="en-US" sz="2000" dirty="0" smtClean="0">
+                <a:latin typeface="微软雅黑 Light" panose="020B0502040204020203" pitchFamily="34" charset="-122"/>
+                <a:ea typeface="微软雅黑 Light" panose="020B0502040204020203" pitchFamily="34" charset="-122"/>
+              </a:rPr>
+              <a:t>元数据</a:t>
+            </a:r>
+            <a:r>
+              <a:rPr lang="zh-CN" altLang="en-US" sz="2000" dirty="0">
+                <a:latin typeface="微软雅黑 Light" panose="020B0502040204020203" pitchFamily="34" charset="-122"/>
+                <a:ea typeface="微软雅黑 Light" panose="020B0502040204020203" pitchFamily="34" charset="-122"/>
+              </a:rPr>
+              <a:t>，用于标注文档的相关</a:t>
+            </a:r>
+            <a:r>
+              <a:rPr lang="zh-CN" altLang="en-US" sz="2000" dirty="0" smtClean="0">
+                <a:latin typeface="微软雅黑 Light" panose="020B0502040204020203" pitchFamily="34" charset="-122"/>
+                <a:ea typeface="微软雅黑 Light" panose="020B0502040204020203" pitchFamily="34" charset="-122"/>
+              </a:rPr>
+              <a:t>信息</a:t>
+            </a:r>
+            <a:endParaRPr lang="en-US" altLang="zh-CN" sz="2000" dirty="0" smtClean="0">
+              <a:latin typeface="微软雅黑 Light" panose="020B0502040204020203" pitchFamily="34" charset="-122"/>
+              <a:ea typeface="微软雅黑 Light" panose="020B0502040204020203" pitchFamily="34" charset="-122"/>
+            </a:endParaRPr>
+          </a:p>
+          <a:p>
+            <a:pPr marL="742950" lvl="1" indent="-285750" algn="just">
+              <a:lnSpc>
+                <a:spcPct val="150000"/>
+              </a:lnSpc>
+              <a:buFont typeface="Arial" panose="020B0604020202020204" pitchFamily="34" charset="0"/>
+              <a:buChar char="•"/>
+            </a:pPr>
+            <a:r>
+              <a:rPr lang="en-US" altLang="zh-CN" sz="2000" dirty="0" smtClean="0">
+                <a:latin typeface="微软雅黑 Light" panose="020B0502040204020203" pitchFamily="34" charset="-122"/>
+                <a:ea typeface="微软雅黑 Light" panose="020B0502040204020203" pitchFamily="34" charset="-122"/>
+              </a:rPr>
+              <a:t>_</a:t>
+            </a:r>
+            <a:r>
+              <a:rPr lang="en-US" altLang="zh-CN" sz="2000" dirty="0">
+                <a:latin typeface="微软雅黑 Light" panose="020B0502040204020203" pitchFamily="34" charset="-122"/>
+                <a:ea typeface="微软雅黑 Light" panose="020B0502040204020203" pitchFamily="34" charset="-122"/>
+              </a:rPr>
+              <a:t>index - </a:t>
+            </a:r>
+            <a:r>
+              <a:rPr lang="zh-CN" altLang="en-US" sz="2000" dirty="0">
+                <a:latin typeface="微软雅黑 Light" panose="020B0502040204020203" pitchFamily="34" charset="-122"/>
+                <a:ea typeface="微软雅黑 Light" panose="020B0502040204020203" pitchFamily="34" charset="-122"/>
+              </a:rPr>
+              <a:t>文档所属的索引名  </a:t>
+            </a:r>
+            <a:endParaRPr lang="en-US" altLang="zh-CN" sz="2000" dirty="0">
+              <a:latin typeface="微软雅黑 Light" panose="020B0502040204020203" pitchFamily="34" charset="-122"/>
+              <a:ea typeface="微软雅黑 Light" panose="020B0502040204020203" pitchFamily="34" charset="-122"/>
+            </a:endParaRPr>
+          </a:p>
+          <a:p>
+            <a:pPr marL="742950" lvl="1" indent="-285750" algn="just">
+              <a:lnSpc>
+                <a:spcPct val="150000"/>
+              </a:lnSpc>
+              <a:buFont typeface="Arial" panose="020B0604020202020204" pitchFamily="34" charset="0"/>
+              <a:buChar char="•"/>
+            </a:pPr>
+            <a:r>
+              <a:rPr lang="en-US" altLang="zh-CN" sz="2000" dirty="0" smtClean="0">
+                <a:latin typeface="微软雅黑 Light" panose="020B0502040204020203" pitchFamily="34" charset="-122"/>
+                <a:ea typeface="微软雅黑 Light" panose="020B0502040204020203" pitchFamily="34" charset="-122"/>
+              </a:rPr>
+              <a:t>_</a:t>
+            </a:r>
+            <a:r>
+              <a:rPr lang="en-US" altLang="zh-CN" sz="2000" dirty="0">
+                <a:latin typeface="微软雅黑 Light" panose="020B0502040204020203" pitchFamily="34" charset="-122"/>
+                <a:ea typeface="微软雅黑 Light" panose="020B0502040204020203" pitchFamily="34" charset="-122"/>
+              </a:rPr>
+              <a:t>type - </a:t>
+            </a:r>
+            <a:r>
+              <a:rPr lang="zh-CN" altLang="en-US" sz="2000" dirty="0">
+                <a:latin typeface="微软雅黑 Light" panose="020B0502040204020203" pitchFamily="34" charset="-122"/>
+                <a:ea typeface="微软雅黑 Light" panose="020B0502040204020203" pitchFamily="34" charset="-122"/>
+              </a:rPr>
+              <a:t>类型名，</a:t>
+            </a:r>
+            <a:r>
+              <a:rPr lang="en-US" altLang="zh-CN" sz="2000" dirty="0">
+                <a:latin typeface="微软雅黑 Light" panose="020B0502040204020203" pitchFamily="34" charset="-122"/>
+                <a:ea typeface="微软雅黑 Light" panose="020B0502040204020203" pitchFamily="34" charset="-122"/>
+              </a:rPr>
+              <a:t>7.0</a:t>
+            </a:r>
+            <a:r>
+              <a:rPr lang="zh-CN" altLang="en-US" sz="2000" dirty="0">
+                <a:latin typeface="微软雅黑 Light" panose="020B0502040204020203" pitchFamily="34" charset="-122"/>
+                <a:ea typeface="微软雅黑 Light" panose="020B0502040204020203" pitchFamily="34" charset="-122"/>
+              </a:rPr>
+              <a:t>被统一为 </a:t>
+            </a:r>
+            <a:r>
+              <a:rPr lang="en-US" altLang="zh-CN" sz="2000" dirty="0">
+                <a:latin typeface="微软雅黑 Light" panose="020B0502040204020203" pitchFamily="34" charset="-122"/>
+                <a:ea typeface="微软雅黑 Light" panose="020B0502040204020203" pitchFamily="34" charset="-122"/>
+              </a:rPr>
+              <a:t>_doc  </a:t>
+            </a:r>
+          </a:p>
+          <a:p>
+            <a:pPr marL="742950" lvl="1" indent="-285750" algn="just">
+              <a:lnSpc>
+                <a:spcPct val="150000"/>
+              </a:lnSpc>
+              <a:buFont typeface="Arial" panose="020B0604020202020204" pitchFamily="34" charset="0"/>
+              <a:buChar char="•"/>
+            </a:pPr>
+            <a:r>
+              <a:rPr lang="en-US" altLang="zh-CN" sz="2000" dirty="0" smtClean="0">
+                <a:latin typeface="微软雅黑 Light" panose="020B0502040204020203" pitchFamily="34" charset="-122"/>
+                <a:ea typeface="微软雅黑 Light" panose="020B0502040204020203" pitchFamily="34" charset="-122"/>
+              </a:rPr>
+              <a:t>_</a:t>
+            </a:r>
+            <a:r>
+              <a:rPr lang="en-US" altLang="zh-CN" sz="2000" dirty="0">
+                <a:latin typeface="微软雅黑 Light" panose="020B0502040204020203" pitchFamily="34" charset="-122"/>
+                <a:ea typeface="微软雅黑 Light" panose="020B0502040204020203" pitchFamily="34" charset="-122"/>
+              </a:rPr>
+              <a:t>id - </a:t>
+            </a:r>
+            <a:r>
+              <a:rPr lang="zh-CN" altLang="en-US" sz="2000" dirty="0">
+                <a:latin typeface="微软雅黑 Light" panose="020B0502040204020203" pitchFamily="34" charset="-122"/>
+                <a:ea typeface="微软雅黑 Light" panose="020B0502040204020203" pitchFamily="34" charset="-122"/>
+              </a:rPr>
+              <a:t>文档唯一 </a:t>
+            </a:r>
+            <a:r>
+              <a:rPr lang="en-US" altLang="zh-CN" sz="2000" dirty="0">
+                <a:latin typeface="微软雅黑 Light" panose="020B0502040204020203" pitchFamily="34" charset="-122"/>
+                <a:ea typeface="微软雅黑 Light" panose="020B0502040204020203" pitchFamily="34" charset="-122"/>
+              </a:rPr>
+              <a:t>ID  </a:t>
+            </a:r>
+          </a:p>
+          <a:p>
+            <a:pPr marL="742950" lvl="1" indent="-285750" algn="just">
+              <a:lnSpc>
+                <a:spcPct val="150000"/>
+              </a:lnSpc>
+              <a:buFont typeface="Arial" panose="020B0604020202020204" pitchFamily="34" charset="0"/>
+              <a:buChar char="•"/>
+            </a:pPr>
+            <a:r>
+              <a:rPr lang="en-US" altLang="zh-CN" sz="2000" dirty="0" smtClean="0">
+                <a:latin typeface="微软雅黑 Light" panose="020B0502040204020203" pitchFamily="34" charset="-122"/>
+                <a:ea typeface="微软雅黑 Light" panose="020B0502040204020203" pitchFamily="34" charset="-122"/>
+              </a:rPr>
+              <a:t>_</a:t>
+            </a:r>
+            <a:r>
+              <a:rPr lang="en-US" altLang="zh-CN" sz="2000" dirty="0">
+                <a:latin typeface="微软雅黑 Light" panose="020B0502040204020203" pitchFamily="34" charset="-122"/>
+                <a:ea typeface="微软雅黑 Light" panose="020B0502040204020203" pitchFamily="34" charset="-122"/>
+              </a:rPr>
+              <a:t>source - </a:t>
+            </a:r>
+            <a:r>
+              <a:rPr lang="zh-CN" altLang="en-US" sz="2000" dirty="0">
+                <a:latin typeface="微软雅黑 Light" panose="020B0502040204020203" pitchFamily="34" charset="-122"/>
+                <a:ea typeface="微软雅黑 Light" panose="020B0502040204020203" pitchFamily="34" charset="-122"/>
+              </a:rPr>
+              <a:t>文档的原始</a:t>
+            </a:r>
+            <a:r>
+              <a:rPr lang="en-US" altLang="zh-CN" sz="2000" dirty="0" err="1">
+                <a:latin typeface="微软雅黑 Light" panose="020B0502040204020203" pitchFamily="34" charset="-122"/>
+                <a:ea typeface="微软雅黑 Light" panose="020B0502040204020203" pitchFamily="34" charset="-122"/>
+              </a:rPr>
+              <a:t>Json</a:t>
+            </a:r>
+            <a:r>
+              <a:rPr lang="zh-CN" altLang="en-US" sz="2000" dirty="0">
+                <a:latin typeface="微软雅黑 Light" panose="020B0502040204020203" pitchFamily="34" charset="-122"/>
+                <a:ea typeface="微软雅黑 Light" panose="020B0502040204020203" pitchFamily="34" charset="-122"/>
+              </a:rPr>
+              <a:t>数据  </a:t>
+            </a:r>
+            <a:endParaRPr lang="en-US" altLang="zh-CN" sz="2000" dirty="0">
+              <a:latin typeface="微软雅黑 Light" panose="020B0502040204020203" pitchFamily="34" charset="-122"/>
+              <a:ea typeface="微软雅黑 Light" panose="020B0502040204020203" pitchFamily="34" charset="-122"/>
+            </a:endParaRPr>
+          </a:p>
+          <a:p>
+            <a:pPr marL="742950" lvl="1" indent="-285750" algn="just">
+              <a:lnSpc>
+                <a:spcPct val="150000"/>
+              </a:lnSpc>
+              <a:buFont typeface="Arial" panose="020B0604020202020204" pitchFamily="34" charset="0"/>
+              <a:buChar char="•"/>
+            </a:pPr>
+            <a:r>
+              <a:rPr lang="en-US" altLang="zh-CN" sz="2000" dirty="0" smtClean="0">
+                <a:latin typeface="微软雅黑 Light" panose="020B0502040204020203" pitchFamily="34" charset="-122"/>
+                <a:ea typeface="微软雅黑 Light" panose="020B0502040204020203" pitchFamily="34" charset="-122"/>
+              </a:rPr>
+              <a:t>_</a:t>
+            </a:r>
+            <a:r>
+              <a:rPr lang="en-US" altLang="zh-CN" sz="2000" dirty="0">
+                <a:latin typeface="微软雅黑 Light" panose="020B0502040204020203" pitchFamily="34" charset="-122"/>
+                <a:ea typeface="微软雅黑 Light" panose="020B0502040204020203" pitchFamily="34" charset="-122"/>
+              </a:rPr>
+              <a:t>all - </a:t>
+            </a:r>
+            <a:r>
+              <a:rPr lang="zh-CN" altLang="en-US" sz="2000" dirty="0">
+                <a:latin typeface="微软雅黑 Light" panose="020B0502040204020203" pitchFamily="34" charset="-122"/>
+                <a:ea typeface="微软雅黑 Light" panose="020B0502040204020203" pitchFamily="34" charset="-122"/>
+              </a:rPr>
+              <a:t>整合所有的字段到该字段，</a:t>
+            </a:r>
+            <a:r>
+              <a:rPr lang="en-US" altLang="zh-CN" sz="2000" dirty="0">
+                <a:latin typeface="微软雅黑 Light" panose="020B0502040204020203" pitchFamily="34" charset="-122"/>
+                <a:ea typeface="微软雅黑 Light" panose="020B0502040204020203" pitchFamily="34" charset="-122"/>
+              </a:rPr>
+              <a:t>7.0</a:t>
+            </a:r>
+            <a:r>
+              <a:rPr lang="zh-CN" altLang="en-US" sz="2000" dirty="0">
+                <a:latin typeface="微软雅黑 Light" panose="020B0502040204020203" pitchFamily="34" charset="-122"/>
+                <a:ea typeface="微软雅黑 Light" panose="020B0502040204020203" pitchFamily="34" charset="-122"/>
+              </a:rPr>
+              <a:t>被废除 </a:t>
+            </a:r>
+            <a:r>
+              <a:rPr lang="zh-CN" altLang="en-US" sz="2000" dirty="0" smtClean="0">
+                <a:latin typeface="微软雅黑 Light" panose="020B0502040204020203" pitchFamily="34" charset="-122"/>
+                <a:ea typeface="微软雅黑 Light" panose="020B0502040204020203" pitchFamily="34" charset="-122"/>
+              </a:rPr>
+              <a:t> </a:t>
+            </a:r>
+            <a:endParaRPr lang="en-US" altLang="zh-CN" sz="2000" dirty="0" smtClean="0">
+              <a:latin typeface="微软雅黑 Light" panose="020B0502040204020203" pitchFamily="34" charset="-122"/>
+              <a:ea typeface="微软雅黑 Light" panose="020B0502040204020203" pitchFamily="34" charset="-122"/>
+            </a:endParaRPr>
+          </a:p>
+          <a:p>
+            <a:pPr marL="742950" lvl="1" indent="-285750" algn="just">
+              <a:lnSpc>
+                <a:spcPct val="150000"/>
+              </a:lnSpc>
+              <a:buFont typeface="Arial" panose="020B0604020202020204" pitchFamily="34" charset="0"/>
+              <a:buChar char="•"/>
+            </a:pPr>
+            <a:r>
+              <a:rPr lang="en-US" altLang="zh-CN" sz="2000" dirty="0" smtClean="0">
+                <a:latin typeface="微软雅黑 Light" panose="020B0502040204020203" pitchFamily="34" charset="-122"/>
+                <a:ea typeface="微软雅黑 Light" panose="020B0502040204020203" pitchFamily="34" charset="-122"/>
+              </a:rPr>
+              <a:t>_</a:t>
+            </a:r>
+            <a:r>
+              <a:rPr lang="en-US" altLang="zh-CN" sz="2000" dirty="0">
+                <a:latin typeface="微软雅黑 Light" panose="020B0502040204020203" pitchFamily="34" charset="-122"/>
+                <a:ea typeface="微软雅黑 Light" panose="020B0502040204020203" pitchFamily="34" charset="-122"/>
+              </a:rPr>
+              <a:t>version: </a:t>
+            </a:r>
+            <a:r>
+              <a:rPr lang="zh-CN" altLang="en-US" sz="2000" dirty="0">
+                <a:latin typeface="微软雅黑 Light" panose="020B0502040204020203" pitchFamily="34" charset="-122"/>
+                <a:ea typeface="微软雅黑 Light" panose="020B0502040204020203" pitchFamily="34" charset="-122"/>
+              </a:rPr>
+              <a:t>文档的版本信息  </a:t>
+            </a:r>
+            <a:endParaRPr lang="en-US" altLang="zh-CN" sz="2000" dirty="0">
+              <a:latin typeface="微软雅黑 Light" panose="020B0502040204020203" pitchFamily="34" charset="-122"/>
+              <a:ea typeface="微软雅黑 Light" panose="020B0502040204020203" pitchFamily="34" charset="-122"/>
+            </a:endParaRPr>
+          </a:p>
+          <a:p>
+            <a:pPr marL="742950" lvl="1" indent="-285750" algn="just">
+              <a:lnSpc>
+                <a:spcPct val="150000"/>
+              </a:lnSpc>
+              <a:buFont typeface="Arial" panose="020B0604020202020204" pitchFamily="34" charset="0"/>
+              <a:buChar char="•"/>
+            </a:pPr>
+            <a:r>
+              <a:rPr lang="en-US" altLang="zh-CN" sz="2000" dirty="0" smtClean="0">
+                <a:latin typeface="微软雅黑 Light" panose="020B0502040204020203" pitchFamily="34" charset="-122"/>
+                <a:ea typeface="微软雅黑 Light" panose="020B0502040204020203" pitchFamily="34" charset="-122"/>
+              </a:rPr>
+              <a:t>_</a:t>
+            </a:r>
+            <a:r>
+              <a:rPr lang="en-US" altLang="zh-CN" sz="2000" dirty="0">
+                <a:latin typeface="微软雅黑 Light" panose="020B0502040204020203" pitchFamily="34" charset="-122"/>
+                <a:ea typeface="微软雅黑 Light" panose="020B0502040204020203" pitchFamily="34" charset="-122"/>
+              </a:rPr>
+              <a:t>score: </a:t>
+            </a:r>
+            <a:r>
+              <a:rPr lang="zh-CN" altLang="en-US" sz="2000" dirty="0">
+                <a:latin typeface="微软雅黑 Light" panose="020B0502040204020203" pitchFamily="34" charset="-122"/>
+                <a:ea typeface="微软雅黑 Light" panose="020B0502040204020203" pitchFamily="34" charset="-122"/>
+              </a:rPr>
+              <a:t>相关性打分</a:t>
+            </a:r>
+            <a:endParaRPr lang="zh-CN" altLang="en-US" sz="2000" dirty="0">
+              <a:latin typeface="微软雅黑 Light" panose="020B0502040204020203" pitchFamily="34" charset="-122"/>
+              <a:ea typeface="微软雅黑 Light" panose="020B0502040204020203" pitchFamily="34" charset="-122"/>
+            </a:endParaRPr>
+          </a:p>
+        </p:txBody>
+      </p:sp>
     </p:spTree>
     <p:extLst>
       <p:ext uri="{BB962C8B-B14F-4D97-AF65-F5344CB8AC3E}">
@@ -6714,6 +8854,557 @@
           <a:chExt cx="0" cy="0"/>
         </a:xfrm>
       </p:grpSpPr>
+      <p:sp>
+        <p:nvSpPr>
+          <p:cNvPr id="2" name="文本框 1"/>
+          <p:cNvSpPr txBox="1"/>
+          <p:nvPr/>
+        </p:nvSpPr>
+        <p:spPr>
+          <a:xfrm>
+            <a:off x="687185" y="820317"/>
+            <a:ext cx="5979622" cy="523220"/>
+          </a:xfrm>
+          <a:prstGeom prst="rect">
+            <a:avLst/>
+          </a:prstGeom>
+          <a:noFill/>
+        </p:spPr>
+        <p:txBody>
+          <a:bodyPr wrap="square" rtlCol="0">
+            <a:spAutoFit/>
+          </a:bodyPr>
+          <a:lstStyle/>
+          <a:p>
+            <a:r>
+              <a:rPr lang="en-US" altLang="zh-CN" sz="2800" b="1" dirty="0" err="1" smtClean="0">
+                <a:latin typeface="微软雅黑 Light" panose="020B0502040204020203" pitchFamily="34" charset="-122"/>
+                <a:ea typeface="微软雅黑 Light" panose="020B0502040204020203" pitchFamily="34" charset="-122"/>
+              </a:rPr>
+              <a:t>Elasticsearch</a:t>
+            </a:r>
+            <a:r>
+              <a:rPr lang="zh-CN" altLang="en-US" sz="2800" b="1" dirty="0" smtClean="0">
+                <a:latin typeface="微软雅黑 Light" panose="020B0502040204020203" pitchFamily="34" charset="-122"/>
+                <a:ea typeface="微软雅黑 Light" panose="020B0502040204020203" pitchFamily="34" charset="-122"/>
+              </a:rPr>
+              <a:t>中集群构成</a:t>
+            </a:r>
+            <a:endParaRPr lang="zh-CN" altLang="en-US" sz="2800" b="1" dirty="0">
+              <a:latin typeface="微软雅黑 Light" panose="020B0502040204020203" pitchFamily="34" charset="-122"/>
+              <a:ea typeface="微软雅黑 Light" panose="020B0502040204020203" pitchFamily="34" charset="-122"/>
+            </a:endParaRPr>
+          </a:p>
+        </p:txBody>
+      </p:sp>
+      <p:sp>
+        <p:nvSpPr>
+          <p:cNvPr id="3" name="文本框 2"/>
+          <p:cNvSpPr txBox="1"/>
+          <p:nvPr/>
+        </p:nvSpPr>
+        <p:spPr>
+          <a:xfrm>
+            <a:off x="7536872" y="820317"/>
+            <a:ext cx="2970415" cy="1477328"/>
+          </a:xfrm>
+          <a:prstGeom prst="rect">
+            <a:avLst/>
+          </a:prstGeom>
+          <a:noFill/>
+        </p:spPr>
+        <p:txBody>
+          <a:bodyPr wrap="square" rtlCol="0">
+            <a:spAutoFit/>
+          </a:bodyPr>
+          <a:lstStyle/>
+          <a:p>
+            <a:pPr marL="285750" indent="-285750" algn="just">
+              <a:lnSpc>
+                <a:spcPct val="150000"/>
+              </a:lnSpc>
+              <a:buFont typeface="Arial" panose="020B0604020202020204" pitchFamily="34" charset="0"/>
+              <a:buChar char="•"/>
+            </a:pPr>
+            <a:r>
+              <a:rPr lang="en-US" altLang="zh-CN" sz="2000" dirty="0">
+                <a:solidFill>
+                  <a:srgbClr val="92D050"/>
+                </a:solidFill>
+                <a:latin typeface="微软雅黑 Light" panose="020B0502040204020203" pitchFamily="34" charset="-122"/>
+                <a:ea typeface="微软雅黑 Light" panose="020B0502040204020203" pitchFamily="34" charset="-122"/>
+              </a:rPr>
+              <a:t>Cluster </a:t>
+            </a:r>
+            <a:r>
+              <a:rPr lang="zh-CN" altLang="en-US" sz="2000" dirty="0" smtClean="0">
+                <a:solidFill>
+                  <a:srgbClr val="92D050"/>
+                </a:solidFill>
+                <a:latin typeface="微软雅黑 Light" panose="020B0502040204020203" pitchFamily="34" charset="-122"/>
+                <a:ea typeface="微软雅黑 Light" panose="020B0502040204020203" pitchFamily="34" charset="-122"/>
+              </a:rPr>
+              <a:t>集群</a:t>
+            </a:r>
+            <a:endParaRPr lang="en-US" altLang="zh-CN" sz="2000" dirty="0" smtClean="0">
+              <a:solidFill>
+                <a:srgbClr val="92D050"/>
+              </a:solidFill>
+              <a:latin typeface="微软雅黑 Light" panose="020B0502040204020203" pitchFamily="34" charset="-122"/>
+              <a:ea typeface="微软雅黑 Light" panose="020B0502040204020203" pitchFamily="34" charset="-122"/>
+            </a:endParaRPr>
+          </a:p>
+          <a:p>
+            <a:pPr marL="742950" lvl="1" indent="-285750" algn="just">
+              <a:lnSpc>
+                <a:spcPct val="150000"/>
+              </a:lnSpc>
+              <a:buFont typeface="Arial" panose="020B0604020202020204" pitchFamily="34" charset="0"/>
+              <a:buChar char="•"/>
+            </a:pPr>
+            <a:r>
+              <a:rPr lang="en-US" altLang="zh-CN" sz="2000" dirty="0" smtClean="0">
+                <a:solidFill>
+                  <a:schemeClr val="accent3">
+                    <a:lumMod val="60000"/>
+                    <a:lumOff val="40000"/>
+                  </a:schemeClr>
+                </a:solidFill>
+                <a:latin typeface="微软雅黑 Light" panose="020B0502040204020203" pitchFamily="34" charset="-122"/>
+                <a:ea typeface="微软雅黑 Light" panose="020B0502040204020203" pitchFamily="34" charset="-122"/>
+              </a:rPr>
+              <a:t>Node </a:t>
+            </a:r>
+            <a:r>
+              <a:rPr lang="zh-CN" altLang="en-US" sz="2000" dirty="0" smtClean="0">
+                <a:solidFill>
+                  <a:schemeClr val="accent3">
+                    <a:lumMod val="60000"/>
+                    <a:lumOff val="40000"/>
+                  </a:schemeClr>
+                </a:solidFill>
+                <a:latin typeface="微软雅黑 Light" panose="020B0502040204020203" pitchFamily="34" charset="-122"/>
+                <a:ea typeface="微软雅黑 Light" panose="020B0502040204020203" pitchFamily="34" charset="-122"/>
+              </a:rPr>
+              <a:t>节点</a:t>
+            </a:r>
+            <a:endParaRPr lang="en-US" altLang="zh-CN" sz="2000" dirty="0" smtClean="0">
+              <a:solidFill>
+                <a:schemeClr val="accent3">
+                  <a:lumMod val="60000"/>
+                  <a:lumOff val="40000"/>
+                </a:schemeClr>
+              </a:solidFill>
+              <a:latin typeface="微软雅黑 Light" panose="020B0502040204020203" pitchFamily="34" charset="-122"/>
+              <a:ea typeface="微软雅黑 Light" panose="020B0502040204020203" pitchFamily="34" charset="-122"/>
+            </a:endParaRPr>
+          </a:p>
+          <a:p>
+            <a:pPr marL="1200150" lvl="2" indent="-285750" algn="just">
+              <a:lnSpc>
+                <a:spcPct val="150000"/>
+              </a:lnSpc>
+              <a:buFont typeface="Arial" panose="020B0604020202020204" pitchFamily="34" charset="0"/>
+              <a:buChar char="•"/>
+            </a:pPr>
+            <a:r>
+              <a:rPr lang="en-US" altLang="zh-CN" sz="2000" dirty="0" smtClean="0">
+                <a:solidFill>
+                  <a:schemeClr val="accent3">
+                    <a:lumMod val="20000"/>
+                    <a:lumOff val="80000"/>
+                  </a:schemeClr>
+                </a:solidFill>
+                <a:latin typeface="微软雅黑 Light" panose="020B0502040204020203" pitchFamily="34" charset="-122"/>
+                <a:ea typeface="微软雅黑 Light" panose="020B0502040204020203" pitchFamily="34" charset="-122"/>
+              </a:rPr>
+              <a:t>Shard </a:t>
+            </a:r>
+            <a:r>
+              <a:rPr lang="zh-CN" altLang="en-US" sz="2000" dirty="0" smtClean="0">
+                <a:solidFill>
+                  <a:schemeClr val="accent3">
+                    <a:lumMod val="20000"/>
+                    <a:lumOff val="80000"/>
+                  </a:schemeClr>
+                </a:solidFill>
+                <a:latin typeface="微软雅黑 Light" panose="020B0502040204020203" pitchFamily="34" charset="-122"/>
+                <a:ea typeface="微软雅黑 Light" panose="020B0502040204020203" pitchFamily="34" charset="-122"/>
+              </a:rPr>
+              <a:t>分片</a:t>
+            </a:r>
+            <a:r>
+              <a:rPr lang="en-US" altLang="zh-CN" sz="2000" dirty="0" smtClean="0">
+                <a:solidFill>
+                  <a:schemeClr val="accent3">
+                    <a:lumMod val="20000"/>
+                    <a:lumOff val="80000"/>
+                  </a:schemeClr>
+                </a:solidFill>
+                <a:latin typeface="微软雅黑 Light" panose="020B0502040204020203" pitchFamily="34" charset="-122"/>
+                <a:ea typeface="微软雅黑 Light" panose="020B0502040204020203" pitchFamily="34" charset="-122"/>
+              </a:rPr>
+              <a:t> </a:t>
+            </a:r>
+            <a:endParaRPr lang="en-US" altLang="zh-CN" sz="2000" dirty="0">
+              <a:solidFill>
+                <a:schemeClr val="accent3">
+                  <a:lumMod val="20000"/>
+                  <a:lumOff val="80000"/>
+                </a:schemeClr>
+              </a:solidFill>
+              <a:latin typeface="微软雅黑 Light" panose="020B0502040204020203" pitchFamily="34" charset="-122"/>
+              <a:ea typeface="微软雅黑 Light" panose="020B0502040204020203" pitchFamily="34" charset="-122"/>
+            </a:endParaRPr>
+          </a:p>
+        </p:txBody>
+      </p:sp>
+      <p:sp>
+        <p:nvSpPr>
+          <p:cNvPr id="4" name="文本框 3"/>
+          <p:cNvSpPr txBox="1"/>
+          <p:nvPr/>
+        </p:nvSpPr>
+        <p:spPr>
+          <a:xfrm>
+            <a:off x="687185" y="1881631"/>
+            <a:ext cx="9820102" cy="3877985"/>
+          </a:xfrm>
+          <a:prstGeom prst="rect">
+            <a:avLst/>
+          </a:prstGeom>
+          <a:noFill/>
+        </p:spPr>
+        <p:txBody>
+          <a:bodyPr wrap="square" rtlCol="0">
+            <a:spAutoFit/>
+          </a:bodyPr>
+          <a:lstStyle/>
+          <a:p>
+            <a:pPr algn="just">
+              <a:lnSpc>
+                <a:spcPct val="150000"/>
+              </a:lnSpc>
+            </a:pPr>
+            <a:r>
+              <a:rPr lang="en-US" altLang="zh-CN" sz="2400" b="1" dirty="0" smtClean="0">
+                <a:solidFill>
+                  <a:srgbClr val="92D050"/>
+                </a:solidFill>
+                <a:latin typeface="微软雅黑 Light" panose="020B0502040204020203" pitchFamily="34" charset="-122"/>
+                <a:ea typeface="微软雅黑 Light" panose="020B0502040204020203" pitchFamily="34" charset="-122"/>
+              </a:rPr>
+              <a:t>Cluster </a:t>
+            </a:r>
+            <a:r>
+              <a:rPr lang="zh-CN" altLang="en-US" sz="2400" b="1" dirty="0" smtClean="0">
+                <a:solidFill>
+                  <a:srgbClr val="92D050"/>
+                </a:solidFill>
+                <a:latin typeface="微软雅黑 Light" panose="020B0502040204020203" pitchFamily="34" charset="-122"/>
+                <a:ea typeface="微软雅黑 Light" panose="020B0502040204020203" pitchFamily="34" charset="-122"/>
+              </a:rPr>
+              <a:t>集群 </a:t>
+            </a:r>
+            <a:endParaRPr lang="en-US" altLang="zh-CN" sz="2400" b="1" dirty="0" smtClean="0">
+              <a:solidFill>
+                <a:srgbClr val="92D050"/>
+              </a:solidFill>
+              <a:latin typeface="微软雅黑 Light" panose="020B0502040204020203" pitchFamily="34" charset="-122"/>
+              <a:ea typeface="微软雅黑 Light" panose="020B0502040204020203" pitchFamily="34" charset="-122"/>
+            </a:endParaRPr>
+          </a:p>
+          <a:p>
+            <a:pPr marL="285750" indent="-285750" algn="just">
+              <a:lnSpc>
+                <a:spcPct val="150000"/>
+              </a:lnSpc>
+              <a:buFont typeface="Arial" panose="020B0604020202020204" pitchFamily="34" charset="0"/>
+              <a:buChar char="•"/>
+            </a:pPr>
+            <a:r>
+              <a:rPr lang="zh-CN" altLang="en-US" sz="2000" dirty="0" smtClean="0">
+                <a:latin typeface="微软雅黑 Light" panose="020B0502040204020203" pitchFamily="34" charset="-122"/>
+                <a:ea typeface="微软雅黑 Light" panose="020B0502040204020203" pitchFamily="34" charset="-122"/>
+              </a:rPr>
+              <a:t>高可用性</a:t>
+            </a:r>
+            <a:endParaRPr lang="en-US" altLang="zh-CN" sz="2000" dirty="0" smtClean="0">
+              <a:latin typeface="微软雅黑 Light" panose="020B0502040204020203" pitchFamily="34" charset="-122"/>
+              <a:ea typeface="微软雅黑 Light" panose="020B0502040204020203" pitchFamily="34" charset="-122"/>
+            </a:endParaRPr>
+          </a:p>
+          <a:p>
+            <a:pPr marL="285750" indent="-285750" algn="just">
+              <a:lnSpc>
+                <a:spcPct val="150000"/>
+              </a:lnSpc>
+              <a:buFont typeface="Arial" panose="020B0604020202020204" pitchFamily="34" charset="0"/>
+              <a:buChar char="•"/>
+            </a:pPr>
+            <a:r>
+              <a:rPr lang="zh-CN" altLang="en-US" sz="2000" dirty="0" smtClean="0">
+                <a:latin typeface="微软雅黑 Light" panose="020B0502040204020203" pitchFamily="34" charset="-122"/>
+                <a:ea typeface="微软雅黑 Light" panose="020B0502040204020203" pitchFamily="34" charset="-122"/>
+              </a:rPr>
+              <a:t>可</a:t>
+            </a:r>
+            <a:r>
+              <a:rPr lang="zh-CN" altLang="en-US" sz="2000" dirty="0">
+                <a:latin typeface="微软雅黑 Light" panose="020B0502040204020203" pitchFamily="34" charset="-122"/>
+                <a:ea typeface="微软雅黑 Light" panose="020B0502040204020203" pitchFamily="34" charset="-122"/>
+              </a:rPr>
+              <a:t>扩展性  </a:t>
+            </a:r>
+            <a:endParaRPr lang="en-US" altLang="zh-CN" sz="2000" dirty="0">
+              <a:latin typeface="微软雅黑 Light" panose="020B0502040204020203" pitchFamily="34" charset="-122"/>
+              <a:ea typeface="微软雅黑 Light" panose="020B0502040204020203" pitchFamily="34" charset="-122"/>
+            </a:endParaRPr>
+          </a:p>
+          <a:p>
+            <a:pPr marL="285750" indent="-285750" algn="just">
+              <a:lnSpc>
+                <a:spcPct val="150000"/>
+              </a:lnSpc>
+              <a:buFont typeface="Arial" panose="020B0604020202020204" pitchFamily="34" charset="0"/>
+              <a:buChar char="•"/>
+            </a:pPr>
+            <a:r>
+              <a:rPr lang="zh-CN" altLang="en-US" sz="2000" dirty="0" smtClean="0">
+                <a:latin typeface="微软雅黑 Light" panose="020B0502040204020203" pitchFamily="34" charset="-122"/>
+                <a:ea typeface="微软雅黑 Light" panose="020B0502040204020203" pitchFamily="34" charset="-122"/>
+              </a:rPr>
+              <a:t>不同</a:t>
+            </a:r>
+            <a:r>
+              <a:rPr lang="zh-CN" altLang="en-US" sz="2000" dirty="0">
+                <a:latin typeface="微软雅黑 Light" panose="020B0502040204020203" pitchFamily="34" charset="-122"/>
+                <a:ea typeface="微软雅黑 Light" panose="020B0502040204020203" pitchFamily="34" charset="-122"/>
+              </a:rPr>
+              <a:t>的集群通过不同的集群名</a:t>
+            </a:r>
+            <a:r>
+              <a:rPr lang="en-US" altLang="zh-CN" sz="2000" dirty="0">
+                <a:latin typeface="微软雅黑 Light" panose="020B0502040204020203" pitchFamily="34" charset="-122"/>
+                <a:ea typeface="微软雅黑 Light" panose="020B0502040204020203" pitchFamily="34" charset="-122"/>
+              </a:rPr>
+              <a:t>(</a:t>
+            </a:r>
+            <a:r>
+              <a:rPr lang="en-US" altLang="zh-CN" sz="2000" dirty="0" err="1">
+                <a:latin typeface="微软雅黑 Light" panose="020B0502040204020203" pitchFamily="34" charset="-122"/>
+                <a:ea typeface="微软雅黑 Light" panose="020B0502040204020203" pitchFamily="34" charset="-122"/>
+              </a:rPr>
+              <a:t>clusterName</a:t>
+            </a:r>
+            <a:r>
+              <a:rPr lang="en-US" altLang="zh-CN" sz="2000" dirty="0">
+                <a:latin typeface="微软雅黑 Light" panose="020B0502040204020203" pitchFamily="34" charset="-122"/>
+                <a:ea typeface="微软雅黑 Light" panose="020B0502040204020203" pitchFamily="34" charset="-122"/>
+              </a:rPr>
+              <a:t>)</a:t>
+            </a:r>
+            <a:r>
+              <a:rPr lang="zh-CN" altLang="en-US" sz="2000" dirty="0">
+                <a:latin typeface="微软雅黑 Light" panose="020B0502040204020203" pitchFamily="34" charset="-122"/>
+                <a:ea typeface="微软雅黑 Light" panose="020B0502040204020203" pitchFamily="34" charset="-122"/>
+              </a:rPr>
+              <a:t>来</a:t>
+            </a:r>
+            <a:r>
+              <a:rPr lang="zh-CN" altLang="en-US" sz="2000" dirty="0" smtClean="0">
+                <a:latin typeface="微软雅黑 Light" panose="020B0502040204020203" pitchFamily="34" charset="-122"/>
+                <a:ea typeface="微软雅黑 Light" panose="020B0502040204020203" pitchFamily="34" charset="-122"/>
+              </a:rPr>
+              <a:t>区分</a:t>
+            </a:r>
+            <a:endParaRPr lang="en-US" altLang="zh-CN" sz="2000" dirty="0">
+              <a:latin typeface="微软雅黑 Light" panose="020B0502040204020203" pitchFamily="34" charset="-122"/>
+              <a:ea typeface="微软雅黑 Light" panose="020B0502040204020203" pitchFamily="34" charset="-122"/>
+            </a:endParaRPr>
+          </a:p>
+          <a:p>
+            <a:pPr marL="285750" indent="-285750" algn="just">
+              <a:lnSpc>
+                <a:spcPct val="150000"/>
+              </a:lnSpc>
+              <a:buFont typeface="Arial" panose="020B0604020202020204" pitchFamily="34" charset="0"/>
+              <a:buChar char="•"/>
+            </a:pPr>
+            <a:r>
+              <a:rPr lang="zh-CN" altLang="en-US" sz="2000" dirty="0" smtClean="0">
+                <a:latin typeface="微软雅黑 Light" panose="020B0502040204020203" pitchFamily="34" charset="-122"/>
+                <a:ea typeface="微软雅黑 Light" panose="020B0502040204020203" pitchFamily="34" charset="-122"/>
+              </a:rPr>
+              <a:t>集群</a:t>
+            </a:r>
+            <a:r>
+              <a:rPr lang="zh-CN" altLang="en-US" sz="2000" dirty="0">
+                <a:latin typeface="微软雅黑 Light" panose="020B0502040204020203" pitchFamily="34" charset="-122"/>
+                <a:ea typeface="微软雅黑 Light" panose="020B0502040204020203" pitchFamily="34" charset="-122"/>
+              </a:rPr>
+              <a:t>的健康状态</a:t>
+            </a:r>
+            <a:r>
+              <a:rPr lang="zh-CN" altLang="en-US" sz="2000" dirty="0" smtClean="0">
+                <a:latin typeface="微软雅黑 Light" panose="020B0502040204020203" pitchFamily="34" charset="-122"/>
+                <a:ea typeface="微软雅黑 Light" panose="020B0502040204020203" pitchFamily="34" charset="-122"/>
+              </a:rPr>
+              <a:t>：</a:t>
+            </a:r>
+            <a:endParaRPr lang="en-US" altLang="zh-CN" sz="2000" dirty="0">
+              <a:latin typeface="微软雅黑 Light" panose="020B0502040204020203" pitchFamily="34" charset="-122"/>
+              <a:ea typeface="微软雅黑 Light" panose="020B0502040204020203" pitchFamily="34" charset="-122"/>
+            </a:endParaRPr>
+          </a:p>
+          <a:p>
+            <a:pPr marL="742950" lvl="1" indent="-285750" algn="just">
+              <a:lnSpc>
+                <a:spcPct val="150000"/>
+              </a:lnSpc>
+              <a:buFont typeface="Arial" panose="020B0604020202020204" pitchFamily="34" charset="0"/>
+              <a:buChar char="•"/>
+            </a:pPr>
+            <a:r>
+              <a:rPr lang="en-US" altLang="zh-CN" sz="2000" dirty="0" smtClean="0">
+                <a:solidFill>
+                  <a:srgbClr val="92D050"/>
+                </a:solidFill>
+                <a:latin typeface="微软雅黑 Light" panose="020B0502040204020203" pitchFamily="34" charset="-122"/>
+                <a:ea typeface="微软雅黑 Light" panose="020B0502040204020203" pitchFamily="34" charset="-122"/>
+              </a:rPr>
+              <a:t>Green</a:t>
+            </a:r>
+            <a:r>
+              <a:rPr lang="en-US" altLang="zh-CN" sz="2000" dirty="0" smtClean="0">
+                <a:latin typeface="微软雅黑 Light" panose="020B0502040204020203" pitchFamily="34" charset="-122"/>
+                <a:ea typeface="微软雅黑 Light" panose="020B0502040204020203" pitchFamily="34" charset="-122"/>
+              </a:rPr>
+              <a:t> </a:t>
+            </a:r>
+            <a:r>
+              <a:rPr lang="en-US" altLang="zh-CN" sz="2000" dirty="0">
+                <a:latin typeface="微软雅黑 Light" panose="020B0502040204020203" pitchFamily="34" charset="-122"/>
+                <a:ea typeface="微软雅黑 Light" panose="020B0502040204020203" pitchFamily="34" charset="-122"/>
+              </a:rPr>
+              <a:t>-- </a:t>
+            </a:r>
+            <a:r>
+              <a:rPr lang="zh-CN" altLang="en-US" sz="2000" dirty="0">
+                <a:latin typeface="微软雅黑 Light" panose="020B0502040204020203" pitchFamily="34" charset="-122"/>
+                <a:ea typeface="微软雅黑 Light" panose="020B0502040204020203" pitchFamily="34" charset="-122"/>
+              </a:rPr>
+              <a:t>主分片与副本分片都正常</a:t>
+            </a:r>
+            <a:r>
+              <a:rPr lang="zh-CN" altLang="en-US" sz="2000" dirty="0" smtClean="0">
+                <a:latin typeface="微软雅黑 Light" panose="020B0502040204020203" pitchFamily="34" charset="-122"/>
+                <a:ea typeface="微软雅黑 Light" panose="020B0502040204020203" pitchFamily="34" charset="-122"/>
+              </a:rPr>
+              <a:t>分配</a:t>
+            </a:r>
+            <a:endParaRPr lang="en-US" altLang="zh-CN" sz="2000" dirty="0">
+              <a:latin typeface="微软雅黑 Light" panose="020B0502040204020203" pitchFamily="34" charset="-122"/>
+              <a:ea typeface="微软雅黑 Light" panose="020B0502040204020203" pitchFamily="34" charset="-122"/>
+            </a:endParaRPr>
+          </a:p>
+          <a:p>
+            <a:pPr marL="742950" lvl="1" indent="-285750" algn="just">
+              <a:lnSpc>
+                <a:spcPct val="150000"/>
+              </a:lnSpc>
+              <a:buFont typeface="Arial" panose="020B0604020202020204" pitchFamily="34" charset="0"/>
+              <a:buChar char="•"/>
+            </a:pPr>
+            <a:r>
+              <a:rPr lang="en-US" altLang="zh-CN" sz="2000" dirty="0" smtClean="0">
+                <a:solidFill>
+                  <a:srgbClr val="FFFF00"/>
+                </a:solidFill>
+                <a:latin typeface="微软雅黑 Light" panose="020B0502040204020203" pitchFamily="34" charset="-122"/>
+                <a:ea typeface="微软雅黑 Light" panose="020B0502040204020203" pitchFamily="34" charset="-122"/>
+              </a:rPr>
+              <a:t>Yellow</a:t>
+            </a:r>
+            <a:r>
+              <a:rPr lang="en-US" altLang="zh-CN" sz="2000" dirty="0" smtClean="0">
+                <a:latin typeface="微软雅黑 Light" panose="020B0502040204020203" pitchFamily="34" charset="-122"/>
+                <a:ea typeface="微软雅黑 Light" panose="020B0502040204020203" pitchFamily="34" charset="-122"/>
+              </a:rPr>
+              <a:t> </a:t>
+            </a:r>
+            <a:r>
+              <a:rPr lang="en-US" altLang="zh-CN" sz="2000" dirty="0">
+                <a:latin typeface="微软雅黑 Light" panose="020B0502040204020203" pitchFamily="34" charset="-122"/>
+                <a:ea typeface="微软雅黑 Light" panose="020B0502040204020203" pitchFamily="34" charset="-122"/>
+              </a:rPr>
+              <a:t>-- </a:t>
+            </a:r>
+            <a:r>
+              <a:rPr lang="zh-CN" altLang="en-US" sz="2000" dirty="0">
+                <a:latin typeface="微软雅黑 Light" panose="020B0502040204020203" pitchFamily="34" charset="-122"/>
+                <a:ea typeface="微软雅黑 Light" panose="020B0502040204020203" pitchFamily="34" charset="-122"/>
+              </a:rPr>
+              <a:t>主分片全部正常分配，有副本分片未能正常</a:t>
+            </a:r>
+            <a:r>
+              <a:rPr lang="zh-CN" altLang="en-US" sz="2000" dirty="0" smtClean="0">
+                <a:latin typeface="微软雅黑 Light" panose="020B0502040204020203" pitchFamily="34" charset="-122"/>
+                <a:ea typeface="微软雅黑 Light" panose="020B0502040204020203" pitchFamily="34" charset="-122"/>
+              </a:rPr>
+              <a:t>分配</a:t>
+            </a:r>
+            <a:endParaRPr lang="en-US" altLang="zh-CN" sz="2000" dirty="0">
+              <a:latin typeface="微软雅黑 Light" panose="020B0502040204020203" pitchFamily="34" charset="-122"/>
+              <a:ea typeface="微软雅黑 Light" panose="020B0502040204020203" pitchFamily="34" charset="-122"/>
+            </a:endParaRPr>
+          </a:p>
+          <a:p>
+            <a:pPr marL="742950" lvl="1" indent="-285750" algn="just">
+              <a:lnSpc>
+                <a:spcPct val="150000"/>
+              </a:lnSpc>
+              <a:buFont typeface="Arial" panose="020B0604020202020204" pitchFamily="34" charset="0"/>
+              <a:buChar char="•"/>
+            </a:pPr>
+            <a:r>
+              <a:rPr lang="en-US" altLang="zh-CN" sz="2000" dirty="0" smtClean="0">
+                <a:solidFill>
+                  <a:srgbClr val="FF0000"/>
+                </a:solidFill>
+                <a:latin typeface="微软雅黑 Light" panose="020B0502040204020203" pitchFamily="34" charset="-122"/>
+                <a:ea typeface="微软雅黑 Light" panose="020B0502040204020203" pitchFamily="34" charset="-122"/>
+              </a:rPr>
+              <a:t>Red</a:t>
+            </a:r>
+            <a:r>
+              <a:rPr lang="en-US" altLang="zh-CN" sz="2000" dirty="0" smtClean="0">
+                <a:latin typeface="微软雅黑 Light" panose="020B0502040204020203" pitchFamily="34" charset="-122"/>
+                <a:ea typeface="微软雅黑 Light" panose="020B0502040204020203" pitchFamily="34" charset="-122"/>
+              </a:rPr>
+              <a:t> </a:t>
+            </a:r>
+            <a:r>
+              <a:rPr lang="en-US" altLang="zh-CN" sz="2000" dirty="0">
+                <a:latin typeface="微软雅黑 Light" panose="020B0502040204020203" pitchFamily="34" charset="-122"/>
+                <a:ea typeface="微软雅黑 Light" panose="020B0502040204020203" pitchFamily="34" charset="-122"/>
+              </a:rPr>
+              <a:t>-- </a:t>
+            </a:r>
+            <a:r>
+              <a:rPr lang="zh-CN" altLang="en-US" sz="2000" dirty="0">
+                <a:latin typeface="微软雅黑 Light" panose="020B0502040204020203" pitchFamily="34" charset="-122"/>
+                <a:ea typeface="微软雅黑 Light" panose="020B0502040204020203" pitchFamily="34" charset="-122"/>
+              </a:rPr>
+              <a:t>有主分片未能分配</a:t>
+            </a:r>
+            <a:endParaRPr lang="zh-CN" altLang="en-US" sz="2000" dirty="0">
+              <a:latin typeface="微软雅黑 Light" panose="020B0502040204020203" pitchFamily="34" charset="-122"/>
+              <a:ea typeface="微软雅黑 Light" panose="020B0502040204020203" pitchFamily="34" charset="-122"/>
+            </a:endParaRPr>
+          </a:p>
+        </p:txBody>
+      </p:sp>
     </p:spTree>
     <p:extLst>
       <p:ext uri="{BB962C8B-B14F-4D97-AF65-F5344CB8AC3E}">
@@ -6751,10 +9442,877 @@
           <a:chExt cx="0" cy="0"/>
         </a:xfrm>
       </p:grpSpPr>
+      <p:sp>
+        <p:nvSpPr>
+          <p:cNvPr id="2" name="文本框 1"/>
+          <p:cNvSpPr txBox="1"/>
+          <p:nvPr/>
+        </p:nvSpPr>
+        <p:spPr>
+          <a:xfrm>
+            <a:off x="687185" y="820317"/>
+            <a:ext cx="5979622" cy="523220"/>
+          </a:xfrm>
+          <a:prstGeom prst="rect">
+            <a:avLst/>
+          </a:prstGeom>
+          <a:noFill/>
+        </p:spPr>
+        <p:txBody>
+          <a:bodyPr wrap="square" rtlCol="0">
+            <a:spAutoFit/>
+          </a:bodyPr>
+          <a:lstStyle/>
+          <a:p>
+            <a:r>
+              <a:rPr lang="en-US" altLang="zh-CN" sz="2800" b="1" dirty="0" err="1" smtClean="0">
+                <a:latin typeface="微软雅黑 Light" panose="020B0502040204020203" pitchFamily="34" charset="-122"/>
+                <a:ea typeface="微软雅黑 Light" panose="020B0502040204020203" pitchFamily="34" charset="-122"/>
+              </a:rPr>
+              <a:t>Elasticsearch</a:t>
+            </a:r>
+            <a:r>
+              <a:rPr lang="zh-CN" altLang="en-US" sz="2800" b="1" dirty="0" smtClean="0">
+                <a:latin typeface="微软雅黑 Light" panose="020B0502040204020203" pitchFamily="34" charset="-122"/>
+                <a:ea typeface="微软雅黑 Light" panose="020B0502040204020203" pitchFamily="34" charset="-122"/>
+              </a:rPr>
+              <a:t>中集群构成</a:t>
+            </a:r>
+            <a:endParaRPr lang="zh-CN" altLang="en-US" sz="2800" b="1" dirty="0">
+              <a:latin typeface="微软雅黑 Light" panose="020B0502040204020203" pitchFamily="34" charset="-122"/>
+              <a:ea typeface="微软雅黑 Light" panose="020B0502040204020203" pitchFamily="34" charset="-122"/>
+            </a:endParaRPr>
+          </a:p>
+        </p:txBody>
+      </p:sp>
+      <p:sp>
+        <p:nvSpPr>
+          <p:cNvPr id="3" name="文本框 2"/>
+          <p:cNvSpPr txBox="1"/>
+          <p:nvPr/>
+        </p:nvSpPr>
+        <p:spPr>
+          <a:xfrm>
+            <a:off x="7536872" y="820317"/>
+            <a:ext cx="2970415" cy="1477328"/>
+          </a:xfrm>
+          <a:prstGeom prst="rect">
+            <a:avLst/>
+          </a:prstGeom>
+          <a:noFill/>
+        </p:spPr>
+        <p:txBody>
+          <a:bodyPr wrap="square" rtlCol="0">
+            <a:spAutoFit/>
+          </a:bodyPr>
+          <a:lstStyle/>
+          <a:p>
+            <a:pPr marL="285750" indent="-285750" algn="just">
+              <a:lnSpc>
+                <a:spcPct val="150000"/>
+              </a:lnSpc>
+              <a:buFont typeface="Arial" panose="020B0604020202020204" pitchFamily="34" charset="0"/>
+              <a:buChar char="•"/>
+            </a:pPr>
+            <a:r>
+              <a:rPr lang="en-US" altLang="zh-CN" sz="2000" dirty="0">
+                <a:solidFill>
+                  <a:srgbClr val="92D050"/>
+                </a:solidFill>
+                <a:latin typeface="微软雅黑 Light" panose="020B0502040204020203" pitchFamily="34" charset="-122"/>
+                <a:ea typeface="微软雅黑 Light" panose="020B0502040204020203" pitchFamily="34" charset="-122"/>
+              </a:rPr>
+              <a:t>Cluster </a:t>
+            </a:r>
+            <a:r>
+              <a:rPr lang="zh-CN" altLang="en-US" sz="2000" dirty="0" smtClean="0">
+                <a:solidFill>
+                  <a:srgbClr val="92D050"/>
+                </a:solidFill>
+                <a:latin typeface="微软雅黑 Light" panose="020B0502040204020203" pitchFamily="34" charset="-122"/>
+                <a:ea typeface="微软雅黑 Light" panose="020B0502040204020203" pitchFamily="34" charset="-122"/>
+              </a:rPr>
+              <a:t>集群</a:t>
+            </a:r>
+            <a:endParaRPr lang="en-US" altLang="zh-CN" sz="2000" dirty="0" smtClean="0">
+              <a:solidFill>
+                <a:srgbClr val="92D050"/>
+              </a:solidFill>
+              <a:latin typeface="微软雅黑 Light" panose="020B0502040204020203" pitchFamily="34" charset="-122"/>
+              <a:ea typeface="微软雅黑 Light" panose="020B0502040204020203" pitchFamily="34" charset="-122"/>
+            </a:endParaRPr>
+          </a:p>
+          <a:p>
+            <a:pPr marL="742950" lvl="1" indent="-285750" algn="just">
+              <a:lnSpc>
+                <a:spcPct val="150000"/>
+              </a:lnSpc>
+              <a:buFont typeface="Arial" panose="020B0604020202020204" pitchFamily="34" charset="0"/>
+              <a:buChar char="•"/>
+            </a:pPr>
+            <a:r>
+              <a:rPr lang="en-US" altLang="zh-CN" sz="2000" dirty="0" smtClean="0">
+                <a:solidFill>
+                  <a:schemeClr val="accent3">
+                    <a:lumMod val="60000"/>
+                    <a:lumOff val="40000"/>
+                  </a:schemeClr>
+                </a:solidFill>
+                <a:latin typeface="微软雅黑 Light" panose="020B0502040204020203" pitchFamily="34" charset="-122"/>
+                <a:ea typeface="微软雅黑 Light" panose="020B0502040204020203" pitchFamily="34" charset="-122"/>
+              </a:rPr>
+              <a:t>Node </a:t>
+            </a:r>
+            <a:r>
+              <a:rPr lang="zh-CN" altLang="en-US" sz="2000" dirty="0" smtClean="0">
+                <a:solidFill>
+                  <a:schemeClr val="accent3">
+                    <a:lumMod val="60000"/>
+                    <a:lumOff val="40000"/>
+                  </a:schemeClr>
+                </a:solidFill>
+                <a:latin typeface="微软雅黑 Light" panose="020B0502040204020203" pitchFamily="34" charset="-122"/>
+                <a:ea typeface="微软雅黑 Light" panose="020B0502040204020203" pitchFamily="34" charset="-122"/>
+              </a:rPr>
+              <a:t>节点</a:t>
+            </a:r>
+            <a:endParaRPr lang="en-US" altLang="zh-CN" sz="2000" dirty="0" smtClean="0">
+              <a:solidFill>
+                <a:schemeClr val="accent3">
+                  <a:lumMod val="60000"/>
+                  <a:lumOff val="40000"/>
+                </a:schemeClr>
+              </a:solidFill>
+              <a:latin typeface="微软雅黑 Light" panose="020B0502040204020203" pitchFamily="34" charset="-122"/>
+              <a:ea typeface="微软雅黑 Light" panose="020B0502040204020203" pitchFamily="34" charset="-122"/>
+            </a:endParaRPr>
+          </a:p>
+          <a:p>
+            <a:pPr marL="1200150" lvl="2" indent="-285750" algn="just">
+              <a:lnSpc>
+                <a:spcPct val="150000"/>
+              </a:lnSpc>
+              <a:buFont typeface="Arial" panose="020B0604020202020204" pitchFamily="34" charset="0"/>
+              <a:buChar char="•"/>
+            </a:pPr>
+            <a:r>
+              <a:rPr lang="en-US" altLang="zh-CN" sz="2000" dirty="0" smtClean="0">
+                <a:solidFill>
+                  <a:schemeClr val="accent3">
+                    <a:lumMod val="20000"/>
+                    <a:lumOff val="80000"/>
+                  </a:schemeClr>
+                </a:solidFill>
+                <a:latin typeface="微软雅黑 Light" panose="020B0502040204020203" pitchFamily="34" charset="-122"/>
+                <a:ea typeface="微软雅黑 Light" panose="020B0502040204020203" pitchFamily="34" charset="-122"/>
+              </a:rPr>
+              <a:t>Shard </a:t>
+            </a:r>
+            <a:r>
+              <a:rPr lang="zh-CN" altLang="en-US" sz="2000" dirty="0" smtClean="0">
+                <a:solidFill>
+                  <a:schemeClr val="accent3">
+                    <a:lumMod val="20000"/>
+                    <a:lumOff val="80000"/>
+                  </a:schemeClr>
+                </a:solidFill>
+                <a:latin typeface="微软雅黑 Light" panose="020B0502040204020203" pitchFamily="34" charset="-122"/>
+                <a:ea typeface="微软雅黑 Light" panose="020B0502040204020203" pitchFamily="34" charset="-122"/>
+              </a:rPr>
+              <a:t>分片</a:t>
+            </a:r>
+            <a:r>
+              <a:rPr lang="en-US" altLang="zh-CN" sz="2000" dirty="0" smtClean="0">
+                <a:solidFill>
+                  <a:schemeClr val="accent3">
+                    <a:lumMod val="20000"/>
+                    <a:lumOff val="80000"/>
+                  </a:schemeClr>
+                </a:solidFill>
+                <a:latin typeface="微软雅黑 Light" panose="020B0502040204020203" pitchFamily="34" charset="-122"/>
+                <a:ea typeface="微软雅黑 Light" panose="020B0502040204020203" pitchFamily="34" charset="-122"/>
+              </a:rPr>
+              <a:t> </a:t>
+            </a:r>
+            <a:endParaRPr lang="en-US" altLang="zh-CN" sz="2000" dirty="0">
+              <a:solidFill>
+                <a:schemeClr val="accent3">
+                  <a:lumMod val="20000"/>
+                  <a:lumOff val="80000"/>
+                </a:schemeClr>
+              </a:solidFill>
+              <a:latin typeface="微软雅黑 Light" panose="020B0502040204020203" pitchFamily="34" charset="-122"/>
+              <a:ea typeface="微软雅黑 Light" panose="020B0502040204020203" pitchFamily="34" charset="-122"/>
+            </a:endParaRPr>
+          </a:p>
+        </p:txBody>
+      </p:sp>
+      <p:sp>
+        <p:nvSpPr>
+          <p:cNvPr id="4" name="文本框 3"/>
+          <p:cNvSpPr txBox="1"/>
+          <p:nvPr/>
+        </p:nvSpPr>
+        <p:spPr>
+          <a:xfrm>
+            <a:off x="687185" y="1515876"/>
+            <a:ext cx="9820102" cy="2031325"/>
+          </a:xfrm>
+          <a:prstGeom prst="rect">
+            <a:avLst/>
+          </a:prstGeom>
+          <a:noFill/>
+        </p:spPr>
+        <p:txBody>
+          <a:bodyPr wrap="square" rtlCol="0">
+            <a:spAutoFit/>
+          </a:bodyPr>
+          <a:lstStyle/>
+          <a:p>
+            <a:pPr algn="just">
+              <a:lnSpc>
+                <a:spcPct val="150000"/>
+              </a:lnSpc>
+            </a:pPr>
+            <a:r>
+              <a:rPr lang="en-US" altLang="zh-CN" sz="2400" b="1" dirty="0" smtClean="0">
+                <a:solidFill>
+                  <a:schemeClr val="accent3">
+                    <a:lumMod val="60000"/>
+                    <a:lumOff val="40000"/>
+                  </a:schemeClr>
+                </a:solidFill>
+                <a:latin typeface="微软雅黑 Light" panose="020B0502040204020203" pitchFamily="34" charset="-122"/>
+                <a:ea typeface="微软雅黑 Light" panose="020B0502040204020203" pitchFamily="34" charset="-122"/>
+              </a:rPr>
+              <a:t>Node </a:t>
+            </a:r>
+            <a:r>
+              <a:rPr lang="zh-CN" altLang="en-US" sz="2400" b="1" dirty="0" smtClean="0">
+                <a:solidFill>
+                  <a:schemeClr val="accent3">
+                    <a:lumMod val="60000"/>
+                    <a:lumOff val="40000"/>
+                  </a:schemeClr>
+                </a:solidFill>
+                <a:latin typeface="微软雅黑 Light" panose="020B0502040204020203" pitchFamily="34" charset="-122"/>
+                <a:ea typeface="微软雅黑 Light" panose="020B0502040204020203" pitchFamily="34" charset="-122"/>
+              </a:rPr>
+              <a:t>节点 </a:t>
+            </a:r>
+            <a:endParaRPr lang="en-US" altLang="zh-CN" sz="2400" b="1" dirty="0" smtClean="0">
+              <a:solidFill>
+                <a:schemeClr val="accent3">
+                  <a:lumMod val="60000"/>
+                  <a:lumOff val="40000"/>
+                </a:schemeClr>
+              </a:solidFill>
+              <a:latin typeface="微软雅黑 Light" panose="020B0502040204020203" pitchFamily="34" charset="-122"/>
+              <a:ea typeface="微软雅黑 Light" panose="020B0502040204020203" pitchFamily="34" charset="-122"/>
+            </a:endParaRPr>
+          </a:p>
+          <a:p>
+            <a:pPr marL="285750" indent="-285750" algn="just">
+              <a:lnSpc>
+                <a:spcPct val="150000"/>
+              </a:lnSpc>
+              <a:buFont typeface="Arial" panose="020B0604020202020204" pitchFamily="34" charset="0"/>
+              <a:buChar char="•"/>
+            </a:pPr>
+            <a:r>
+              <a:rPr lang="zh-CN" altLang="en-US" sz="2000" dirty="0" smtClean="0">
+                <a:latin typeface="微软雅黑 Light" panose="020B0502040204020203" pitchFamily="34" charset="-122"/>
+                <a:ea typeface="微软雅黑 Light" panose="020B0502040204020203" pitchFamily="34" charset="-122"/>
+              </a:rPr>
+              <a:t>一个节点本质是一个</a:t>
+            </a:r>
+            <a:r>
+              <a:rPr lang="en-US" altLang="zh-CN" sz="2000" dirty="0" smtClean="0">
+                <a:latin typeface="微软雅黑 Light" panose="020B0502040204020203" pitchFamily="34" charset="-122"/>
+                <a:ea typeface="微软雅黑 Light" panose="020B0502040204020203" pitchFamily="34" charset="-122"/>
+              </a:rPr>
+              <a:t>Java</a:t>
+            </a:r>
+            <a:r>
+              <a:rPr lang="zh-CN" altLang="en-US" sz="2000" dirty="0" smtClean="0">
+                <a:latin typeface="微软雅黑 Light" panose="020B0502040204020203" pitchFamily="34" charset="-122"/>
+                <a:ea typeface="微软雅黑 Light" panose="020B0502040204020203" pitchFamily="34" charset="-122"/>
+              </a:rPr>
+              <a:t>进程</a:t>
+            </a:r>
+            <a:endParaRPr lang="en-US" altLang="zh-CN" sz="2000" dirty="0" smtClean="0">
+              <a:latin typeface="微软雅黑 Light" panose="020B0502040204020203" pitchFamily="34" charset="-122"/>
+              <a:ea typeface="微软雅黑 Light" panose="020B0502040204020203" pitchFamily="34" charset="-122"/>
+            </a:endParaRPr>
+          </a:p>
+          <a:p>
+            <a:pPr marL="285750" indent="-285750" algn="just">
+              <a:lnSpc>
+                <a:spcPct val="150000"/>
+              </a:lnSpc>
+              <a:buFont typeface="Arial" panose="020B0604020202020204" pitchFamily="34" charset="0"/>
+              <a:buChar char="•"/>
+            </a:pPr>
+            <a:r>
+              <a:rPr lang="zh-CN" altLang="en-US" sz="2000" dirty="0" smtClean="0">
+                <a:latin typeface="微软雅黑 Light" panose="020B0502040204020203" pitchFamily="34" charset="-122"/>
+                <a:ea typeface="微软雅黑 Light" panose="020B0502040204020203" pitchFamily="34" charset="-122"/>
+              </a:rPr>
+              <a:t>每个节点都有一个名字，通过</a:t>
+            </a:r>
+            <a:r>
+              <a:rPr lang="zh-CN" altLang="en-US" sz="2000" dirty="0" smtClean="0">
+                <a:latin typeface="微软雅黑 Light" panose="020B0502040204020203" pitchFamily="34" charset="-122"/>
+                <a:ea typeface="微软雅黑 Light" panose="020B0502040204020203" pitchFamily="34" charset="-122"/>
+              </a:rPr>
+              <a:t>文件配置，或者启动时指定</a:t>
+            </a:r>
+            <a:endParaRPr lang="en-US" altLang="zh-CN" sz="2000" dirty="0" smtClean="0">
+              <a:latin typeface="微软雅黑 Light" panose="020B0502040204020203" pitchFamily="34" charset="-122"/>
+              <a:ea typeface="微软雅黑 Light" panose="020B0502040204020203" pitchFamily="34" charset="-122"/>
+            </a:endParaRPr>
+          </a:p>
+          <a:p>
+            <a:pPr marL="285750" indent="-285750" algn="just">
+              <a:lnSpc>
+                <a:spcPct val="150000"/>
+              </a:lnSpc>
+              <a:buFont typeface="Arial" panose="020B0604020202020204" pitchFamily="34" charset="0"/>
+              <a:buChar char="•"/>
+            </a:pPr>
+            <a:r>
+              <a:rPr lang="zh-CN" altLang="en-US" sz="2000" dirty="0" smtClean="0">
+                <a:latin typeface="微软雅黑 Light" panose="020B0502040204020203" pitchFamily="34" charset="-122"/>
+                <a:ea typeface="微软雅黑 Light" panose="020B0502040204020203" pitchFamily="34" charset="-122"/>
+              </a:rPr>
+              <a:t>每个节点启动后，都会分配一个</a:t>
+            </a:r>
+            <a:r>
+              <a:rPr lang="en-US" altLang="zh-CN" sz="2000" dirty="0" smtClean="0">
+                <a:latin typeface="微软雅黑 Light" panose="020B0502040204020203" pitchFamily="34" charset="-122"/>
+                <a:ea typeface="微软雅黑 Light" panose="020B0502040204020203" pitchFamily="34" charset="-122"/>
+              </a:rPr>
+              <a:t>UID</a:t>
+            </a:r>
+            <a:r>
+              <a:rPr lang="zh-CN" altLang="en-US" sz="2000" dirty="0" smtClean="0">
+                <a:latin typeface="微软雅黑 Light" panose="020B0502040204020203" pitchFamily="34" charset="-122"/>
+                <a:ea typeface="微软雅黑 Light" panose="020B0502040204020203" pitchFamily="34" charset="-122"/>
+              </a:rPr>
+              <a:t>，保存在</a:t>
+            </a:r>
+            <a:r>
+              <a:rPr lang="en-US" altLang="zh-CN" sz="2000" dirty="0" smtClean="0">
+                <a:latin typeface="微软雅黑 Light" panose="020B0502040204020203" pitchFamily="34" charset="-122"/>
+                <a:ea typeface="微软雅黑 Light" panose="020B0502040204020203" pitchFamily="34" charset="-122"/>
+              </a:rPr>
+              <a:t>data</a:t>
+            </a:r>
+            <a:r>
+              <a:rPr lang="zh-CN" altLang="en-US" sz="2000" dirty="0" smtClean="0">
+                <a:latin typeface="微软雅黑 Light" panose="020B0502040204020203" pitchFamily="34" charset="-122"/>
+                <a:ea typeface="微软雅黑 Light" panose="020B0502040204020203" pitchFamily="34" charset="-122"/>
+              </a:rPr>
+              <a:t>目录下</a:t>
+            </a:r>
+            <a:endParaRPr lang="zh-CN" altLang="en-US" sz="2000" dirty="0">
+              <a:latin typeface="微软雅黑 Light" panose="020B0502040204020203" pitchFamily="34" charset="-122"/>
+              <a:ea typeface="微软雅黑 Light" panose="020B0502040204020203" pitchFamily="34" charset="-122"/>
+            </a:endParaRPr>
+          </a:p>
+        </p:txBody>
+      </p:sp>
+      <p:graphicFrame>
+        <p:nvGraphicFramePr>
+          <p:cNvPr id="5" name="表格 4"/>
+          <p:cNvGraphicFramePr>
+            <a:graphicFrameLocks noGrp="1"/>
+          </p:cNvGraphicFramePr>
+          <p:nvPr>
+            <p:extLst>
+              <p:ext uri="{D42A27DB-BD31-4B8C-83A1-F6EECF244321}">
+                <p14:modId xmlns:p14="http://schemas.microsoft.com/office/powerpoint/2010/main" val="440878746"/>
+              </p:ext>
+            </p:extLst>
+          </p:nvPr>
+        </p:nvGraphicFramePr>
+        <p:xfrm>
+          <a:off x="687185" y="3658526"/>
+          <a:ext cx="8128000" cy="2966720"/>
+        </p:xfrm>
+        <a:graphic>
+          <a:graphicData uri="http://schemas.openxmlformats.org/drawingml/2006/table">
+            <a:tbl>
+              <a:tblPr firstRow="1" bandRow="1">
+                <a:tableStyleId>{F5AB1C69-6EDB-4FF4-983F-18BD219EF322}</a:tableStyleId>
+              </a:tblPr>
+              <a:tblGrid>
+                <a:gridCol w="1623753"/>
+                <a:gridCol w="6504247"/>
+              </a:tblGrid>
+              <a:tr h="370840">
+                <a:tc>
+                  <a:txBody>
+                    <a:bodyPr/>
+                    <a:lstStyle/>
+                    <a:p>
+                      <a:r>
+                        <a:rPr lang="zh-CN" altLang="en-US" dirty="0" smtClean="0">
+                          <a:latin typeface="微软雅黑 Light" panose="020B0502040204020203" pitchFamily="34" charset="-122"/>
+                          <a:ea typeface="微软雅黑 Light" panose="020B0502040204020203" pitchFamily="34" charset="-122"/>
+                        </a:rPr>
+                        <a:t>节点角色</a:t>
+                      </a:r>
+                      <a:endParaRPr lang="zh-CN" altLang="en-US" dirty="0">
+                        <a:latin typeface="微软雅黑 Light" panose="020B0502040204020203" pitchFamily="34" charset="-122"/>
+                        <a:ea typeface="微软雅黑 Light" panose="020B0502040204020203" pitchFamily="34" charset="-122"/>
+                      </a:endParaRPr>
+                    </a:p>
+                  </a:txBody>
+                  <a:tcPr/>
+                </a:tc>
+                <a:tc>
+                  <a:txBody>
+                    <a:bodyPr/>
+                    <a:lstStyle/>
+                    <a:p>
+                      <a:r>
+                        <a:rPr lang="zh-CN" altLang="en-US" dirty="0" smtClean="0">
+                          <a:latin typeface="微软雅黑 Light" panose="020B0502040204020203" pitchFamily="34" charset="-122"/>
+                          <a:ea typeface="微软雅黑 Light" panose="020B0502040204020203" pitchFamily="34" charset="-122"/>
+                        </a:rPr>
+                        <a:t>作用</a:t>
+                      </a:r>
+                      <a:endParaRPr lang="zh-CN" altLang="en-US" dirty="0">
+                        <a:latin typeface="微软雅黑 Light" panose="020B0502040204020203" pitchFamily="34" charset="-122"/>
+                        <a:ea typeface="微软雅黑 Light" panose="020B0502040204020203" pitchFamily="34" charset="-122"/>
+                      </a:endParaRPr>
+                    </a:p>
+                  </a:txBody>
+                  <a:tcPr/>
+                </a:tc>
+              </a:tr>
+              <a:tr h="370840">
+                <a:tc>
+                  <a:txBody>
+                    <a:bodyPr/>
+                    <a:lstStyle/>
+                    <a:p>
+                      <a:r>
+                        <a:rPr lang="en-US" altLang="zh-CN" dirty="0" smtClean="0">
+                          <a:solidFill>
+                            <a:srgbClr val="0070C0"/>
+                          </a:solidFill>
+                          <a:latin typeface="微软雅黑 Light" panose="020B0502040204020203" pitchFamily="34" charset="-122"/>
+                          <a:ea typeface="微软雅黑 Light" panose="020B0502040204020203" pitchFamily="34" charset="-122"/>
+                        </a:rPr>
+                        <a:t>Master</a:t>
+                      </a:r>
+                      <a:endParaRPr lang="zh-CN" altLang="en-US" dirty="0">
+                        <a:solidFill>
+                          <a:srgbClr val="0070C0"/>
+                        </a:solidFill>
+                        <a:latin typeface="微软雅黑 Light" panose="020B0502040204020203" pitchFamily="34" charset="-122"/>
+                        <a:ea typeface="微软雅黑 Light" panose="020B0502040204020203" pitchFamily="34" charset="-122"/>
+                      </a:endParaRPr>
+                    </a:p>
+                  </a:txBody>
+                  <a:tcPr/>
+                </a:tc>
+                <a:tc>
+                  <a:txBody>
+                    <a:bodyPr/>
+                    <a:lstStyle/>
+                    <a:p>
+                      <a:r>
+                        <a:rPr lang="zh-CN" altLang="en-US" dirty="0" smtClean="0">
+                          <a:latin typeface="微软雅黑 Light" panose="020B0502040204020203" pitchFamily="34" charset="-122"/>
+                          <a:ea typeface="微软雅黑 Light" panose="020B0502040204020203" pitchFamily="34" charset="-122"/>
+                        </a:rPr>
+                        <a:t>参加选主流程，修改集群状态信息，保存索引信息</a:t>
+                      </a:r>
+                      <a:endParaRPr lang="zh-CN" altLang="en-US" dirty="0">
+                        <a:latin typeface="微软雅黑 Light" panose="020B0502040204020203" pitchFamily="34" charset="-122"/>
+                        <a:ea typeface="微软雅黑 Light" panose="020B0502040204020203" pitchFamily="34" charset="-122"/>
+                      </a:endParaRPr>
+                    </a:p>
+                  </a:txBody>
+                  <a:tcPr/>
+                </a:tc>
+              </a:tr>
+              <a:tr h="370840">
+                <a:tc>
+                  <a:txBody>
+                    <a:bodyPr/>
+                    <a:lstStyle/>
+                    <a:p>
+                      <a:r>
+                        <a:rPr lang="en-US" altLang="zh-CN" dirty="0" smtClean="0">
+                          <a:solidFill>
+                            <a:srgbClr val="0070C0"/>
+                          </a:solidFill>
+                          <a:latin typeface="微软雅黑 Light" panose="020B0502040204020203" pitchFamily="34" charset="-122"/>
+                          <a:ea typeface="微软雅黑 Light" panose="020B0502040204020203" pitchFamily="34" charset="-122"/>
+                        </a:rPr>
+                        <a:t>Data</a:t>
+                      </a:r>
+                      <a:endParaRPr lang="zh-CN" altLang="en-US" dirty="0">
+                        <a:solidFill>
+                          <a:srgbClr val="0070C0"/>
+                        </a:solidFill>
+                        <a:latin typeface="微软雅黑 Light" panose="020B0502040204020203" pitchFamily="34" charset="-122"/>
+                        <a:ea typeface="微软雅黑 Light" panose="020B0502040204020203" pitchFamily="34" charset="-122"/>
+                      </a:endParaRPr>
+                    </a:p>
+                  </a:txBody>
+                  <a:tcPr/>
+                </a:tc>
+                <a:tc>
+                  <a:txBody>
+                    <a:bodyPr/>
+                    <a:lstStyle/>
+                    <a:p>
+                      <a:r>
+                        <a:rPr lang="zh-CN" altLang="en-US" dirty="0" smtClean="0">
+                          <a:latin typeface="微软雅黑 Light" panose="020B0502040204020203" pitchFamily="34" charset="-122"/>
+                          <a:ea typeface="微软雅黑 Light" panose="020B0502040204020203" pitchFamily="34" charset="-122"/>
+                        </a:rPr>
+                        <a:t>保存数据</a:t>
+                      </a:r>
+                      <a:endParaRPr lang="zh-CN" altLang="en-US" dirty="0">
+                        <a:latin typeface="微软雅黑 Light" panose="020B0502040204020203" pitchFamily="34" charset="-122"/>
+                        <a:ea typeface="微软雅黑 Light" panose="020B0502040204020203" pitchFamily="34" charset="-122"/>
+                      </a:endParaRPr>
+                    </a:p>
+                  </a:txBody>
+                  <a:tcPr/>
+                </a:tc>
+              </a:tr>
+              <a:tr h="370840">
+                <a:tc>
+                  <a:txBody>
+                    <a:bodyPr/>
+                    <a:lstStyle/>
+                    <a:p>
+                      <a:r>
+                        <a:rPr lang="en-US" altLang="zh-CN" dirty="0" smtClean="0">
+                          <a:solidFill>
+                            <a:srgbClr val="0070C0"/>
+                          </a:solidFill>
+                          <a:latin typeface="微软雅黑 Light" panose="020B0502040204020203" pitchFamily="34" charset="-122"/>
+                          <a:ea typeface="微软雅黑 Light" panose="020B0502040204020203" pitchFamily="34" charset="-122"/>
+                        </a:rPr>
+                        <a:t>Coordinating</a:t>
+                      </a:r>
+                      <a:endParaRPr lang="zh-CN" altLang="en-US" dirty="0">
+                        <a:solidFill>
+                          <a:srgbClr val="0070C0"/>
+                        </a:solidFill>
+                        <a:latin typeface="微软雅黑 Light" panose="020B0502040204020203" pitchFamily="34" charset="-122"/>
+                        <a:ea typeface="微软雅黑 Light" panose="020B0502040204020203" pitchFamily="34" charset="-122"/>
+                      </a:endParaRPr>
+                    </a:p>
+                  </a:txBody>
+                  <a:tcPr/>
+                </a:tc>
+                <a:tc>
+                  <a:txBody>
+                    <a:bodyPr/>
+                    <a:lstStyle/>
+                    <a:p>
+                      <a:r>
+                        <a:rPr lang="zh-CN" altLang="en-US" dirty="0" smtClean="0">
+                          <a:latin typeface="微软雅黑 Light" panose="020B0502040204020203" pitchFamily="34" charset="-122"/>
+                          <a:ea typeface="微软雅黑 Light" panose="020B0502040204020203" pitchFamily="34" charset="-122"/>
+                        </a:rPr>
+                        <a:t>接收</a:t>
+                      </a:r>
+                      <a:r>
+                        <a:rPr lang="en-US" altLang="zh-CN" dirty="0" smtClean="0">
+                          <a:latin typeface="微软雅黑 Light" panose="020B0502040204020203" pitchFamily="34" charset="-122"/>
+                          <a:ea typeface="微软雅黑 Light" panose="020B0502040204020203" pitchFamily="34" charset="-122"/>
+                        </a:rPr>
+                        <a:t>Client</a:t>
+                      </a:r>
+                      <a:r>
+                        <a:rPr lang="zh-CN" altLang="en-US" dirty="0" smtClean="0">
+                          <a:latin typeface="微软雅黑 Light" panose="020B0502040204020203" pitchFamily="34" charset="-122"/>
+                          <a:ea typeface="微软雅黑 Light" panose="020B0502040204020203" pitchFamily="34" charset="-122"/>
+                        </a:rPr>
+                        <a:t>请求，汇聚搜索结构、计算并返回</a:t>
+                      </a:r>
+                      <a:endParaRPr lang="zh-CN" altLang="en-US" dirty="0">
+                        <a:latin typeface="微软雅黑 Light" panose="020B0502040204020203" pitchFamily="34" charset="-122"/>
+                        <a:ea typeface="微软雅黑 Light" panose="020B0502040204020203" pitchFamily="34" charset="-122"/>
+                      </a:endParaRPr>
+                    </a:p>
+                  </a:txBody>
+                  <a:tcPr/>
+                </a:tc>
+              </a:tr>
+              <a:tr h="370840">
+                <a:tc>
+                  <a:txBody>
+                    <a:bodyPr/>
+                    <a:lstStyle/>
+                    <a:p>
+                      <a:r>
+                        <a:rPr lang="en-US" altLang="zh-CN" dirty="0" smtClean="0">
+                          <a:solidFill>
+                            <a:srgbClr val="0070C0"/>
+                          </a:solidFill>
+                          <a:latin typeface="微软雅黑 Light" panose="020B0502040204020203" pitchFamily="34" charset="-122"/>
+                          <a:ea typeface="微软雅黑 Light" panose="020B0502040204020203" pitchFamily="34" charset="-122"/>
+                        </a:rPr>
+                        <a:t>Hot &amp; Warm</a:t>
+                      </a:r>
+                      <a:endParaRPr lang="zh-CN" altLang="en-US" dirty="0">
+                        <a:solidFill>
+                          <a:srgbClr val="0070C0"/>
+                        </a:solidFill>
+                        <a:latin typeface="微软雅黑 Light" panose="020B0502040204020203" pitchFamily="34" charset="-122"/>
+                        <a:ea typeface="微软雅黑 Light" panose="020B0502040204020203" pitchFamily="34" charset="-122"/>
+                      </a:endParaRPr>
+                    </a:p>
+                  </a:txBody>
+                  <a:tcPr/>
+                </a:tc>
+                <a:tc>
+                  <a:txBody>
+                    <a:bodyPr/>
+                    <a:lstStyle/>
+                    <a:p>
+                      <a:r>
+                        <a:rPr lang="zh-CN" altLang="en-US" dirty="0" smtClean="0">
+                          <a:latin typeface="微软雅黑 Light" panose="020B0502040204020203" pitchFamily="34" charset="-122"/>
+                          <a:ea typeface="微软雅黑 Light" panose="020B0502040204020203" pitchFamily="34" charset="-122"/>
+                        </a:rPr>
+                        <a:t>通过配置不同硬件的</a:t>
+                      </a:r>
+                      <a:r>
+                        <a:rPr lang="en-US" altLang="zh-CN" dirty="0" smtClean="0">
+                          <a:latin typeface="微软雅黑 Light" panose="020B0502040204020203" pitchFamily="34" charset="-122"/>
+                          <a:ea typeface="微软雅黑 Light" panose="020B0502040204020203" pitchFamily="34" charset="-122"/>
+                        </a:rPr>
+                        <a:t>Data Node</a:t>
+                      </a:r>
+                      <a:r>
+                        <a:rPr lang="zh-CN" altLang="en-US" dirty="0" smtClean="0">
+                          <a:latin typeface="微软雅黑 Light" panose="020B0502040204020203" pitchFamily="34" charset="-122"/>
+                          <a:ea typeface="微软雅黑 Light" panose="020B0502040204020203" pitchFamily="34" charset="-122"/>
+                        </a:rPr>
+                        <a:t>来实现 </a:t>
+                      </a:r>
+                      <a:r>
+                        <a:rPr lang="en-US" altLang="zh-CN" dirty="0" smtClean="0">
+                          <a:latin typeface="微软雅黑 Light" panose="020B0502040204020203" pitchFamily="34" charset="-122"/>
+                          <a:ea typeface="微软雅黑 Light" panose="020B0502040204020203" pitchFamily="34" charset="-122"/>
+                        </a:rPr>
+                        <a:t>Hot &amp; Warm</a:t>
+                      </a:r>
+                      <a:r>
+                        <a:rPr lang="zh-CN" altLang="en-US" dirty="0" smtClean="0">
+                          <a:latin typeface="微软雅黑 Light" panose="020B0502040204020203" pitchFamily="34" charset="-122"/>
+                          <a:ea typeface="微软雅黑 Light" panose="020B0502040204020203" pitchFamily="34" charset="-122"/>
+                        </a:rPr>
+                        <a:t>架构</a:t>
+                      </a:r>
+                      <a:endParaRPr lang="zh-CN" altLang="en-US" dirty="0">
+                        <a:latin typeface="微软雅黑 Light" panose="020B0502040204020203" pitchFamily="34" charset="-122"/>
+                        <a:ea typeface="微软雅黑 Light" panose="020B0502040204020203" pitchFamily="34" charset="-122"/>
+                      </a:endParaRPr>
+                    </a:p>
+                  </a:txBody>
+                  <a:tcPr/>
+                </a:tc>
+              </a:tr>
+              <a:tr h="370840">
+                <a:tc>
+                  <a:txBody>
+                    <a:bodyPr/>
+                    <a:lstStyle/>
+                    <a:p>
+                      <a:r>
+                        <a:rPr lang="en-US" altLang="zh-CN" dirty="0" smtClean="0">
+                          <a:solidFill>
+                            <a:srgbClr val="0070C0"/>
+                          </a:solidFill>
+                          <a:latin typeface="微软雅黑 Light" panose="020B0502040204020203" pitchFamily="34" charset="-122"/>
+                          <a:ea typeface="微软雅黑 Light" panose="020B0502040204020203" pitchFamily="34" charset="-122"/>
+                        </a:rPr>
+                        <a:t>ML</a:t>
+                      </a:r>
+                      <a:endParaRPr lang="zh-CN" altLang="en-US" dirty="0">
+                        <a:solidFill>
+                          <a:srgbClr val="0070C0"/>
+                        </a:solidFill>
+                        <a:latin typeface="微软雅黑 Light" panose="020B0502040204020203" pitchFamily="34" charset="-122"/>
+                        <a:ea typeface="微软雅黑 Light" panose="020B0502040204020203" pitchFamily="34" charset="-122"/>
+                      </a:endParaRPr>
+                    </a:p>
+                  </a:txBody>
+                  <a:tcPr/>
+                </a:tc>
+                <a:tc>
+                  <a:txBody>
+                    <a:bodyPr/>
+                    <a:lstStyle/>
+                    <a:p>
+                      <a:r>
+                        <a:rPr lang="zh-CN" altLang="en-US" dirty="0" smtClean="0">
+                          <a:latin typeface="微软雅黑 Light" panose="020B0502040204020203" pitchFamily="34" charset="-122"/>
+                          <a:ea typeface="微软雅黑 Light" panose="020B0502040204020203" pitchFamily="34" charset="-122"/>
+                        </a:rPr>
+                        <a:t>负责跑机器学习的节点，</a:t>
+                      </a:r>
+                      <a:r>
+                        <a:rPr lang="en-US" altLang="zh-CN" dirty="0" smtClean="0">
+                          <a:latin typeface="微软雅黑 Light" panose="020B0502040204020203" pitchFamily="34" charset="-122"/>
+                          <a:ea typeface="微软雅黑 Light" panose="020B0502040204020203" pitchFamily="34" charset="-122"/>
+                        </a:rPr>
+                        <a:t>X-PACK</a:t>
+                      </a:r>
+                      <a:r>
+                        <a:rPr lang="zh-CN" altLang="en-US" dirty="0" smtClean="0">
+                          <a:latin typeface="微软雅黑 Light" panose="020B0502040204020203" pitchFamily="34" charset="-122"/>
+                          <a:ea typeface="微软雅黑 Light" panose="020B0502040204020203" pitchFamily="34" charset="-122"/>
+                        </a:rPr>
+                        <a:t>中的收费项目</a:t>
+                      </a:r>
+                      <a:endParaRPr lang="zh-CN" altLang="en-US" dirty="0">
+                        <a:latin typeface="微软雅黑 Light" panose="020B0502040204020203" pitchFamily="34" charset="-122"/>
+                        <a:ea typeface="微软雅黑 Light" panose="020B0502040204020203" pitchFamily="34" charset="-122"/>
+                      </a:endParaRPr>
+                    </a:p>
+                  </a:txBody>
+                  <a:tcPr/>
+                </a:tc>
+              </a:tr>
+              <a:tr h="370840">
+                <a:tc>
+                  <a:txBody>
+                    <a:bodyPr/>
+                    <a:lstStyle/>
+                    <a:p>
+                      <a:r>
+                        <a:rPr lang="en-US" altLang="zh-CN" dirty="0" smtClean="0">
+                          <a:solidFill>
+                            <a:srgbClr val="0070C0"/>
+                          </a:solidFill>
+                          <a:latin typeface="微软雅黑 Light" panose="020B0502040204020203" pitchFamily="34" charset="-122"/>
+                          <a:ea typeface="微软雅黑 Light" panose="020B0502040204020203" pitchFamily="34" charset="-122"/>
+                        </a:rPr>
+                        <a:t>Tribe</a:t>
+                      </a:r>
+                      <a:endParaRPr lang="zh-CN" altLang="en-US" dirty="0">
+                        <a:solidFill>
+                          <a:srgbClr val="0070C0"/>
+                        </a:solidFill>
+                        <a:latin typeface="微软雅黑 Light" panose="020B0502040204020203" pitchFamily="34" charset="-122"/>
+                        <a:ea typeface="微软雅黑 Light" panose="020B0502040204020203" pitchFamily="34" charset="-122"/>
+                      </a:endParaRPr>
+                    </a:p>
+                  </a:txBody>
+                  <a:tcPr/>
+                </a:tc>
+                <a:tc>
+                  <a:txBody>
+                    <a:bodyPr/>
+                    <a:lstStyle/>
+                    <a:p>
+                      <a:r>
+                        <a:rPr lang="zh-CN" altLang="en-US" dirty="0" smtClean="0">
+                          <a:latin typeface="微软雅黑 Light" panose="020B0502040204020203" pitchFamily="34" charset="-122"/>
+                          <a:ea typeface="微软雅黑 Light" panose="020B0502040204020203" pitchFamily="34" charset="-122"/>
+                        </a:rPr>
+                        <a:t>负责连接不同</a:t>
+                      </a:r>
+                      <a:r>
+                        <a:rPr lang="en-US" altLang="zh-CN" dirty="0" smtClean="0">
+                          <a:latin typeface="微软雅黑 Light" panose="020B0502040204020203" pitchFamily="34" charset="-122"/>
+                          <a:ea typeface="微软雅黑 Light" panose="020B0502040204020203" pitchFamily="34" charset="-122"/>
+                        </a:rPr>
+                        <a:t>ES</a:t>
+                      </a:r>
+                      <a:r>
+                        <a:rPr lang="zh-CN" altLang="en-US" dirty="0" smtClean="0">
+                          <a:latin typeface="微软雅黑 Light" panose="020B0502040204020203" pitchFamily="34" charset="-122"/>
+                          <a:ea typeface="微软雅黑 Light" panose="020B0502040204020203" pitchFamily="34" charset="-122"/>
+                        </a:rPr>
+                        <a:t>集群</a:t>
+                      </a:r>
+                      <a:endParaRPr lang="zh-CN" altLang="en-US" dirty="0">
+                        <a:latin typeface="微软雅黑 Light" panose="020B0502040204020203" pitchFamily="34" charset="-122"/>
+                        <a:ea typeface="微软雅黑 Light" panose="020B0502040204020203" pitchFamily="34" charset="-122"/>
+                      </a:endParaRPr>
+                    </a:p>
+                  </a:txBody>
+                  <a:tcPr/>
+                </a:tc>
+              </a:tr>
+              <a:tr h="370840">
+                <a:tc>
+                  <a:txBody>
+                    <a:bodyPr/>
+                    <a:lstStyle/>
+                    <a:p>
+                      <a:r>
+                        <a:rPr lang="en-US" altLang="zh-CN" dirty="0" smtClean="0">
+                          <a:solidFill>
+                            <a:srgbClr val="0070C0"/>
+                          </a:solidFill>
+                          <a:latin typeface="微软雅黑 Light" panose="020B0502040204020203" pitchFamily="34" charset="-122"/>
+                          <a:ea typeface="微软雅黑 Light" panose="020B0502040204020203" pitchFamily="34" charset="-122"/>
+                        </a:rPr>
+                        <a:t>Ingest</a:t>
+                      </a:r>
+                      <a:endParaRPr lang="zh-CN" altLang="en-US" dirty="0">
+                        <a:solidFill>
+                          <a:srgbClr val="0070C0"/>
+                        </a:solidFill>
+                        <a:latin typeface="微软雅黑 Light" panose="020B0502040204020203" pitchFamily="34" charset="-122"/>
+                        <a:ea typeface="微软雅黑 Light" panose="020B0502040204020203" pitchFamily="34" charset="-122"/>
+                      </a:endParaRPr>
+                    </a:p>
+                  </a:txBody>
+                  <a:tcPr/>
+                </a:tc>
+                <a:tc>
+                  <a:txBody>
+                    <a:bodyPr/>
+                    <a:lstStyle/>
+                    <a:p>
+                      <a:r>
+                        <a:rPr lang="zh-CN" altLang="en-US" dirty="0" smtClean="0">
+                          <a:latin typeface="微软雅黑 Light" panose="020B0502040204020203" pitchFamily="34" charset="-122"/>
+                          <a:ea typeface="微软雅黑 Light" panose="020B0502040204020203" pitchFamily="34" charset="-122"/>
+                        </a:rPr>
+                        <a:t>前置处理转换节点，类似</a:t>
+                      </a:r>
+                      <a:r>
+                        <a:rPr lang="en-US" altLang="zh-CN" dirty="0" smtClean="0">
+                          <a:latin typeface="微软雅黑 Light" panose="020B0502040204020203" pitchFamily="34" charset="-122"/>
+                          <a:ea typeface="微软雅黑 Light" panose="020B0502040204020203" pitchFamily="34" charset="-122"/>
+                        </a:rPr>
+                        <a:t>pipeline</a:t>
+                      </a:r>
+                      <a:endParaRPr lang="zh-CN" altLang="en-US" dirty="0">
+                        <a:latin typeface="微软雅黑 Light" panose="020B0502040204020203" pitchFamily="34" charset="-122"/>
+                        <a:ea typeface="微软雅黑 Light" panose="020B0502040204020203" pitchFamily="34" charset="-122"/>
+                      </a:endParaRPr>
+                    </a:p>
+                  </a:txBody>
+                  <a:tcPr/>
+                </a:tc>
+              </a:tr>
+            </a:tbl>
+          </a:graphicData>
+        </a:graphic>
+      </p:graphicFrame>
     </p:spTree>
     <p:extLst>
       <p:ext uri="{BB962C8B-B14F-4D97-AF65-F5344CB8AC3E}">
-        <p14:creationId xmlns:p14="http://schemas.microsoft.com/office/powerpoint/2010/main" val="4004178140"/>
+        <p14:creationId xmlns:p14="http://schemas.microsoft.com/office/powerpoint/2010/main" val="408133957"/>
       </p:ext>
     </p:extLst>
   </p:cSld>
@@ -6855,6 +10413,1044 @@
           <a:chExt cx="0" cy="0"/>
         </a:xfrm>
       </p:grpSpPr>
+      <p:sp>
+        <p:nvSpPr>
+          <p:cNvPr id="2" name="文本框 1"/>
+          <p:cNvSpPr txBox="1"/>
+          <p:nvPr/>
+        </p:nvSpPr>
+        <p:spPr>
+          <a:xfrm>
+            <a:off x="687185" y="820317"/>
+            <a:ext cx="5979622" cy="523220"/>
+          </a:xfrm>
+          <a:prstGeom prst="rect">
+            <a:avLst/>
+          </a:prstGeom>
+          <a:noFill/>
+        </p:spPr>
+        <p:txBody>
+          <a:bodyPr wrap="square" rtlCol="0">
+            <a:spAutoFit/>
+          </a:bodyPr>
+          <a:lstStyle/>
+          <a:p>
+            <a:r>
+              <a:rPr lang="en-US" altLang="zh-CN" sz="2800" b="1" dirty="0" err="1" smtClean="0">
+                <a:latin typeface="微软雅黑 Light" panose="020B0502040204020203" pitchFamily="34" charset="-122"/>
+                <a:ea typeface="微软雅黑 Light" panose="020B0502040204020203" pitchFamily="34" charset="-122"/>
+              </a:rPr>
+              <a:t>Elasticsearch</a:t>
+            </a:r>
+            <a:r>
+              <a:rPr lang="zh-CN" altLang="en-US" sz="2800" b="1" dirty="0" smtClean="0">
+                <a:latin typeface="微软雅黑 Light" panose="020B0502040204020203" pitchFamily="34" charset="-122"/>
+                <a:ea typeface="微软雅黑 Light" panose="020B0502040204020203" pitchFamily="34" charset="-122"/>
+              </a:rPr>
+              <a:t>中集群构成</a:t>
+            </a:r>
+            <a:endParaRPr lang="zh-CN" altLang="en-US" sz="2800" b="1" dirty="0">
+              <a:latin typeface="微软雅黑 Light" panose="020B0502040204020203" pitchFamily="34" charset="-122"/>
+              <a:ea typeface="微软雅黑 Light" panose="020B0502040204020203" pitchFamily="34" charset="-122"/>
+            </a:endParaRPr>
+          </a:p>
+        </p:txBody>
+      </p:sp>
+      <p:sp>
+        <p:nvSpPr>
+          <p:cNvPr id="3" name="文本框 2"/>
+          <p:cNvSpPr txBox="1"/>
+          <p:nvPr/>
+        </p:nvSpPr>
+        <p:spPr>
+          <a:xfrm>
+            <a:off x="7536872" y="820317"/>
+            <a:ext cx="2970415" cy="1477328"/>
+          </a:xfrm>
+          <a:prstGeom prst="rect">
+            <a:avLst/>
+          </a:prstGeom>
+          <a:noFill/>
+        </p:spPr>
+        <p:txBody>
+          <a:bodyPr wrap="square" rtlCol="0">
+            <a:spAutoFit/>
+          </a:bodyPr>
+          <a:lstStyle/>
+          <a:p>
+            <a:pPr marL="285750" indent="-285750" algn="just">
+              <a:lnSpc>
+                <a:spcPct val="150000"/>
+              </a:lnSpc>
+              <a:buFont typeface="Arial" panose="020B0604020202020204" pitchFamily="34" charset="0"/>
+              <a:buChar char="•"/>
+            </a:pPr>
+            <a:r>
+              <a:rPr lang="en-US" altLang="zh-CN" sz="2000" dirty="0">
+                <a:solidFill>
+                  <a:srgbClr val="92D050"/>
+                </a:solidFill>
+                <a:latin typeface="微软雅黑 Light" panose="020B0502040204020203" pitchFamily="34" charset="-122"/>
+                <a:ea typeface="微软雅黑 Light" panose="020B0502040204020203" pitchFamily="34" charset="-122"/>
+              </a:rPr>
+              <a:t>Cluster </a:t>
+            </a:r>
+            <a:r>
+              <a:rPr lang="zh-CN" altLang="en-US" sz="2000" dirty="0" smtClean="0">
+                <a:solidFill>
+                  <a:srgbClr val="92D050"/>
+                </a:solidFill>
+                <a:latin typeface="微软雅黑 Light" panose="020B0502040204020203" pitchFamily="34" charset="-122"/>
+                <a:ea typeface="微软雅黑 Light" panose="020B0502040204020203" pitchFamily="34" charset="-122"/>
+              </a:rPr>
+              <a:t>集群</a:t>
+            </a:r>
+            <a:endParaRPr lang="en-US" altLang="zh-CN" sz="2000" dirty="0" smtClean="0">
+              <a:solidFill>
+                <a:srgbClr val="92D050"/>
+              </a:solidFill>
+              <a:latin typeface="微软雅黑 Light" panose="020B0502040204020203" pitchFamily="34" charset="-122"/>
+              <a:ea typeface="微软雅黑 Light" panose="020B0502040204020203" pitchFamily="34" charset="-122"/>
+            </a:endParaRPr>
+          </a:p>
+          <a:p>
+            <a:pPr marL="742950" lvl="1" indent="-285750" algn="just">
+              <a:lnSpc>
+                <a:spcPct val="150000"/>
+              </a:lnSpc>
+              <a:buFont typeface="Arial" panose="020B0604020202020204" pitchFamily="34" charset="0"/>
+              <a:buChar char="•"/>
+            </a:pPr>
+            <a:r>
+              <a:rPr lang="en-US" altLang="zh-CN" sz="2000" dirty="0" smtClean="0">
+                <a:solidFill>
+                  <a:schemeClr val="accent3">
+                    <a:lumMod val="60000"/>
+                    <a:lumOff val="40000"/>
+                  </a:schemeClr>
+                </a:solidFill>
+                <a:latin typeface="微软雅黑 Light" panose="020B0502040204020203" pitchFamily="34" charset="-122"/>
+                <a:ea typeface="微软雅黑 Light" panose="020B0502040204020203" pitchFamily="34" charset="-122"/>
+              </a:rPr>
+              <a:t>Node </a:t>
+            </a:r>
+            <a:r>
+              <a:rPr lang="zh-CN" altLang="en-US" sz="2000" dirty="0" smtClean="0">
+                <a:solidFill>
+                  <a:schemeClr val="accent3">
+                    <a:lumMod val="60000"/>
+                    <a:lumOff val="40000"/>
+                  </a:schemeClr>
+                </a:solidFill>
+                <a:latin typeface="微软雅黑 Light" panose="020B0502040204020203" pitchFamily="34" charset="-122"/>
+                <a:ea typeface="微软雅黑 Light" panose="020B0502040204020203" pitchFamily="34" charset="-122"/>
+              </a:rPr>
+              <a:t>节点</a:t>
+            </a:r>
+            <a:endParaRPr lang="en-US" altLang="zh-CN" sz="2000" dirty="0" smtClean="0">
+              <a:solidFill>
+                <a:schemeClr val="accent3">
+                  <a:lumMod val="60000"/>
+                  <a:lumOff val="40000"/>
+                </a:schemeClr>
+              </a:solidFill>
+              <a:latin typeface="微软雅黑 Light" panose="020B0502040204020203" pitchFamily="34" charset="-122"/>
+              <a:ea typeface="微软雅黑 Light" panose="020B0502040204020203" pitchFamily="34" charset="-122"/>
+            </a:endParaRPr>
+          </a:p>
+          <a:p>
+            <a:pPr marL="1200150" lvl="2" indent="-285750" algn="just">
+              <a:lnSpc>
+                <a:spcPct val="150000"/>
+              </a:lnSpc>
+              <a:buFont typeface="Arial" panose="020B0604020202020204" pitchFamily="34" charset="0"/>
+              <a:buChar char="•"/>
+            </a:pPr>
+            <a:r>
+              <a:rPr lang="en-US" altLang="zh-CN" sz="2000" dirty="0" smtClean="0">
+                <a:solidFill>
+                  <a:schemeClr val="accent3">
+                    <a:lumMod val="20000"/>
+                    <a:lumOff val="80000"/>
+                  </a:schemeClr>
+                </a:solidFill>
+                <a:latin typeface="微软雅黑 Light" panose="020B0502040204020203" pitchFamily="34" charset="-122"/>
+                <a:ea typeface="微软雅黑 Light" panose="020B0502040204020203" pitchFamily="34" charset="-122"/>
+              </a:rPr>
+              <a:t>Shard </a:t>
+            </a:r>
+            <a:r>
+              <a:rPr lang="zh-CN" altLang="en-US" sz="2000" dirty="0" smtClean="0">
+                <a:solidFill>
+                  <a:schemeClr val="accent3">
+                    <a:lumMod val="20000"/>
+                    <a:lumOff val="80000"/>
+                  </a:schemeClr>
+                </a:solidFill>
+                <a:latin typeface="微软雅黑 Light" panose="020B0502040204020203" pitchFamily="34" charset="-122"/>
+                <a:ea typeface="微软雅黑 Light" panose="020B0502040204020203" pitchFamily="34" charset="-122"/>
+              </a:rPr>
+              <a:t>分片</a:t>
+            </a:r>
+            <a:r>
+              <a:rPr lang="en-US" altLang="zh-CN" sz="2000" dirty="0" smtClean="0">
+                <a:solidFill>
+                  <a:schemeClr val="accent3">
+                    <a:lumMod val="20000"/>
+                    <a:lumOff val="80000"/>
+                  </a:schemeClr>
+                </a:solidFill>
+                <a:latin typeface="微软雅黑 Light" panose="020B0502040204020203" pitchFamily="34" charset="-122"/>
+                <a:ea typeface="微软雅黑 Light" panose="020B0502040204020203" pitchFamily="34" charset="-122"/>
+              </a:rPr>
+              <a:t> </a:t>
+            </a:r>
+            <a:endParaRPr lang="en-US" altLang="zh-CN" sz="2000" dirty="0">
+              <a:solidFill>
+                <a:schemeClr val="accent3">
+                  <a:lumMod val="20000"/>
+                  <a:lumOff val="80000"/>
+                </a:schemeClr>
+              </a:solidFill>
+              <a:latin typeface="微软雅黑 Light" panose="020B0502040204020203" pitchFamily="34" charset="-122"/>
+              <a:ea typeface="微软雅黑 Light" panose="020B0502040204020203" pitchFamily="34" charset="-122"/>
+            </a:endParaRPr>
+          </a:p>
+        </p:txBody>
+      </p:sp>
+      <p:sp>
+        <p:nvSpPr>
+          <p:cNvPr id="7" name="矩形 6"/>
+          <p:cNvSpPr/>
+          <p:nvPr/>
+        </p:nvSpPr>
+        <p:spPr>
+          <a:xfrm>
+            <a:off x="687184" y="1558981"/>
+            <a:ext cx="7110153" cy="3877985"/>
+          </a:xfrm>
+          <a:prstGeom prst="rect">
+            <a:avLst/>
+          </a:prstGeom>
+        </p:spPr>
+        <p:txBody>
+          <a:bodyPr wrap="square">
+            <a:spAutoFit/>
+          </a:bodyPr>
+          <a:lstStyle/>
+          <a:p>
+            <a:pPr algn="just">
+              <a:lnSpc>
+                <a:spcPct val="150000"/>
+              </a:lnSpc>
+            </a:pPr>
+            <a:r>
+              <a:rPr lang="en-US" altLang="zh-CN" sz="2400" b="1" dirty="0">
+                <a:solidFill>
+                  <a:schemeClr val="accent3">
+                    <a:lumMod val="20000"/>
+                    <a:lumOff val="80000"/>
+                  </a:schemeClr>
+                </a:solidFill>
+                <a:latin typeface="微软雅黑 Light" panose="020B0502040204020203" pitchFamily="34" charset="-122"/>
+                <a:ea typeface="微软雅黑 Light" panose="020B0502040204020203" pitchFamily="34" charset="-122"/>
+              </a:rPr>
+              <a:t>Shard </a:t>
+            </a:r>
+            <a:r>
+              <a:rPr lang="zh-CN" altLang="en-US" sz="2400" b="1" dirty="0">
+                <a:solidFill>
+                  <a:schemeClr val="accent3">
+                    <a:lumMod val="20000"/>
+                    <a:lumOff val="80000"/>
+                  </a:schemeClr>
+                </a:solidFill>
+                <a:latin typeface="微软雅黑 Light" panose="020B0502040204020203" pitchFamily="34" charset="-122"/>
+                <a:ea typeface="微软雅黑 Light" panose="020B0502040204020203" pitchFamily="34" charset="-122"/>
+              </a:rPr>
+              <a:t>分片</a:t>
+            </a:r>
+            <a:endParaRPr lang="en-US" altLang="zh-CN" sz="2400" b="1" dirty="0">
+              <a:solidFill>
+                <a:schemeClr val="accent3">
+                  <a:lumMod val="20000"/>
+                  <a:lumOff val="80000"/>
+                </a:schemeClr>
+              </a:solidFill>
+              <a:latin typeface="微软雅黑 Light" panose="020B0502040204020203" pitchFamily="34" charset="-122"/>
+              <a:ea typeface="微软雅黑 Light" panose="020B0502040204020203" pitchFamily="34" charset="-122"/>
+            </a:endParaRPr>
+          </a:p>
+          <a:p>
+            <a:pPr marL="342900" indent="-342900" algn="just">
+              <a:lnSpc>
+                <a:spcPct val="150000"/>
+              </a:lnSpc>
+              <a:buFont typeface="Arial" panose="020B0604020202020204" pitchFamily="34" charset="0"/>
+              <a:buChar char="•"/>
+            </a:pPr>
+            <a:r>
+              <a:rPr lang="zh-CN" altLang="en-US" sz="2000" dirty="0">
+                <a:latin typeface="微软雅黑 Light" panose="020B0502040204020203" pitchFamily="34" charset="-122"/>
+                <a:ea typeface="微软雅黑 Light" panose="020B0502040204020203" pitchFamily="34" charset="-122"/>
+              </a:rPr>
+              <a:t>一个分片是一个运行的</a:t>
+            </a:r>
+            <a:r>
+              <a:rPr lang="en-US" altLang="zh-CN" sz="2000" dirty="0">
+                <a:latin typeface="微软雅黑 Light" panose="020B0502040204020203" pitchFamily="34" charset="-122"/>
+                <a:ea typeface="微软雅黑 Light" panose="020B0502040204020203" pitchFamily="34" charset="-122"/>
+              </a:rPr>
+              <a:t>Lucene</a:t>
+            </a:r>
+            <a:r>
+              <a:rPr lang="zh-CN" altLang="en-US" sz="2000" dirty="0">
+                <a:latin typeface="微软雅黑 Light" panose="020B0502040204020203" pitchFamily="34" charset="-122"/>
+                <a:ea typeface="微软雅黑 Light" panose="020B0502040204020203" pitchFamily="34" charset="-122"/>
+              </a:rPr>
+              <a:t>的实例</a:t>
+            </a:r>
+            <a:endParaRPr lang="en-US" altLang="zh-CN" sz="2000" dirty="0">
+              <a:latin typeface="微软雅黑 Light" panose="020B0502040204020203" pitchFamily="34" charset="-122"/>
+              <a:ea typeface="微软雅黑 Light" panose="020B0502040204020203" pitchFamily="34" charset="-122"/>
+            </a:endParaRPr>
+          </a:p>
+          <a:p>
+            <a:pPr marL="342900" indent="-342900" algn="just">
+              <a:lnSpc>
+                <a:spcPct val="150000"/>
+              </a:lnSpc>
+              <a:buFont typeface="Arial" panose="020B0604020202020204" pitchFamily="34" charset="0"/>
+              <a:buChar char="•"/>
+            </a:pPr>
+            <a:r>
+              <a:rPr lang="zh-CN" altLang="en-US" sz="2000" dirty="0">
+                <a:latin typeface="微软雅黑 Light" panose="020B0502040204020203" pitchFamily="34" charset="-122"/>
+                <a:ea typeface="微软雅黑 Light" panose="020B0502040204020203" pitchFamily="34" charset="-122"/>
+              </a:rPr>
+              <a:t>主分片</a:t>
+            </a:r>
+            <a:endParaRPr lang="en-US" altLang="zh-CN" sz="2000" dirty="0">
+              <a:latin typeface="微软雅黑 Light" panose="020B0502040204020203" pitchFamily="34" charset="-122"/>
+              <a:ea typeface="微软雅黑 Light" panose="020B0502040204020203" pitchFamily="34" charset="-122"/>
+            </a:endParaRPr>
+          </a:p>
+          <a:p>
+            <a:pPr marL="800100" lvl="1" indent="-342900" algn="just">
+              <a:lnSpc>
+                <a:spcPct val="150000"/>
+              </a:lnSpc>
+              <a:buFont typeface="Arial" panose="020B0604020202020204" pitchFamily="34" charset="0"/>
+              <a:buChar char="•"/>
+            </a:pPr>
+            <a:r>
+              <a:rPr lang="zh-CN" altLang="en-US" sz="2000" dirty="0">
+                <a:latin typeface="微软雅黑 Light" panose="020B0502040204020203" pitchFamily="34" charset="-122"/>
+                <a:ea typeface="微软雅黑 Light" panose="020B0502040204020203" pitchFamily="34" charset="-122"/>
+              </a:rPr>
+              <a:t>用于解决数据水平扩展的问题</a:t>
+            </a:r>
+            <a:endParaRPr lang="en-US" altLang="zh-CN" sz="2000" dirty="0">
+              <a:latin typeface="微软雅黑 Light" panose="020B0502040204020203" pitchFamily="34" charset="-122"/>
+              <a:ea typeface="微软雅黑 Light" panose="020B0502040204020203" pitchFamily="34" charset="-122"/>
+            </a:endParaRPr>
+          </a:p>
+          <a:p>
+            <a:pPr marL="800100" lvl="1" indent="-342900" algn="just">
+              <a:lnSpc>
+                <a:spcPct val="150000"/>
+              </a:lnSpc>
+              <a:buFont typeface="Arial" panose="020B0604020202020204" pitchFamily="34" charset="0"/>
+              <a:buChar char="•"/>
+            </a:pPr>
+            <a:r>
+              <a:rPr lang="zh-CN" altLang="en-US" sz="2000" dirty="0">
+                <a:latin typeface="微软雅黑 Light" panose="020B0502040204020203" pitchFamily="34" charset="-122"/>
+                <a:ea typeface="微软雅黑 Light" panose="020B0502040204020203" pitchFamily="34" charset="-122"/>
+              </a:rPr>
+              <a:t>索引创建时指定，后续不可以修改</a:t>
+            </a:r>
+            <a:endParaRPr lang="en-US" altLang="zh-CN" sz="2000" dirty="0">
+              <a:latin typeface="微软雅黑 Light" panose="020B0502040204020203" pitchFamily="34" charset="-122"/>
+              <a:ea typeface="微软雅黑 Light" panose="020B0502040204020203" pitchFamily="34" charset="-122"/>
+            </a:endParaRPr>
+          </a:p>
+          <a:p>
+            <a:pPr marL="342900" indent="-342900" algn="just">
+              <a:lnSpc>
+                <a:spcPct val="150000"/>
+              </a:lnSpc>
+              <a:buFont typeface="Arial" panose="020B0604020202020204" pitchFamily="34" charset="0"/>
+              <a:buChar char="•"/>
+            </a:pPr>
+            <a:r>
+              <a:rPr lang="zh-CN" altLang="en-US" sz="2000" dirty="0">
+                <a:latin typeface="微软雅黑 Light" panose="020B0502040204020203" pitchFamily="34" charset="-122"/>
+                <a:ea typeface="微软雅黑 Light" panose="020B0502040204020203" pitchFamily="34" charset="-122"/>
+              </a:rPr>
+              <a:t>副本分片</a:t>
+            </a:r>
+            <a:endParaRPr lang="en-US" altLang="zh-CN" sz="2000" dirty="0">
+              <a:latin typeface="微软雅黑 Light" panose="020B0502040204020203" pitchFamily="34" charset="-122"/>
+              <a:ea typeface="微软雅黑 Light" panose="020B0502040204020203" pitchFamily="34" charset="-122"/>
+            </a:endParaRPr>
+          </a:p>
+          <a:p>
+            <a:pPr marL="800100" lvl="1" indent="-342900" algn="just">
+              <a:lnSpc>
+                <a:spcPct val="150000"/>
+              </a:lnSpc>
+              <a:buFont typeface="Arial" panose="020B0604020202020204" pitchFamily="34" charset="0"/>
+              <a:buChar char="•"/>
+            </a:pPr>
+            <a:r>
+              <a:rPr lang="zh-CN" altLang="en-US" sz="2000" dirty="0">
+                <a:latin typeface="微软雅黑 Light" panose="020B0502040204020203" pitchFamily="34" charset="-122"/>
+                <a:ea typeface="微软雅黑 Light" panose="020B0502040204020203" pitchFamily="34" charset="-122"/>
+              </a:rPr>
+              <a:t>副本分片数可以动态调整，为主分片的整数倍</a:t>
+            </a:r>
+            <a:endParaRPr lang="en-US" altLang="zh-CN" sz="2000" dirty="0">
+              <a:latin typeface="微软雅黑 Light" panose="020B0502040204020203" pitchFamily="34" charset="-122"/>
+              <a:ea typeface="微软雅黑 Light" panose="020B0502040204020203" pitchFamily="34" charset="-122"/>
+            </a:endParaRPr>
+          </a:p>
+          <a:p>
+            <a:pPr marL="800100" lvl="1" indent="-342900" algn="just">
+              <a:lnSpc>
+                <a:spcPct val="150000"/>
+              </a:lnSpc>
+              <a:buFont typeface="Arial" panose="020B0604020202020204" pitchFamily="34" charset="0"/>
+              <a:buChar char="•"/>
+            </a:pPr>
+            <a:r>
+              <a:rPr lang="zh-CN" altLang="en-US" sz="2000" dirty="0">
+                <a:latin typeface="微软雅黑 Light" panose="020B0502040204020203" pitchFamily="34" charset="-122"/>
+                <a:ea typeface="微软雅黑 Light" panose="020B0502040204020203" pitchFamily="34" charset="-122"/>
+              </a:rPr>
+              <a:t>增加副本数，可以在一定程度上提高服务</a:t>
+            </a:r>
+            <a:r>
+              <a:rPr lang="zh-CN" altLang="en-US" sz="2000" dirty="0" smtClean="0">
+                <a:latin typeface="微软雅黑 Light" panose="020B0502040204020203" pitchFamily="34" charset="-122"/>
+                <a:ea typeface="微软雅黑 Light" panose="020B0502040204020203" pitchFamily="34" charset="-122"/>
+              </a:rPr>
+              <a:t>的可用性</a:t>
+            </a:r>
+            <a:endParaRPr lang="zh-CN" altLang="en-US" sz="2000" dirty="0">
+              <a:latin typeface="微软雅黑 Light" panose="020B0502040204020203" pitchFamily="34" charset="-122"/>
+              <a:ea typeface="微软雅黑 Light" panose="020B0502040204020203" pitchFamily="34" charset="-122"/>
+            </a:endParaRPr>
+          </a:p>
+        </p:txBody>
+      </p:sp>
+    </p:spTree>
+    <p:extLst>
+      <p:ext uri="{BB962C8B-B14F-4D97-AF65-F5344CB8AC3E}">
+        <p14:creationId xmlns:p14="http://schemas.microsoft.com/office/powerpoint/2010/main" val="1381233749"/>
+      </p:ext>
+    </p:extLst>
+  </p:cSld>
+  <p:clrMapOvr>
+    <a:masterClrMapping/>
+  </p:clrMapOvr>
+  <p:timing>
+    <p:tnLst>
+      <p:par>
+        <p:cTn id="1" dur="indefinite" restart="never" nodeType="tmRoot"/>
+      </p:par>
+    </p:tnLst>
+  </p:timing>
+</p:sld>
+</file>
+
+<file path=ppt/slides/slide21.xml><?xml version="1.0" encoding="utf-8"?>
+<p:sld xmlns:a="http://schemas.openxmlformats.org/drawingml/2006/main" xmlns:r="http://schemas.openxmlformats.org/officeDocument/2006/relationships" xmlns:p="http://schemas.openxmlformats.org/presentationml/2006/main">
+  <p:cSld>
+    <p:spTree>
+      <p:nvGrpSpPr>
+        <p:cNvPr id="1" name=""/>
+        <p:cNvGrpSpPr/>
+        <p:nvPr/>
+      </p:nvGrpSpPr>
+      <p:grpSpPr>
+        <a:xfrm>
+          <a:off x="0" y="0"/>
+          <a:ext cx="0" cy="0"/>
+          <a:chOff x="0" y="0"/>
+          <a:chExt cx="0" cy="0"/>
+        </a:xfrm>
+      </p:grpSpPr>
+      <p:sp>
+        <p:nvSpPr>
+          <p:cNvPr id="2" name="文本框 1"/>
+          <p:cNvSpPr txBox="1"/>
+          <p:nvPr/>
+        </p:nvSpPr>
+        <p:spPr>
+          <a:xfrm>
+            <a:off x="687185" y="820317"/>
+            <a:ext cx="5979622" cy="523220"/>
+          </a:xfrm>
+          <a:prstGeom prst="rect">
+            <a:avLst/>
+          </a:prstGeom>
+          <a:noFill/>
+        </p:spPr>
+        <p:txBody>
+          <a:bodyPr wrap="square" rtlCol="0">
+            <a:spAutoFit/>
+          </a:bodyPr>
+          <a:lstStyle/>
+          <a:p>
+            <a:r>
+              <a:rPr lang="zh-CN" altLang="en-US" sz="2800" b="1" dirty="0" smtClean="0">
+                <a:latin typeface="微软雅黑 Light" panose="020B0502040204020203" pitchFamily="34" charset="-122"/>
+                <a:ea typeface="微软雅黑 Light" panose="020B0502040204020203" pitchFamily="34" charset="-122"/>
+              </a:rPr>
+              <a:t>集群选主</a:t>
+            </a:r>
+            <a:endParaRPr lang="zh-CN" altLang="en-US" sz="2800" b="1" dirty="0">
+              <a:latin typeface="微软雅黑 Light" panose="020B0502040204020203" pitchFamily="34" charset="-122"/>
+              <a:ea typeface="微软雅黑 Light" panose="020B0502040204020203" pitchFamily="34" charset="-122"/>
+            </a:endParaRPr>
+          </a:p>
+        </p:txBody>
+      </p:sp>
+      <p:pic>
+        <p:nvPicPr>
+          <p:cNvPr id="3" name="图片 2"/>
+          <p:cNvPicPr>
+            <a:picLocks noChangeAspect="1"/>
+          </p:cNvPicPr>
+          <p:nvPr/>
+        </p:nvPicPr>
+        <p:blipFill>
+          <a:blip r:embed="rId3">
+            <a:extLst>
+              <a:ext uri="{28A0092B-C50C-407E-A947-70E740481C1C}">
+                <a14:useLocalDpi xmlns:a14="http://schemas.microsoft.com/office/drawing/2010/main" val="0"/>
+              </a:ext>
+            </a:extLst>
+          </a:blip>
+          <a:stretch>
+            <a:fillRect/>
+          </a:stretch>
+        </p:blipFill>
+        <p:spPr>
+          <a:xfrm>
+            <a:off x="1634835" y="2007003"/>
+            <a:ext cx="7492539" cy="4176584"/>
+          </a:xfrm>
+          <a:prstGeom prst="rect">
+            <a:avLst/>
+          </a:prstGeom>
+        </p:spPr>
+      </p:pic>
+      <p:sp>
+        <p:nvSpPr>
+          <p:cNvPr id="4" name="矩形 3"/>
+          <p:cNvSpPr/>
+          <p:nvPr/>
+        </p:nvSpPr>
+        <p:spPr>
+          <a:xfrm>
+            <a:off x="1634835" y="1490604"/>
+            <a:ext cx="1569660" cy="369332"/>
+          </a:xfrm>
+          <a:prstGeom prst="rect">
+            <a:avLst/>
+          </a:prstGeom>
+        </p:spPr>
+        <p:txBody>
+          <a:bodyPr wrap="none">
+            <a:spAutoFit/>
+          </a:bodyPr>
+          <a:lstStyle/>
+          <a:p>
+            <a:r>
+              <a:rPr lang="zh-CN" altLang="en-US" dirty="0">
+                <a:latin typeface="微软雅黑 Light" panose="020B0502040204020203" pitchFamily="34" charset="-122"/>
+                <a:ea typeface="微软雅黑 Light" panose="020B0502040204020203" pitchFamily="34" charset="-122"/>
+              </a:rPr>
+              <a:t>集群启动</a:t>
+            </a:r>
+            <a:r>
+              <a:rPr lang="zh-CN" altLang="en-US" dirty="0" smtClean="0">
+                <a:latin typeface="微软雅黑 Light" panose="020B0502040204020203" pitchFamily="34" charset="-122"/>
+                <a:ea typeface="微软雅黑 Light" panose="020B0502040204020203" pitchFamily="34" charset="-122"/>
+              </a:rPr>
+              <a:t>过程</a:t>
+            </a:r>
+            <a:endParaRPr lang="zh-CN" altLang="en-US" dirty="0">
+              <a:latin typeface="微软雅黑 Light" panose="020B0502040204020203" pitchFamily="34" charset="-122"/>
+              <a:ea typeface="微软雅黑 Light" panose="020B0502040204020203" pitchFamily="34" charset="-122"/>
+            </a:endParaRPr>
+          </a:p>
+        </p:txBody>
+      </p:sp>
+    </p:spTree>
+    <p:extLst>
+      <p:ext uri="{BB962C8B-B14F-4D97-AF65-F5344CB8AC3E}">
+        <p14:creationId xmlns:p14="http://schemas.microsoft.com/office/powerpoint/2010/main" val="4004178140"/>
+      </p:ext>
+    </p:extLst>
+  </p:cSld>
+  <p:clrMapOvr>
+    <a:masterClrMapping/>
+  </p:clrMapOvr>
+  <p:timing>
+    <p:tnLst>
+      <p:par>
+        <p:cTn id="1" dur="indefinite" restart="never" nodeType="tmRoot"/>
+      </p:par>
+    </p:tnLst>
+  </p:timing>
+</p:sld>
+</file>
+
+<file path=ppt/slides/slide22.xml><?xml version="1.0" encoding="utf-8"?>
+<p:sld xmlns:a="http://schemas.openxmlformats.org/drawingml/2006/main" xmlns:r="http://schemas.openxmlformats.org/officeDocument/2006/relationships" xmlns:p="http://schemas.openxmlformats.org/presentationml/2006/main">
+  <p:cSld>
+    <p:spTree>
+      <p:nvGrpSpPr>
+        <p:cNvPr id="1" name=""/>
+        <p:cNvGrpSpPr/>
+        <p:nvPr/>
+      </p:nvGrpSpPr>
+      <p:grpSpPr>
+        <a:xfrm>
+          <a:off x="0" y="0"/>
+          <a:ext cx="0" cy="0"/>
+          <a:chOff x="0" y="0"/>
+          <a:chExt cx="0" cy="0"/>
+        </a:xfrm>
+      </p:grpSpPr>
+      <p:sp>
+        <p:nvSpPr>
+          <p:cNvPr id="2" name="文本框 1"/>
+          <p:cNvSpPr txBox="1"/>
+          <p:nvPr/>
+        </p:nvSpPr>
+        <p:spPr>
+          <a:xfrm>
+            <a:off x="687185" y="820317"/>
+            <a:ext cx="5979622" cy="523220"/>
+          </a:xfrm>
+          <a:prstGeom prst="rect">
+            <a:avLst/>
+          </a:prstGeom>
+          <a:noFill/>
+        </p:spPr>
+        <p:txBody>
+          <a:bodyPr wrap="square" rtlCol="0">
+            <a:spAutoFit/>
+          </a:bodyPr>
+          <a:lstStyle/>
+          <a:p>
+            <a:r>
+              <a:rPr lang="en-US" altLang="zh-CN" sz="2800" b="1" dirty="0" smtClean="0">
+                <a:latin typeface="微软雅黑 Light" panose="020B0502040204020203" pitchFamily="34" charset="-122"/>
+                <a:ea typeface="微软雅黑 Light" panose="020B0502040204020203" pitchFamily="34" charset="-122"/>
+              </a:rPr>
+              <a:t>Master</a:t>
+            </a:r>
+            <a:r>
+              <a:rPr lang="zh-CN" altLang="en-US" sz="2800" b="1" dirty="0" smtClean="0">
+                <a:latin typeface="微软雅黑 Light" panose="020B0502040204020203" pitchFamily="34" charset="-122"/>
+                <a:ea typeface="微软雅黑 Light" panose="020B0502040204020203" pitchFamily="34" charset="-122"/>
+              </a:rPr>
+              <a:t>假死</a:t>
+            </a:r>
+            <a:endParaRPr lang="zh-CN" altLang="en-US" sz="2800" b="1" dirty="0">
+              <a:latin typeface="微软雅黑 Light" panose="020B0502040204020203" pitchFamily="34" charset="-122"/>
+              <a:ea typeface="微软雅黑 Light" panose="020B0502040204020203" pitchFamily="34" charset="-122"/>
+            </a:endParaRPr>
+          </a:p>
+        </p:txBody>
+      </p:sp>
+      <p:sp>
+        <p:nvSpPr>
+          <p:cNvPr id="3" name="矩形 2"/>
+          <p:cNvSpPr/>
+          <p:nvPr/>
+        </p:nvSpPr>
+        <p:spPr>
+          <a:xfrm>
+            <a:off x="687185" y="1343537"/>
+            <a:ext cx="9121832" cy="1938992"/>
+          </a:xfrm>
+          <a:prstGeom prst="rect">
+            <a:avLst/>
+          </a:prstGeom>
+        </p:spPr>
+        <p:txBody>
+          <a:bodyPr wrap="square">
+            <a:spAutoFit/>
+          </a:bodyPr>
+          <a:lstStyle/>
+          <a:p>
+            <a:r>
+              <a:rPr lang="zh-CN" altLang="en-US" sz="2000" dirty="0" smtClean="0">
+                <a:solidFill>
+                  <a:srgbClr val="FFC000"/>
+                </a:solidFill>
+                <a:latin typeface="微软雅黑 Light" panose="020B0502040204020203" pitchFamily="34" charset="-122"/>
+                <a:ea typeface="微软雅黑 Light" panose="020B0502040204020203" pitchFamily="34" charset="-122"/>
+              </a:rPr>
+              <a:t>定义：</a:t>
+            </a:r>
+            <a:endParaRPr lang="en-US" altLang="zh-CN" sz="2000" dirty="0" smtClean="0">
+              <a:solidFill>
+                <a:srgbClr val="FFC000"/>
+              </a:solidFill>
+              <a:latin typeface="微软雅黑 Light" panose="020B0502040204020203" pitchFamily="34" charset="-122"/>
+              <a:ea typeface="微软雅黑 Light" panose="020B0502040204020203" pitchFamily="34" charset="-122"/>
+            </a:endParaRPr>
+          </a:p>
+          <a:p>
+            <a:r>
+              <a:rPr lang="en-US" altLang="zh-CN" sz="2000" dirty="0" smtClean="0">
+                <a:latin typeface="微软雅黑 Light" panose="020B0502040204020203" pitchFamily="34" charset="-122"/>
+                <a:ea typeface="微软雅黑 Light" panose="020B0502040204020203" pitchFamily="34" charset="-122"/>
+              </a:rPr>
+              <a:t>       </a:t>
+            </a:r>
+            <a:r>
+              <a:rPr lang="zh-CN" altLang="en-US" sz="2000" dirty="0" smtClean="0">
+                <a:latin typeface="微软雅黑 Light" panose="020B0502040204020203" pitchFamily="34" charset="-122"/>
+                <a:ea typeface="微软雅黑 Light" panose="020B0502040204020203" pitchFamily="34" charset="-122"/>
+              </a:rPr>
+              <a:t>Master</a:t>
+            </a:r>
+            <a:r>
+              <a:rPr lang="zh-CN" altLang="en-US" sz="2000" dirty="0">
+                <a:latin typeface="微软雅黑 Light" panose="020B0502040204020203" pitchFamily="34" charset="-122"/>
+                <a:ea typeface="微软雅黑 Light" panose="020B0502040204020203" pitchFamily="34" charset="-122"/>
+              </a:rPr>
+              <a:t>节点承担的职责负载过重的情况下，可能无法即时对组内成员作出响应</a:t>
+            </a:r>
+            <a:r>
+              <a:rPr lang="zh-CN" altLang="en-US" sz="2000" dirty="0" smtClean="0">
+                <a:latin typeface="微软雅黑 Light" panose="020B0502040204020203" pitchFamily="34" charset="-122"/>
+                <a:ea typeface="微软雅黑 Light" panose="020B0502040204020203" pitchFamily="34" charset="-122"/>
+              </a:rPr>
+              <a:t>。</a:t>
+            </a:r>
+            <a:endParaRPr lang="en-US" altLang="zh-CN" sz="2000" dirty="0" smtClean="0">
+              <a:latin typeface="微软雅黑 Light" panose="020B0502040204020203" pitchFamily="34" charset="-122"/>
+              <a:ea typeface="微软雅黑 Light" panose="020B0502040204020203" pitchFamily="34" charset="-122"/>
+            </a:endParaRPr>
+          </a:p>
+          <a:p>
+            <a:r>
+              <a:rPr lang="zh-CN" altLang="en-US" sz="2000" dirty="0">
+                <a:solidFill>
+                  <a:srgbClr val="FFC000"/>
+                </a:solidFill>
+                <a:latin typeface="微软雅黑 Light" panose="020B0502040204020203" pitchFamily="34" charset="-122"/>
+                <a:ea typeface="微软雅黑 Light" panose="020B0502040204020203" pitchFamily="34" charset="-122"/>
+              </a:rPr>
+              <a:t>问题</a:t>
+            </a:r>
+            <a:r>
+              <a:rPr lang="zh-CN" altLang="en-US" sz="2000" dirty="0" smtClean="0">
+                <a:solidFill>
+                  <a:srgbClr val="FFC000"/>
+                </a:solidFill>
+                <a:latin typeface="微软雅黑 Light" panose="020B0502040204020203" pitchFamily="34" charset="-122"/>
+                <a:ea typeface="微软雅黑 Light" panose="020B0502040204020203" pitchFamily="34" charset="-122"/>
+              </a:rPr>
+              <a:t>：</a:t>
+            </a:r>
+            <a:endParaRPr lang="en-US" altLang="zh-CN" sz="2000" dirty="0" smtClean="0">
+              <a:solidFill>
+                <a:srgbClr val="FFC000"/>
+              </a:solidFill>
+              <a:latin typeface="微软雅黑 Light" panose="020B0502040204020203" pitchFamily="34" charset="-122"/>
+              <a:ea typeface="微软雅黑 Light" panose="020B0502040204020203" pitchFamily="34" charset="-122"/>
+            </a:endParaRPr>
+          </a:p>
+          <a:p>
+            <a:r>
+              <a:rPr lang="zh-CN" altLang="en-US" sz="2000" dirty="0" smtClean="0">
+                <a:latin typeface="微软雅黑 Light" panose="020B0502040204020203" pitchFamily="34" charset="-122"/>
+                <a:ea typeface="微软雅黑 Light" panose="020B0502040204020203" pitchFamily="34" charset="-122"/>
+              </a:rPr>
+              <a:t>       如</a:t>
+            </a:r>
+            <a:r>
+              <a:rPr lang="en-US" altLang="zh-CN" sz="2000" dirty="0" smtClean="0">
+                <a:latin typeface="微软雅黑 Light" panose="020B0502040204020203" pitchFamily="34" charset="-122"/>
+                <a:ea typeface="微软雅黑 Light" panose="020B0502040204020203" pitchFamily="34" charset="-122"/>
+              </a:rPr>
+              <a:t>P1 </a:t>
+            </a:r>
+            <a:r>
+              <a:rPr lang="zh-CN" altLang="en-US" sz="2000" dirty="0" smtClean="0">
+                <a:latin typeface="微软雅黑 Light" panose="020B0502040204020203" pitchFamily="34" charset="-122"/>
+                <a:ea typeface="微软雅黑 Light" panose="020B0502040204020203" pitchFamily="34" charset="-122"/>
+              </a:rPr>
+              <a:t>假死</a:t>
+            </a:r>
+            <a:r>
+              <a:rPr lang="zh-CN" altLang="en-US" sz="2000" dirty="0">
+                <a:latin typeface="微软雅黑 Light" panose="020B0502040204020203" pitchFamily="34" charset="-122"/>
+                <a:ea typeface="微软雅黑 Light" panose="020B0502040204020203" pitchFamily="34" charset="-122"/>
+              </a:rPr>
+              <a:t>，于是</a:t>
+            </a:r>
+            <a:r>
+              <a:rPr lang="en-US" altLang="zh-CN" sz="2000" dirty="0" smtClean="0">
+                <a:latin typeface="微软雅黑 Light" panose="020B0502040204020203" pitchFamily="34" charset="-122"/>
+                <a:ea typeface="微软雅黑 Light" panose="020B0502040204020203" pitchFamily="34" charset="-122"/>
+              </a:rPr>
+              <a:t>P2</a:t>
+            </a:r>
+            <a:r>
+              <a:rPr lang="zh-CN" altLang="en-US" sz="2000" dirty="0" smtClean="0">
+                <a:latin typeface="微软雅黑 Light" panose="020B0502040204020203" pitchFamily="34" charset="-122"/>
+                <a:ea typeface="微软雅黑 Light" panose="020B0502040204020203" pitchFamily="34" charset="-122"/>
+              </a:rPr>
+              <a:t>节点</a:t>
+            </a:r>
+            <a:r>
+              <a:rPr lang="zh-CN" altLang="en-US" sz="2000" dirty="0">
+                <a:latin typeface="微软雅黑 Light" panose="020B0502040204020203" pitchFamily="34" charset="-122"/>
+                <a:ea typeface="微软雅黑 Light" panose="020B0502040204020203" pitchFamily="34" charset="-122"/>
+              </a:rPr>
+              <a:t>成为了</a:t>
+            </a:r>
+            <a:r>
+              <a:rPr lang="en-US" altLang="zh-CN" sz="2000" dirty="0">
+                <a:latin typeface="微软雅黑 Light" panose="020B0502040204020203" pitchFamily="34" charset="-122"/>
+                <a:ea typeface="微软雅黑 Light" panose="020B0502040204020203" pitchFamily="34" charset="-122"/>
+              </a:rPr>
+              <a:t>Master</a:t>
+            </a:r>
+            <a:r>
+              <a:rPr lang="zh-CN" altLang="en-US" sz="2000" dirty="0">
+                <a:latin typeface="微软雅黑 Light" panose="020B0502040204020203" pitchFamily="34" charset="-122"/>
+                <a:ea typeface="微软雅黑 Light" panose="020B0502040204020203" pitchFamily="34" charset="-122"/>
+              </a:rPr>
+              <a:t>节点，但是在</a:t>
+            </a:r>
+            <a:r>
+              <a:rPr lang="en-US" altLang="zh-CN" sz="2000" dirty="0" smtClean="0">
+                <a:latin typeface="微软雅黑 Light" panose="020B0502040204020203" pitchFamily="34" charset="-122"/>
+                <a:ea typeface="微软雅黑 Light" panose="020B0502040204020203" pitchFamily="34" charset="-122"/>
+              </a:rPr>
+              <a:t>P1</a:t>
+            </a:r>
+            <a:r>
+              <a:rPr lang="zh-CN" altLang="en-US" sz="2000" dirty="0" smtClean="0">
+                <a:latin typeface="微软雅黑 Light" panose="020B0502040204020203" pitchFamily="34" charset="-122"/>
+                <a:ea typeface="微软雅黑 Light" panose="020B0502040204020203" pitchFamily="34" charset="-122"/>
+              </a:rPr>
+              <a:t>节点</a:t>
+            </a:r>
+            <a:r>
+              <a:rPr lang="zh-CN" altLang="en-US" sz="2000" dirty="0">
+                <a:latin typeface="微软雅黑 Light" panose="020B0502040204020203" pitchFamily="34" charset="-122"/>
+                <a:ea typeface="微软雅黑 Light" panose="020B0502040204020203" pitchFamily="34" charset="-122"/>
+              </a:rPr>
+              <a:t>负载减轻之后，</a:t>
+            </a:r>
+            <a:r>
+              <a:rPr lang="en-US" altLang="zh-CN" sz="2000" dirty="0" smtClean="0">
+                <a:latin typeface="微软雅黑 Light" panose="020B0502040204020203" pitchFamily="34" charset="-122"/>
+                <a:ea typeface="微软雅黑 Light" panose="020B0502040204020203" pitchFamily="34" charset="-122"/>
+              </a:rPr>
+              <a:t>P1</a:t>
+            </a:r>
+            <a:r>
+              <a:rPr lang="zh-CN" altLang="en-US" sz="2000" dirty="0" smtClean="0">
+                <a:latin typeface="微软雅黑 Light" panose="020B0502040204020203" pitchFamily="34" charset="-122"/>
+                <a:ea typeface="微软雅黑 Light" panose="020B0502040204020203" pitchFamily="34" charset="-122"/>
+              </a:rPr>
+              <a:t>节点</a:t>
+            </a:r>
+            <a:r>
+              <a:rPr lang="zh-CN" altLang="en-US" sz="2000" dirty="0">
+                <a:latin typeface="微软雅黑 Light" panose="020B0502040204020203" pitchFamily="34" charset="-122"/>
+                <a:ea typeface="微软雅黑 Light" panose="020B0502040204020203" pitchFamily="34" charset="-122"/>
+              </a:rPr>
+              <a:t>又对组内成员作出了响应，</a:t>
+            </a:r>
+            <a:r>
+              <a:rPr lang="en-US" altLang="zh-CN" sz="2000" dirty="0" smtClean="0">
+                <a:latin typeface="微软雅黑 Light" panose="020B0502040204020203" pitchFamily="34" charset="-122"/>
+                <a:ea typeface="微软雅黑 Light" panose="020B0502040204020203" pitchFamily="34" charset="-122"/>
+              </a:rPr>
+              <a:t>P1</a:t>
+            </a:r>
+            <a:r>
+              <a:rPr lang="zh-CN" altLang="en-US" sz="2000" dirty="0" smtClean="0">
+                <a:latin typeface="微软雅黑 Light" panose="020B0502040204020203" pitchFamily="34" charset="-122"/>
+                <a:ea typeface="微软雅黑 Light" panose="020B0502040204020203" pitchFamily="34" charset="-122"/>
+              </a:rPr>
+              <a:t>节点</a:t>
+            </a:r>
+            <a:r>
+              <a:rPr lang="zh-CN" altLang="en-US" sz="2000" dirty="0">
+                <a:latin typeface="微软雅黑 Light" panose="020B0502040204020203" pitchFamily="34" charset="-122"/>
+                <a:ea typeface="微软雅黑 Light" panose="020B0502040204020203" pitchFamily="34" charset="-122"/>
+              </a:rPr>
+              <a:t>又会成为</a:t>
+            </a:r>
+            <a:r>
+              <a:rPr lang="en-US" altLang="zh-CN" sz="2000" dirty="0">
+                <a:latin typeface="微软雅黑 Light" panose="020B0502040204020203" pitchFamily="34" charset="-122"/>
+                <a:ea typeface="微软雅黑 Light" panose="020B0502040204020203" pitchFamily="34" charset="-122"/>
+              </a:rPr>
+              <a:t>Master</a:t>
+            </a:r>
+            <a:r>
+              <a:rPr lang="zh-CN" altLang="en-US" sz="2000" dirty="0" smtClean="0">
+                <a:latin typeface="微软雅黑 Light" panose="020B0502040204020203" pitchFamily="34" charset="-122"/>
+                <a:ea typeface="微软雅黑 Light" panose="020B0502040204020203" pitchFamily="34" charset="-122"/>
+              </a:rPr>
+              <a:t>节点。</a:t>
+            </a:r>
+            <a:endParaRPr lang="zh-CN" altLang="en-US" sz="2000" dirty="0">
+              <a:latin typeface="微软雅黑 Light" panose="020B0502040204020203" pitchFamily="34" charset="-122"/>
+              <a:ea typeface="微软雅黑 Light" panose="020B0502040204020203" pitchFamily="34" charset="-122"/>
+            </a:endParaRPr>
+          </a:p>
+        </p:txBody>
+      </p:sp>
+      <p:sp>
+        <p:nvSpPr>
+          <p:cNvPr id="4" name="文本框 3"/>
+          <p:cNvSpPr txBox="1"/>
+          <p:nvPr/>
+        </p:nvSpPr>
+        <p:spPr>
+          <a:xfrm>
+            <a:off x="687185" y="3544139"/>
+            <a:ext cx="5979622" cy="523220"/>
+          </a:xfrm>
+          <a:prstGeom prst="rect">
+            <a:avLst/>
+          </a:prstGeom>
+          <a:noFill/>
+        </p:spPr>
+        <p:txBody>
+          <a:bodyPr wrap="square" rtlCol="0">
+            <a:spAutoFit/>
+          </a:bodyPr>
+          <a:lstStyle/>
+          <a:p>
+            <a:r>
+              <a:rPr lang="en-US" altLang="zh-CN" sz="2800" b="1" dirty="0" smtClean="0">
+                <a:solidFill>
+                  <a:srgbClr val="00B050"/>
+                </a:solidFill>
+                <a:latin typeface="微软雅黑 Light" panose="020B0502040204020203" pitchFamily="34" charset="-122"/>
+                <a:ea typeface="微软雅黑 Light" panose="020B0502040204020203" pitchFamily="34" charset="-122"/>
+              </a:rPr>
+              <a:t>ES</a:t>
+            </a:r>
+            <a:r>
+              <a:rPr lang="zh-CN" altLang="en-US" sz="2800" b="1" dirty="0" smtClean="0">
+                <a:solidFill>
+                  <a:srgbClr val="00B050"/>
+                </a:solidFill>
+                <a:latin typeface="微软雅黑 Light" panose="020B0502040204020203" pitchFamily="34" charset="-122"/>
+                <a:ea typeface="微软雅黑 Light" panose="020B0502040204020203" pitchFamily="34" charset="-122"/>
+              </a:rPr>
+              <a:t>中的解决方案</a:t>
+            </a:r>
+            <a:endParaRPr lang="zh-CN" altLang="en-US" sz="2800" b="1" dirty="0">
+              <a:solidFill>
+                <a:srgbClr val="00B050"/>
+              </a:solidFill>
+              <a:latin typeface="微软雅黑 Light" panose="020B0502040204020203" pitchFamily="34" charset="-122"/>
+              <a:ea typeface="微软雅黑 Light" panose="020B0502040204020203" pitchFamily="34" charset="-122"/>
+            </a:endParaRPr>
+          </a:p>
+        </p:txBody>
+      </p:sp>
+      <p:sp>
+        <p:nvSpPr>
+          <p:cNvPr id="5" name="矩形 4"/>
+          <p:cNvSpPr/>
+          <p:nvPr/>
+        </p:nvSpPr>
+        <p:spPr>
+          <a:xfrm>
+            <a:off x="687185" y="4159590"/>
+            <a:ext cx="9121832" cy="707886"/>
+          </a:xfrm>
+          <a:prstGeom prst="rect">
+            <a:avLst/>
+          </a:prstGeom>
+        </p:spPr>
+        <p:txBody>
+          <a:bodyPr wrap="square">
+            <a:spAutoFit/>
+          </a:bodyPr>
+          <a:lstStyle/>
+          <a:p>
+            <a:r>
+              <a:rPr lang="zh-CN" altLang="en-US" sz="2000" dirty="0" smtClean="0">
+                <a:latin typeface="微软雅黑 Light" panose="020B0502040204020203" pitchFamily="34" charset="-122"/>
+                <a:ea typeface="微软雅黑 Light" panose="020B0502040204020203" pitchFamily="34" charset="-122"/>
+              </a:rPr>
+              <a:t>通过请求其他节点来判断</a:t>
+            </a:r>
+            <a:r>
+              <a:rPr lang="en-US" altLang="zh-CN" sz="2000" dirty="0">
+                <a:latin typeface="微软雅黑 Light" panose="020B0502040204020203" pitchFamily="34" charset="-122"/>
+                <a:ea typeface="微软雅黑 Light" panose="020B0502040204020203" pitchFamily="34" charset="-122"/>
+              </a:rPr>
+              <a:t>Master</a:t>
+            </a:r>
+            <a:r>
+              <a:rPr lang="zh-CN" altLang="en-US" sz="2000" dirty="0" smtClean="0">
+                <a:latin typeface="微软雅黑 Light" panose="020B0502040204020203" pitchFamily="34" charset="-122"/>
+                <a:ea typeface="微软雅黑 Light" panose="020B0502040204020203" pitchFamily="34" charset="-122"/>
+              </a:rPr>
+              <a:t>节点是否存活，如果有</a:t>
+            </a:r>
+            <a:r>
+              <a:rPr lang="en-US" altLang="zh-CN" sz="2000" dirty="0" smtClean="0">
+                <a:solidFill>
+                  <a:srgbClr val="FFFF00"/>
+                </a:solidFill>
+                <a:latin typeface="微软雅黑 Light" panose="020B0502040204020203" pitchFamily="34" charset="-122"/>
+                <a:ea typeface="微软雅黑 Light" panose="020B0502040204020203" pitchFamily="34" charset="-122"/>
+              </a:rPr>
+              <a:t>1/2</a:t>
+            </a:r>
+            <a:r>
+              <a:rPr lang="zh-CN" altLang="en-US" sz="2000" dirty="0" smtClean="0">
+                <a:latin typeface="微软雅黑 Light" panose="020B0502040204020203" pitchFamily="34" charset="-122"/>
+                <a:ea typeface="微软雅黑 Light" panose="020B0502040204020203" pitchFamily="34" charset="-122"/>
+              </a:rPr>
+              <a:t>以上节点都认定</a:t>
+            </a:r>
+            <a:r>
+              <a:rPr lang="en-US" altLang="zh-CN" sz="2000" dirty="0" smtClean="0">
+                <a:latin typeface="微软雅黑 Light" panose="020B0502040204020203" pitchFamily="34" charset="-122"/>
+                <a:ea typeface="微软雅黑 Light" panose="020B0502040204020203" pitchFamily="34" charset="-122"/>
+              </a:rPr>
+              <a:t>Master</a:t>
+            </a:r>
+            <a:r>
+              <a:rPr lang="zh-CN" altLang="en-US" sz="2000" dirty="0" smtClean="0">
+                <a:latin typeface="微软雅黑 Light" panose="020B0502040204020203" pitchFamily="34" charset="-122"/>
+                <a:ea typeface="微软雅黑 Light" panose="020B0502040204020203" pitchFamily="34" charset="-122"/>
+              </a:rPr>
+              <a:t>存活，那么就会放弃发起选举。</a:t>
+            </a:r>
+            <a:endParaRPr lang="zh-CN" altLang="en-US" sz="2000" dirty="0">
+              <a:latin typeface="微软雅黑 Light" panose="020B0502040204020203" pitchFamily="34" charset="-122"/>
+              <a:ea typeface="微软雅黑 Light" panose="020B0502040204020203" pitchFamily="34" charset="-122"/>
+            </a:endParaRPr>
+          </a:p>
+        </p:txBody>
+      </p:sp>
     </p:spTree>
     <p:extLst>
       <p:ext uri="{BB962C8B-B14F-4D97-AF65-F5344CB8AC3E}">
@@ -6872,6 +11468,699 @@
       </p:par>
     </p:tnLst>
   </p:timing>
+</p:sld>
+</file>
+
+<file path=ppt/slides/slide23.xml><?xml version="1.0" encoding="utf-8"?>
+<p:sld xmlns:a="http://schemas.openxmlformats.org/drawingml/2006/main" xmlns:r="http://schemas.openxmlformats.org/officeDocument/2006/relationships" xmlns:p="http://schemas.openxmlformats.org/presentationml/2006/main">
+  <p:cSld>
+    <p:spTree>
+      <p:nvGrpSpPr>
+        <p:cNvPr id="1" name=""/>
+        <p:cNvGrpSpPr/>
+        <p:nvPr/>
+      </p:nvGrpSpPr>
+      <p:grpSpPr>
+        <a:xfrm>
+          <a:off x="0" y="0"/>
+          <a:ext cx="0" cy="0"/>
+          <a:chOff x="0" y="0"/>
+          <a:chExt cx="0" cy="0"/>
+        </a:xfrm>
+      </p:grpSpPr>
+      <p:sp>
+        <p:nvSpPr>
+          <p:cNvPr id="3" name="文本框 2"/>
+          <p:cNvSpPr txBox="1"/>
+          <p:nvPr/>
+        </p:nvSpPr>
+        <p:spPr>
+          <a:xfrm>
+            <a:off x="687185" y="820317"/>
+            <a:ext cx="5979622" cy="523220"/>
+          </a:xfrm>
+          <a:prstGeom prst="rect">
+            <a:avLst/>
+          </a:prstGeom>
+          <a:noFill/>
+        </p:spPr>
+        <p:txBody>
+          <a:bodyPr wrap="square" rtlCol="0">
+            <a:spAutoFit/>
+          </a:bodyPr>
+          <a:lstStyle/>
+          <a:p>
+            <a:r>
+              <a:rPr lang="zh-CN" altLang="en-US" sz="2800" b="1" dirty="0">
+                <a:latin typeface="微软雅黑 Light" panose="020B0502040204020203" pitchFamily="34" charset="-122"/>
+                <a:ea typeface="微软雅黑 Light" panose="020B0502040204020203" pitchFamily="34" charset="-122"/>
+              </a:rPr>
+              <a:t>脑裂问题</a:t>
+            </a:r>
+            <a:endParaRPr lang="zh-CN" altLang="en-US" sz="2800" b="1" dirty="0">
+              <a:latin typeface="微软雅黑 Light" panose="020B0502040204020203" pitchFamily="34" charset="-122"/>
+              <a:ea typeface="微软雅黑 Light" panose="020B0502040204020203" pitchFamily="34" charset="-122"/>
+            </a:endParaRPr>
+          </a:p>
+        </p:txBody>
+      </p:sp>
+      <p:sp>
+        <p:nvSpPr>
+          <p:cNvPr id="4" name="矩形 3"/>
+          <p:cNvSpPr/>
+          <p:nvPr/>
+        </p:nvSpPr>
+        <p:spPr>
+          <a:xfrm>
+            <a:off x="687185" y="1343537"/>
+            <a:ext cx="9121832" cy="1323439"/>
+          </a:xfrm>
+          <a:prstGeom prst="rect">
+            <a:avLst/>
+          </a:prstGeom>
+        </p:spPr>
+        <p:txBody>
+          <a:bodyPr wrap="square">
+            <a:spAutoFit/>
+          </a:bodyPr>
+          <a:lstStyle/>
+          <a:p>
+            <a:r>
+              <a:rPr lang="zh-CN" altLang="en-US" sz="2000" dirty="0" smtClean="0">
+                <a:solidFill>
+                  <a:srgbClr val="FFC000"/>
+                </a:solidFill>
+                <a:latin typeface="微软雅黑 Light" panose="020B0502040204020203" pitchFamily="34" charset="-122"/>
+                <a:ea typeface="微软雅黑 Light" panose="020B0502040204020203" pitchFamily="34" charset="-122"/>
+              </a:rPr>
+              <a:t>定义：</a:t>
+            </a:r>
+            <a:endParaRPr lang="en-US" altLang="zh-CN" sz="2000" dirty="0" smtClean="0">
+              <a:solidFill>
+                <a:srgbClr val="FFC000"/>
+              </a:solidFill>
+              <a:latin typeface="微软雅黑 Light" panose="020B0502040204020203" pitchFamily="34" charset="-122"/>
+              <a:ea typeface="微软雅黑 Light" panose="020B0502040204020203" pitchFamily="34" charset="-122"/>
+            </a:endParaRPr>
+          </a:p>
+          <a:p>
+            <a:r>
+              <a:rPr lang="zh-CN" altLang="en-US" sz="2000" dirty="0" smtClean="0">
+                <a:latin typeface="微软雅黑 Light" panose="020B0502040204020203" pitchFamily="34" charset="-122"/>
+                <a:ea typeface="微软雅黑 Light" panose="020B0502040204020203" pitchFamily="34" charset="-122"/>
+              </a:rPr>
+              <a:t>       当</a:t>
+            </a:r>
+            <a:r>
+              <a:rPr lang="zh-CN" altLang="en-US" sz="2000" dirty="0">
+                <a:latin typeface="微软雅黑 Light" panose="020B0502040204020203" pitchFamily="34" charset="-122"/>
+                <a:ea typeface="微软雅黑 Light" panose="020B0502040204020203" pitchFamily="34" charset="-122"/>
+              </a:rPr>
+              <a:t>一个集群因为网络问题，分裂成了两个集群，选出了两个</a:t>
+            </a:r>
+            <a:r>
+              <a:rPr lang="en-US" altLang="zh-CN" sz="2000" dirty="0">
+                <a:latin typeface="微软雅黑 Light" panose="020B0502040204020203" pitchFamily="34" charset="-122"/>
+                <a:ea typeface="微软雅黑 Light" panose="020B0502040204020203" pitchFamily="34" charset="-122"/>
+              </a:rPr>
+              <a:t>Master</a:t>
+            </a:r>
+            <a:r>
+              <a:rPr lang="zh-CN" altLang="en-US" sz="2000" dirty="0" smtClean="0">
+                <a:latin typeface="微软雅黑 Light" panose="020B0502040204020203" pitchFamily="34" charset="-122"/>
+                <a:ea typeface="微软雅黑 Light" panose="020B0502040204020203" pitchFamily="34" charset="-122"/>
+              </a:rPr>
+              <a:t>。</a:t>
+            </a:r>
+            <a:endParaRPr lang="en-US" altLang="zh-CN" sz="2000" dirty="0" smtClean="0">
+              <a:latin typeface="微软雅黑 Light" panose="020B0502040204020203" pitchFamily="34" charset="-122"/>
+              <a:ea typeface="微软雅黑 Light" panose="020B0502040204020203" pitchFamily="34" charset="-122"/>
+            </a:endParaRPr>
+          </a:p>
+          <a:p>
+            <a:r>
+              <a:rPr lang="zh-CN" altLang="en-US" sz="2000" dirty="0">
+                <a:solidFill>
+                  <a:srgbClr val="FFC000"/>
+                </a:solidFill>
+                <a:latin typeface="微软雅黑 Light" panose="020B0502040204020203" pitchFamily="34" charset="-122"/>
+                <a:ea typeface="微软雅黑 Light" panose="020B0502040204020203" pitchFamily="34" charset="-122"/>
+              </a:rPr>
+              <a:t>问题</a:t>
+            </a:r>
+            <a:r>
+              <a:rPr lang="zh-CN" altLang="en-US" sz="2000" dirty="0" smtClean="0">
+                <a:solidFill>
+                  <a:srgbClr val="FFC000"/>
+                </a:solidFill>
+                <a:latin typeface="微软雅黑 Light" panose="020B0502040204020203" pitchFamily="34" charset="-122"/>
+                <a:ea typeface="微软雅黑 Light" panose="020B0502040204020203" pitchFamily="34" charset="-122"/>
+              </a:rPr>
+              <a:t>：</a:t>
+            </a:r>
+            <a:endParaRPr lang="en-US" altLang="zh-CN" sz="2000" dirty="0" smtClean="0">
+              <a:solidFill>
+                <a:srgbClr val="FFC000"/>
+              </a:solidFill>
+              <a:latin typeface="微软雅黑 Light" panose="020B0502040204020203" pitchFamily="34" charset="-122"/>
+              <a:ea typeface="微软雅黑 Light" panose="020B0502040204020203" pitchFamily="34" charset="-122"/>
+            </a:endParaRPr>
+          </a:p>
+          <a:p>
+            <a:r>
+              <a:rPr lang="zh-CN" altLang="en-US" sz="2000" dirty="0" smtClean="0">
+                <a:latin typeface="微软雅黑 Light" panose="020B0502040204020203" pitchFamily="34" charset="-122"/>
+                <a:ea typeface="微软雅黑 Light" panose="020B0502040204020203" pitchFamily="34" charset="-122"/>
+              </a:rPr>
+              <a:t>       网络</a:t>
+            </a:r>
+            <a:r>
+              <a:rPr lang="zh-CN" altLang="en-US" sz="2000" dirty="0">
+                <a:latin typeface="微软雅黑 Light" panose="020B0502040204020203" pitchFamily="34" charset="-122"/>
+                <a:ea typeface="微软雅黑 Light" panose="020B0502040204020203" pitchFamily="34" charset="-122"/>
+              </a:rPr>
+              <a:t>恢复时，无法正确恢复集群。</a:t>
+            </a:r>
+          </a:p>
+        </p:txBody>
+      </p:sp>
+      <p:pic>
+        <p:nvPicPr>
+          <p:cNvPr id="5" name="图片 4"/>
+          <p:cNvPicPr>
+            <a:picLocks noChangeAspect="1"/>
+          </p:cNvPicPr>
+          <p:nvPr/>
+        </p:nvPicPr>
+        <p:blipFill>
+          <a:blip r:embed="rId2">
+            <a:extLst>
+              <a:ext uri="{28A0092B-C50C-407E-A947-70E740481C1C}">
+                <a14:useLocalDpi xmlns:a14="http://schemas.microsoft.com/office/drawing/2010/main" val="0"/>
+              </a:ext>
+            </a:extLst>
+          </a:blip>
+          <a:stretch>
+            <a:fillRect/>
+          </a:stretch>
+        </p:blipFill>
+        <p:spPr>
+          <a:xfrm>
+            <a:off x="2180704" y="2811780"/>
+            <a:ext cx="5982393" cy="3331861"/>
+          </a:xfrm>
+          <a:prstGeom prst="rect">
+            <a:avLst/>
+          </a:prstGeom>
+        </p:spPr>
+      </p:pic>
+    </p:spTree>
+    <p:extLst>
+      <p:ext uri="{BB962C8B-B14F-4D97-AF65-F5344CB8AC3E}">
+        <p14:creationId xmlns:p14="http://schemas.microsoft.com/office/powerpoint/2010/main" val="888020669"/>
+      </p:ext>
+    </p:extLst>
+  </p:cSld>
+  <p:clrMapOvr>
+    <a:masterClrMapping/>
+  </p:clrMapOvr>
+</p:sld>
+</file>
+
+<file path=ppt/slides/slide24.xml><?xml version="1.0" encoding="utf-8"?>
+<p:sld xmlns:a="http://schemas.openxmlformats.org/drawingml/2006/main" xmlns:r="http://schemas.openxmlformats.org/officeDocument/2006/relationships" xmlns:p="http://schemas.openxmlformats.org/presentationml/2006/main">
+  <p:cSld>
+    <p:spTree>
+      <p:nvGrpSpPr>
+        <p:cNvPr id="1" name=""/>
+        <p:cNvGrpSpPr/>
+        <p:nvPr/>
+      </p:nvGrpSpPr>
+      <p:grpSpPr>
+        <a:xfrm>
+          <a:off x="0" y="0"/>
+          <a:ext cx="0" cy="0"/>
+          <a:chOff x="0" y="0"/>
+          <a:chExt cx="0" cy="0"/>
+        </a:xfrm>
+      </p:grpSpPr>
+      <p:sp>
+        <p:nvSpPr>
+          <p:cNvPr id="2" name="文本框 1"/>
+          <p:cNvSpPr txBox="1"/>
+          <p:nvPr/>
+        </p:nvSpPr>
+        <p:spPr>
+          <a:xfrm>
+            <a:off x="687185" y="820317"/>
+            <a:ext cx="5979622" cy="523220"/>
+          </a:xfrm>
+          <a:prstGeom prst="rect">
+            <a:avLst/>
+          </a:prstGeom>
+          <a:noFill/>
+        </p:spPr>
+        <p:txBody>
+          <a:bodyPr wrap="square" rtlCol="0">
+            <a:spAutoFit/>
+          </a:bodyPr>
+          <a:lstStyle/>
+          <a:p>
+            <a:r>
+              <a:rPr lang="zh-CN" altLang="en-US" sz="2800" b="1" dirty="0">
+                <a:latin typeface="微软雅黑 Light" panose="020B0502040204020203" pitchFamily="34" charset="-122"/>
+                <a:ea typeface="微软雅黑 Light" panose="020B0502040204020203" pitchFamily="34" charset="-122"/>
+              </a:rPr>
+              <a:t>脑裂问题</a:t>
+            </a:r>
+            <a:endParaRPr lang="zh-CN" altLang="en-US" sz="2800" b="1" dirty="0">
+              <a:latin typeface="微软雅黑 Light" panose="020B0502040204020203" pitchFamily="34" charset="-122"/>
+              <a:ea typeface="微软雅黑 Light" panose="020B0502040204020203" pitchFamily="34" charset="-122"/>
+            </a:endParaRPr>
+          </a:p>
+        </p:txBody>
+      </p:sp>
+      <p:sp>
+        <p:nvSpPr>
+          <p:cNvPr id="3" name="文本框 2"/>
+          <p:cNvSpPr txBox="1"/>
+          <p:nvPr/>
+        </p:nvSpPr>
+        <p:spPr>
+          <a:xfrm>
+            <a:off x="687185" y="1343537"/>
+            <a:ext cx="5979622" cy="523220"/>
+          </a:xfrm>
+          <a:prstGeom prst="rect">
+            <a:avLst/>
+          </a:prstGeom>
+          <a:noFill/>
+        </p:spPr>
+        <p:txBody>
+          <a:bodyPr wrap="square" rtlCol="0">
+            <a:spAutoFit/>
+          </a:bodyPr>
+          <a:lstStyle/>
+          <a:p>
+            <a:r>
+              <a:rPr lang="en-US" altLang="zh-CN" sz="2800" b="1" dirty="0" smtClean="0">
+                <a:solidFill>
+                  <a:srgbClr val="00B050"/>
+                </a:solidFill>
+                <a:latin typeface="微软雅黑 Light" panose="020B0502040204020203" pitchFamily="34" charset="-122"/>
+                <a:ea typeface="微软雅黑 Light" panose="020B0502040204020203" pitchFamily="34" charset="-122"/>
+              </a:rPr>
+              <a:t>ES</a:t>
+            </a:r>
+            <a:r>
+              <a:rPr lang="zh-CN" altLang="en-US" sz="2800" b="1" dirty="0" smtClean="0">
+                <a:solidFill>
+                  <a:srgbClr val="00B050"/>
+                </a:solidFill>
+                <a:latin typeface="微软雅黑 Light" panose="020B0502040204020203" pitchFamily="34" charset="-122"/>
+                <a:ea typeface="微软雅黑 Light" panose="020B0502040204020203" pitchFamily="34" charset="-122"/>
+              </a:rPr>
+              <a:t>中的解决方案</a:t>
+            </a:r>
+            <a:endParaRPr lang="zh-CN" altLang="en-US" sz="2800" b="1" dirty="0">
+              <a:solidFill>
+                <a:srgbClr val="00B050"/>
+              </a:solidFill>
+              <a:latin typeface="微软雅黑 Light" panose="020B0502040204020203" pitchFamily="34" charset="-122"/>
+              <a:ea typeface="微软雅黑 Light" panose="020B0502040204020203" pitchFamily="34" charset="-122"/>
+            </a:endParaRPr>
+          </a:p>
+        </p:txBody>
+      </p:sp>
+      <p:sp>
+        <p:nvSpPr>
+          <p:cNvPr id="4" name="矩形 3"/>
+          <p:cNvSpPr/>
+          <p:nvPr/>
+        </p:nvSpPr>
+        <p:spPr>
+          <a:xfrm>
+            <a:off x="687184" y="2036034"/>
+            <a:ext cx="9919855" cy="1938992"/>
+          </a:xfrm>
+          <a:prstGeom prst="rect">
+            <a:avLst/>
+          </a:prstGeom>
+        </p:spPr>
+        <p:txBody>
+          <a:bodyPr wrap="square">
+            <a:spAutoFit/>
+          </a:bodyPr>
+          <a:lstStyle/>
+          <a:p>
+            <a:r>
+              <a:rPr lang="zh-CN" altLang="en-US" sz="2000" dirty="0" smtClean="0">
+                <a:latin typeface="微软雅黑 Light" panose="020B0502040204020203" pitchFamily="34" charset="-122"/>
+                <a:ea typeface="微软雅黑 Light" panose="020B0502040204020203" pitchFamily="34" charset="-122"/>
+              </a:rPr>
+              <a:t>设置</a:t>
+            </a:r>
+            <a:r>
+              <a:rPr lang="en-US" altLang="zh-CN" sz="2000" dirty="0">
+                <a:latin typeface="微软雅黑 Light" panose="020B0502040204020203" pitchFamily="34" charset="-122"/>
+                <a:ea typeface="微软雅黑 Light" panose="020B0502040204020203" pitchFamily="34" charset="-122"/>
+              </a:rPr>
+              <a:t>quorum(</a:t>
+            </a:r>
+            <a:r>
+              <a:rPr lang="zh-CN" altLang="en-US" sz="2000" dirty="0">
+                <a:latin typeface="微软雅黑 Light" panose="020B0502040204020203" pitchFamily="34" charset="-122"/>
+                <a:ea typeface="微软雅黑 Light" panose="020B0502040204020203" pitchFamily="34" charset="-122"/>
+              </a:rPr>
+              <a:t>多数仲裁</a:t>
+            </a:r>
+            <a:r>
+              <a:rPr lang="en-US" altLang="zh-CN" sz="2000" dirty="0">
+                <a:latin typeface="微软雅黑 Light" panose="020B0502040204020203" pitchFamily="34" charset="-122"/>
+                <a:ea typeface="微软雅黑 Light" panose="020B0502040204020203" pitchFamily="34" charset="-122"/>
+              </a:rPr>
+              <a:t>)</a:t>
+            </a:r>
+            <a:r>
+              <a:rPr lang="zh-CN" altLang="en-US" sz="2000" dirty="0">
+                <a:latin typeface="微软雅黑 Light" panose="020B0502040204020203" pitchFamily="34" charset="-122"/>
+                <a:ea typeface="微软雅黑 Light" panose="020B0502040204020203" pitchFamily="34" charset="-122"/>
+              </a:rPr>
+              <a:t>，只有在 </a:t>
+            </a:r>
+            <a:r>
+              <a:rPr lang="en-US" altLang="zh-CN" sz="2000" dirty="0">
+                <a:latin typeface="微软雅黑 Light" panose="020B0502040204020203" pitchFamily="34" charset="-122"/>
+                <a:ea typeface="微软雅黑 Light" panose="020B0502040204020203" pitchFamily="34" charset="-122"/>
+              </a:rPr>
+              <a:t>Master Eligible</a:t>
+            </a:r>
+            <a:r>
+              <a:rPr lang="zh-CN" altLang="en-US" sz="2000" dirty="0">
+                <a:latin typeface="微软雅黑 Light" panose="020B0502040204020203" pitchFamily="34" charset="-122"/>
+                <a:ea typeface="微软雅黑 Light" panose="020B0502040204020203" pitchFamily="34" charset="-122"/>
+              </a:rPr>
+              <a:t>节点数大于</a:t>
+            </a:r>
+            <a:r>
+              <a:rPr lang="en-US" altLang="zh-CN" sz="2000" dirty="0">
+                <a:latin typeface="微软雅黑 Light" panose="020B0502040204020203" pitchFamily="34" charset="-122"/>
+                <a:ea typeface="微软雅黑 Light" panose="020B0502040204020203" pitchFamily="34" charset="-122"/>
+              </a:rPr>
+              <a:t>quorum</a:t>
+            </a:r>
+            <a:r>
+              <a:rPr lang="zh-CN" altLang="en-US" sz="2000" dirty="0">
+                <a:latin typeface="微软雅黑 Light" panose="020B0502040204020203" pitchFamily="34" charset="-122"/>
+                <a:ea typeface="微软雅黑 Light" panose="020B0502040204020203" pitchFamily="34" charset="-122"/>
+              </a:rPr>
+              <a:t>时，才能进行选举</a:t>
+            </a:r>
+            <a:r>
+              <a:rPr lang="zh-CN" altLang="en-US" sz="2000" dirty="0" smtClean="0">
+                <a:latin typeface="微软雅黑 Light" panose="020B0502040204020203" pitchFamily="34" charset="-122"/>
+                <a:ea typeface="微软雅黑 Light" panose="020B0502040204020203" pitchFamily="34" charset="-122"/>
+              </a:rPr>
+              <a:t>。</a:t>
+            </a:r>
+            <a:endParaRPr lang="en-US" altLang="zh-CN" sz="2000" dirty="0" smtClean="0">
+              <a:latin typeface="微软雅黑 Light" panose="020B0502040204020203" pitchFamily="34" charset="-122"/>
+              <a:ea typeface="微软雅黑 Light" panose="020B0502040204020203" pitchFamily="34" charset="-122"/>
+            </a:endParaRPr>
+          </a:p>
+          <a:p>
+            <a:endParaRPr lang="en-US" altLang="zh-CN" sz="2000" dirty="0">
+              <a:latin typeface="微软雅黑 Light" panose="020B0502040204020203" pitchFamily="34" charset="-122"/>
+              <a:ea typeface="微软雅黑 Light" panose="020B0502040204020203" pitchFamily="34" charset="-122"/>
+            </a:endParaRPr>
+          </a:p>
+          <a:p>
+            <a:pPr marL="342900" indent="-342900">
+              <a:buFont typeface="Arial" panose="020B0604020202020204" pitchFamily="34" charset="0"/>
+              <a:buChar char="•"/>
+            </a:pPr>
+            <a:r>
+              <a:rPr lang="en-US" altLang="zh-CN" sz="2000" dirty="0" smtClean="0">
+                <a:latin typeface="微软雅黑 Light" panose="020B0502040204020203" pitchFamily="34" charset="-122"/>
+                <a:ea typeface="微软雅黑 Light" panose="020B0502040204020203" pitchFamily="34" charset="-122"/>
+              </a:rPr>
+              <a:t>quorum </a:t>
+            </a:r>
+            <a:r>
+              <a:rPr lang="en-US" altLang="zh-CN" sz="2000" dirty="0">
+                <a:latin typeface="微软雅黑 Light" panose="020B0502040204020203" pitchFamily="34" charset="-122"/>
+                <a:ea typeface="微软雅黑 Light" panose="020B0502040204020203" pitchFamily="34" charset="-122"/>
+              </a:rPr>
+              <a:t>= </a:t>
+            </a:r>
+            <a:r>
+              <a:rPr lang="en-US" altLang="zh-CN" sz="2000" dirty="0">
+                <a:solidFill>
+                  <a:srgbClr val="FFC000"/>
+                </a:solidFill>
+                <a:latin typeface="微软雅黑 Light" panose="020B0502040204020203" pitchFamily="34" charset="-122"/>
+                <a:ea typeface="微软雅黑 Light" panose="020B0502040204020203" pitchFamily="34" charset="-122"/>
+              </a:rPr>
+              <a:t>master eligible nodes / 2 </a:t>
+            </a:r>
+            <a:r>
+              <a:rPr lang="en-US" altLang="zh-CN" sz="2000" dirty="0">
+                <a:latin typeface="微软雅黑 Light" panose="020B0502040204020203" pitchFamily="34" charset="-122"/>
+                <a:ea typeface="微软雅黑 Light" panose="020B0502040204020203" pitchFamily="34" charset="-122"/>
+              </a:rPr>
+              <a:t>+</a:t>
+            </a:r>
+            <a:r>
+              <a:rPr lang="en-US" altLang="zh-CN" sz="2000" dirty="0">
+                <a:solidFill>
+                  <a:srgbClr val="00B0F0"/>
+                </a:solidFill>
+                <a:latin typeface="微软雅黑 Light" panose="020B0502040204020203" pitchFamily="34" charset="-122"/>
+                <a:ea typeface="微软雅黑 Light" panose="020B0502040204020203" pitchFamily="34" charset="-122"/>
+              </a:rPr>
+              <a:t> </a:t>
+            </a:r>
+            <a:r>
+              <a:rPr lang="en-US" altLang="zh-CN" sz="2000" dirty="0" smtClean="0">
+                <a:solidFill>
+                  <a:srgbClr val="00B0F0"/>
+                </a:solidFill>
+                <a:latin typeface="微软雅黑 Light" panose="020B0502040204020203" pitchFamily="34" charset="-122"/>
+                <a:ea typeface="微软雅黑 Light" panose="020B0502040204020203" pitchFamily="34" charset="-122"/>
+              </a:rPr>
+              <a:t>1</a:t>
+            </a:r>
+          </a:p>
+          <a:p>
+            <a:pPr marL="342900" indent="-342900">
+              <a:buFont typeface="Arial" panose="020B0604020202020204" pitchFamily="34" charset="0"/>
+              <a:buChar char="•"/>
+            </a:pPr>
+            <a:endParaRPr lang="en-US" altLang="zh-CN" sz="2000" dirty="0" smtClean="0">
+              <a:latin typeface="微软雅黑 Light" panose="020B0502040204020203" pitchFamily="34" charset="-122"/>
+              <a:ea typeface="微软雅黑 Light" panose="020B0502040204020203" pitchFamily="34" charset="-122"/>
+            </a:endParaRPr>
+          </a:p>
+          <a:p>
+            <a:pPr marL="342900" indent="-342900">
+              <a:buFont typeface="Arial" panose="020B0604020202020204" pitchFamily="34" charset="0"/>
+              <a:buChar char="•"/>
+            </a:pPr>
+            <a:r>
+              <a:rPr lang="zh-CN" altLang="en-US" sz="2000" dirty="0" smtClean="0">
+                <a:latin typeface="微软雅黑 Light" panose="020B0502040204020203" pitchFamily="34" charset="-122"/>
+                <a:ea typeface="微软雅黑 Light" panose="020B0502040204020203" pitchFamily="34" charset="-122"/>
+              </a:rPr>
+              <a:t>当 </a:t>
+            </a:r>
+            <a:r>
+              <a:rPr lang="en-US" altLang="zh-CN" sz="2000" dirty="0">
+                <a:latin typeface="微软雅黑 Light" panose="020B0502040204020203" pitchFamily="34" charset="-122"/>
+                <a:ea typeface="微软雅黑 Light" panose="020B0502040204020203" pitchFamily="34" charset="-122"/>
+              </a:rPr>
+              <a:t>master eligible nodes = 3</a:t>
+            </a:r>
+            <a:r>
+              <a:rPr lang="zh-CN" altLang="en-US" sz="2000" dirty="0">
+                <a:latin typeface="微软雅黑 Light" panose="020B0502040204020203" pitchFamily="34" charset="-122"/>
+                <a:ea typeface="微软雅黑 Light" panose="020B0502040204020203" pitchFamily="34" charset="-122"/>
+              </a:rPr>
+              <a:t>， 设置</a:t>
+            </a:r>
+            <a:r>
+              <a:rPr lang="en-US" altLang="zh-CN" sz="2000" dirty="0" err="1">
+                <a:solidFill>
+                  <a:srgbClr val="92D050"/>
+                </a:solidFill>
+                <a:latin typeface="微软雅黑 Light" panose="020B0502040204020203" pitchFamily="34" charset="-122"/>
+                <a:ea typeface="微软雅黑 Light" panose="020B0502040204020203" pitchFamily="34" charset="-122"/>
+              </a:rPr>
+              <a:t>discovery.</a:t>
+            </a:r>
+            <a:r>
+              <a:rPr lang="en-US" altLang="zh-CN" sz="2000" dirty="0" err="1">
+                <a:solidFill>
+                  <a:srgbClr val="FFC000"/>
+                </a:solidFill>
+                <a:latin typeface="微软雅黑 Light" panose="020B0502040204020203" pitchFamily="34" charset="-122"/>
+                <a:ea typeface="微软雅黑 Light" panose="020B0502040204020203" pitchFamily="34" charset="-122"/>
+              </a:rPr>
+              <a:t>zen.minimum_master_nodes</a:t>
+            </a:r>
+            <a:r>
+              <a:rPr lang="zh-CN" altLang="en-US" sz="2000" dirty="0">
+                <a:latin typeface="微软雅黑 Light" panose="020B0502040204020203" pitchFamily="34" charset="-122"/>
+                <a:ea typeface="微软雅黑 Light" panose="020B0502040204020203" pitchFamily="34" charset="-122"/>
+              </a:rPr>
+              <a:t>为</a:t>
+            </a:r>
+            <a:r>
+              <a:rPr lang="en-US" altLang="zh-CN" sz="2000" dirty="0">
+                <a:latin typeface="微软雅黑 Light" panose="020B0502040204020203" pitchFamily="34" charset="-122"/>
+                <a:ea typeface="微软雅黑 Light" panose="020B0502040204020203" pitchFamily="34" charset="-122"/>
+              </a:rPr>
+              <a:t>2</a:t>
+            </a:r>
+            <a:r>
+              <a:rPr lang="zh-CN" altLang="en-US" sz="2000" dirty="0">
+                <a:latin typeface="微软雅黑 Light" panose="020B0502040204020203" pitchFamily="34" charset="-122"/>
+                <a:ea typeface="微软雅黑 Light" panose="020B0502040204020203" pitchFamily="34" charset="-122"/>
+              </a:rPr>
+              <a:t>，即可避免脑裂</a:t>
+            </a:r>
+          </a:p>
+        </p:txBody>
+      </p:sp>
+    </p:spTree>
+    <p:extLst>
+      <p:ext uri="{BB962C8B-B14F-4D97-AF65-F5344CB8AC3E}">
+        <p14:creationId xmlns:p14="http://schemas.microsoft.com/office/powerpoint/2010/main" val="3650686687"/>
+      </p:ext>
+    </p:extLst>
+  </p:cSld>
+  <p:clrMapOvr>
+    <a:masterClrMapping/>
+  </p:clrMapOvr>
+</p:sld>
+</file>
+
+<file path=ppt/slides/slide25.xml><?xml version="1.0" encoding="utf-8"?>
+<p:sld xmlns:a="http://schemas.openxmlformats.org/drawingml/2006/main" xmlns:r="http://schemas.openxmlformats.org/officeDocument/2006/relationships" xmlns:p="http://schemas.openxmlformats.org/presentationml/2006/main">
+  <p:cSld>
+    <p:spTree>
+      <p:nvGrpSpPr>
+        <p:cNvPr id="1" name=""/>
+        <p:cNvGrpSpPr/>
+        <p:nvPr/>
+      </p:nvGrpSpPr>
+      <p:grpSpPr>
+        <a:xfrm>
+          <a:off x="0" y="0"/>
+          <a:ext cx="0" cy="0"/>
+          <a:chOff x="0" y="0"/>
+          <a:chExt cx="0" cy="0"/>
+        </a:xfrm>
+      </p:grpSpPr>
+    </p:spTree>
+    <p:extLst>
+      <p:ext uri="{BB962C8B-B14F-4D97-AF65-F5344CB8AC3E}">
+        <p14:creationId xmlns:p14="http://schemas.microsoft.com/office/powerpoint/2010/main" val="1783869258"/>
+      </p:ext>
+    </p:extLst>
+  </p:cSld>
+  <p:clrMapOvr>
+    <a:masterClrMapping/>
+  </p:clrMapOvr>
+</p:sld>
+</file>
+
+<file path=ppt/slides/slide26.xml><?xml version="1.0" encoding="utf-8"?>
+<p:sld xmlns:a="http://schemas.openxmlformats.org/drawingml/2006/main" xmlns:r="http://schemas.openxmlformats.org/officeDocument/2006/relationships" xmlns:p="http://schemas.openxmlformats.org/presentationml/2006/main">
+  <p:cSld>
+    <p:spTree>
+      <p:nvGrpSpPr>
+        <p:cNvPr id="1" name=""/>
+        <p:cNvGrpSpPr/>
+        <p:nvPr/>
+      </p:nvGrpSpPr>
+      <p:grpSpPr>
+        <a:xfrm>
+          <a:off x="0" y="0"/>
+          <a:ext cx="0" cy="0"/>
+          <a:chOff x="0" y="0"/>
+          <a:chExt cx="0" cy="0"/>
+        </a:xfrm>
+      </p:grpSpPr>
+    </p:spTree>
+    <p:extLst>
+      <p:ext uri="{BB962C8B-B14F-4D97-AF65-F5344CB8AC3E}">
+        <p14:creationId xmlns:p14="http://schemas.microsoft.com/office/powerpoint/2010/main" val="1753534046"/>
+      </p:ext>
+    </p:extLst>
+  </p:cSld>
+  <p:clrMapOvr>
+    <a:masterClrMapping/>
+  </p:clrMapOvr>
+</p:sld>
+</file>
+
+<file path=ppt/slides/slide27.xml><?xml version="1.0" encoding="utf-8"?>
+<p:sld xmlns:a="http://schemas.openxmlformats.org/drawingml/2006/main" xmlns:r="http://schemas.openxmlformats.org/officeDocument/2006/relationships" xmlns:p="http://schemas.openxmlformats.org/presentationml/2006/main">
+  <p:cSld>
+    <p:spTree>
+      <p:nvGrpSpPr>
+        <p:cNvPr id="1" name=""/>
+        <p:cNvGrpSpPr/>
+        <p:nvPr/>
+      </p:nvGrpSpPr>
+      <p:grpSpPr>
+        <a:xfrm>
+          <a:off x="0" y="0"/>
+          <a:ext cx="0" cy="0"/>
+          <a:chOff x="0" y="0"/>
+          <a:chExt cx="0" cy="0"/>
+        </a:xfrm>
+      </p:grpSpPr>
+    </p:spTree>
+    <p:extLst>
+      <p:ext uri="{BB962C8B-B14F-4D97-AF65-F5344CB8AC3E}">
+        <p14:creationId xmlns:p14="http://schemas.microsoft.com/office/powerpoint/2010/main" val="3629661172"/>
+      </p:ext>
+    </p:extLst>
+  </p:cSld>
+  <p:clrMapOvr>
+    <a:masterClrMapping/>
+  </p:clrMapOvr>
+</p:sld>
+</file>
+
+<file path=ppt/slides/slide28.xml><?xml version="1.0" encoding="utf-8"?>
+<p:sld xmlns:a="http://schemas.openxmlformats.org/drawingml/2006/main" xmlns:r="http://schemas.openxmlformats.org/officeDocument/2006/relationships" xmlns:p="http://schemas.openxmlformats.org/presentationml/2006/main">
+  <p:cSld>
+    <p:spTree>
+      <p:nvGrpSpPr>
+        <p:cNvPr id="1" name=""/>
+        <p:cNvGrpSpPr/>
+        <p:nvPr/>
+      </p:nvGrpSpPr>
+      <p:grpSpPr>
+        <a:xfrm>
+          <a:off x="0" y="0"/>
+          <a:ext cx="0" cy="0"/>
+          <a:chOff x="0" y="0"/>
+          <a:chExt cx="0" cy="0"/>
+        </a:xfrm>
+      </p:grpSpPr>
+    </p:spTree>
+    <p:extLst>
+      <p:ext uri="{BB962C8B-B14F-4D97-AF65-F5344CB8AC3E}">
+        <p14:creationId xmlns:p14="http://schemas.microsoft.com/office/powerpoint/2010/main" val="2281339234"/>
+      </p:ext>
+    </p:extLst>
+  </p:cSld>
+  <p:clrMapOvr>
+    <a:masterClrMapping/>
+  </p:clrMapOvr>
 </p:sld>
 </file>
 
@@ -7790,10 +13079,7 @@
             <a:r>
               <a:rPr lang="zh-CN" altLang="en-US" sz="1600" dirty="0" smtClean="0">
                 <a:solidFill>
-                  <a:schemeClr val="accent2">
-                    <a:lumMod val="60000"/>
-                    <a:lumOff val="40000"/>
-                  </a:schemeClr>
+                  <a:srgbClr val="92D050"/>
                 </a:solidFill>
                 <a:latin typeface="微软雅黑 Light" panose="020B0502040204020203" pitchFamily="34" charset="-122"/>
                 <a:ea typeface="微软雅黑 Light" panose="020B0502040204020203" pitchFamily="34" charset="-122"/>
@@ -7834,10 +13120,7 @@
             <a:r>
               <a:rPr lang="zh-CN" altLang="en-US" sz="1600" dirty="0" smtClean="0">
                 <a:solidFill>
-                  <a:schemeClr val="accent5">
-                    <a:lumMod val="40000"/>
-                    <a:lumOff val="60000"/>
-                  </a:schemeClr>
+                  <a:srgbClr val="FF0000"/>
                 </a:solidFill>
                 <a:latin typeface="微软雅黑 Light" panose="020B0502040204020203" pitchFamily="34" charset="-122"/>
                 <a:ea typeface="微软雅黑 Light" panose="020B0502040204020203" pitchFamily="34" charset="-122"/>
@@ -7867,10 +13150,7 @@
             <a:r>
               <a:rPr lang="zh-CN" altLang="en-US" sz="1600" dirty="0" smtClean="0">
                 <a:solidFill>
-                  <a:schemeClr val="accent3">
-                    <a:lumMod val="60000"/>
-                    <a:lumOff val="40000"/>
-                  </a:schemeClr>
+                  <a:srgbClr val="00B0F0"/>
                 </a:solidFill>
                 <a:latin typeface="微软雅黑 Light" panose="020B0502040204020203" pitchFamily="34" charset="-122"/>
                 <a:ea typeface="微软雅黑 Light" panose="020B0502040204020203" pitchFamily="34" charset="-122"/>
@@ -8115,7 +13395,7 @@
           <p:nvPr>
             <p:extLst>
               <p:ext uri="{D42A27DB-BD31-4B8C-83A1-F6EECF244321}">
-                <p14:modId xmlns:p14="http://schemas.microsoft.com/office/powerpoint/2010/main" val="3582726805"/>
+                <p14:modId xmlns:p14="http://schemas.microsoft.com/office/powerpoint/2010/main" val="1039604661"/>
               </p:ext>
             </p:extLst>
           </p:nvPr>
@@ -8128,7 +13408,7 @@
           <a:graphicData uri="http://schemas.openxmlformats.org/drawingml/2006/table">
             <a:tbl>
               <a:tblPr firstRow="1" bandRow="1">
-                <a:tableStyleId>{0505E3EF-67EA-436B-97B2-0124C06EBD24}</a:tableStyleId>
+                <a:tableStyleId>{F5AB1C69-6EDB-4FF4-983F-18BD219EF322}</a:tableStyleId>
               </a:tblPr>
               <a:tblGrid>
                 <a:gridCol w="4064000"/>
@@ -8186,12 +13466,18 @@
                     <a:p>
                       <a:r>
                         <a:rPr lang="en-US" altLang="zh-CN" dirty="0" smtClean="0">
+                          <a:solidFill>
+                            <a:srgbClr val="0070C0"/>
+                          </a:solidFill>
                           <a:latin typeface="微软雅黑 Light" panose="020B0502040204020203" pitchFamily="34" charset="-122"/>
                           <a:ea typeface="微软雅黑 Light" panose="020B0502040204020203" pitchFamily="34" charset="-122"/>
                         </a:rPr>
                         <a:t>bin</a:t>
                       </a:r>
                       <a:endParaRPr lang="zh-CN" altLang="en-US" dirty="0">
+                        <a:solidFill>
+                          <a:srgbClr val="0070C0"/>
+                        </a:solidFill>
                         <a:latin typeface="微软雅黑 Light" panose="020B0502040204020203" pitchFamily="34" charset="-122"/>
                         <a:ea typeface="微软雅黑 Light" panose="020B0502040204020203" pitchFamily="34" charset="-122"/>
                       </a:endParaRPr>
@@ -8228,12 +13514,18 @@
                     <a:p>
                       <a:r>
                         <a:rPr lang="en-US" altLang="zh-CN" dirty="0" err="1" smtClean="0">
+                          <a:solidFill>
+                            <a:srgbClr val="0070C0"/>
+                          </a:solidFill>
                           <a:latin typeface="微软雅黑 Light" panose="020B0502040204020203" pitchFamily="34" charset="-122"/>
                           <a:ea typeface="微软雅黑 Light" panose="020B0502040204020203" pitchFamily="34" charset="-122"/>
                         </a:rPr>
                         <a:t>config</a:t>
                       </a:r>
                       <a:endParaRPr lang="zh-CN" altLang="en-US" dirty="0">
+                        <a:solidFill>
+                          <a:srgbClr val="0070C0"/>
+                        </a:solidFill>
                         <a:latin typeface="微软雅黑 Light" panose="020B0502040204020203" pitchFamily="34" charset="-122"/>
                         <a:ea typeface="微软雅黑 Light" panose="020B0502040204020203" pitchFamily="34" charset="-122"/>
                       </a:endParaRPr>
@@ -8270,12 +13562,18 @@
                     <a:p>
                       <a:r>
                         <a:rPr lang="en-US" altLang="zh-CN" dirty="0" err="1" smtClean="0">
+                          <a:solidFill>
+                            <a:srgbClr val="0070C0"/>
+                          </a:solidFill>
                           <a:latin typeface="微软雅黑 Light" panose="020B0502040204020203" pitchFamily="34" charset="-122"/>
                           <a:ea typeface="微软雅黑 Light" panose="020B0502040204020203" pitchFamily="34" charset="-122"/>
                         </a:rPr>
                         <a:t>jdk</a:t>
                       </a:r>
                       <a:endParaRPr lang="zh-CN" altLang="en-US" dirty="0">
+                        <a:solidFill>
+                          <a:srgbClr val="0070C0"/>
+                        </a:solidFill>
                         <a:latin typeface="微软雅黑 Light" panose="020B0502040204020203" pitchFamily="34" charset="-122"/>
                         <a:ea typeface="微软雅黑 Light" panose="020B0502040204020203" pitchFamily="34" charset="-122"/>
                       </a:endParaRPr>
@@ -8326,12 +13624,18 @@
                     <a:p>
                       <a:r>
                         <a:rPr lang="en-US" altLang="zh-CN" dirty="0" smtClean="0">
+                          <a:solidFill>
+                            <a:srgbClr val="0070C0"/>
+                          </a:solidFill>
                           <a:latin typeface="微软雅黑 Light" panose="020B0502040204020203" pitchFamily="34" charset="-122"/>
                           <a:ea typeface="微软雅黑 Light" panose="020B0502040204020203" pitchFamily="34" charset="-122"/>
                         </a:rPr>
                         <a:t>lib</a:t>
                       </a:r>
                       <a:endParaRPr lang="zh-CN" altLang="en-US" dirty="0">
+                        <a:solidFill>
+                          <a:srgbClr val="0070C0"/>
+                        </a:solidFill>
                         <a:latin typeface="微软雅黑 Light" panose="020B0502040204020203" pitchFamily="34" charset="-122"/>
                         <a:ea typeface="微软雅黑 Light" panose="020B0502040204020203" pitchFamily="34" charset="-122"/>
                       </a:endParaRPr>
@@ -8368,12 +13672,18 @@
                     <a:p>
                       <a:r>
                         <a:rPr lang="en-US" altLang="zh-CN" dirty="0" smtClean="0">
+                          <a:solidFill>
+                            <a:srgbClr val="0070C0"/>
+                          </a:solidFill>
                           <a:latin typeface="微软雅黑 Light" panose="020B0502040204020203" pitchFamily="34" charset="-122"/>
                           <a:ea typeface="微软雅黑 Light" panose="020B0502040204020203" pitchFamily="34" charset="-122"/>
                         </a:rPr>
                         <a:t>logs</a:t>
                       </a:r>
                       <a:endParaRPr lang="zh-CN" altLang="en-US" dirty="0">
+                        <a:solidFill>
+                          <a:srgbClr val="0070C0"/>
+                        </a:solidFill>
                         <a:latin typeface="微软雅黑 Light" panose="020B0502040204020203" pitchFamily="34" charset="-122"/>
                         <a:ea typeface="微软雅黑 Light" panose="020B0502040204020203" pitchFamily="34" charset="-122"/>
                       </a:endParaRPr>
@@ -8410,12 +13720,18 @@
                     <a:p>
                       <a:r>
                         <a:rPr lang="en-US" altLang="zh-CN" dirty="0" smtClean="0">
+                          <a:solidFill>
+                            <a:srgbClr val="0070C0"/>
+                          </a:solidFill>
                           <a:latin typeface="微软雅黑 Light" panose="020B0502040204020203" pitchFamily="34" charset="-122"/>
                           <a:ea typeface="微软雅黑 Light" panose="020B0502040204020203" pitchFamily="34" charset="-122"/>
                         </a:rPr>
                         <a:t>modules</a:t>
                       </a:r>
                       <a:endParaRPr lang="zh-CN" altLang="en-US" dirty="0">
+                        <a:solidFill>
+                          <a:srgbClr val="0070C0"/>
+                        </a:solidFill>
                         <a:latin typeface="微软雅黑 Light" panose="020B0502040204020203" pitchFamily="34" charset="-122"/>
                         <a:ea typeface="微软雅黑 Light" panose="020B0502040204020203" pitchFamily="34" charset="-122"/>
                       </a:endParaRPr>
@@ -8452,12 +13768,18 @@
                     <a:p>
                       <a:r>
                         <a:rPr lang="en-US" altLang="zh-CN" dirty="0" smtClean="0">
+                          <a:solidFill>
+                            <a:srgbClr val="0070C0"/>
+                          </a:solidFill>
                           <a:latin typeface="微软雅黑 Light" panose="020B0502040204020203" pitchFamily="34" charset="-122"/>
                           <a:ea typeface="微软雅黑 Light" panose="020B0502040204020203" pitchFamily="34" charset="-122"/>
                         </a:rPr>
                         <a:t>plugins</a:t>
                       </a:r>
                       <a:endParaRPr lang="zh-CN" altLang="en-US" dirty="0">
+                        <a:solidFill>
+                          <a:srgbClr val="0070C0"/>
+                        </a:solidFill>
                         <a:latin typeface="微软雅黑 Light" panose="020B0502040204020203" pitchFamily="34" charset="-122"/>
                         <a:ea typeface="微软雅黑 Light" panose="020B0502040204020203" pitchFamily="34" charset="-122"/>
                       </a:endParaRPr>
@@ -8527,7 +13849,24 @@
                 <a:latin typeface="微软雅黑 Light" panose="020B0502040204020203" pitchFamily="34" charset="-122"/>
                 <a:ea typeface="微软雅黑 Light" panose="020B0502040204020203" pitchFamily="34" charset="-122"/>
               </a:rPr>
-              <a:t>如果系统配置了JAVA_HOME，那么使用系统默认的 JDK，如果没有配置使用自带的 JDK。</a:t>
+              <a:t>如果系统配置了</a:t>
+            </a:r>
+            <a:r>
+              <a:rPr lang="zh-CN" altLang="en-US" b="1" dirty="0" smtClean="0">
+                <a:solidFill>
+                  <a:srgbClr val="00B0F0"/>
+                </a:solidFill>
+                <a:latin typeface="微软雅黑 Light" panose="020B0502040204020203" pitchFamily="34" charset="-122"/>
+                <a:ea typeface="微软雅黑 Light" panose="020B0502040204020203" pitchFamily="34" charset="-122"/>
+              </a:rPr>
+              <a:t>JAVA_HOME</a:t>
+            </a:r>
+            <a:r>
+              <a:rPr lang="zh-CN" altLang="en-US" b="1" dirty="0" smtClean="0">
+                <a:latin typeface="微软雅黑 Light" panose="020B0502040204020203" pitchFamily="34" charset="-122"/>
+                <a:ea typeface="微软雅黑 Light" panose="020B0502040204020203" pitchFamily="34" charset="-122"/>
+              </a:rPr>
+              <a:t>，那么使用系统默认的 JDK，如果没有配置使用自带的 JDK。</a:t>
             </a:r>
             <a:endParaRPr lang="zh-CN" altLang="en-US" b="1" dirty="0">
               <a:latin typeface="微软雅黑 Light" panose="020B0502040204020203" pitchFamily="34" charset="-122"/>
